--- a/7.프로세스흐름도(2.19v1byK).pptx
+++ b/7.프로세스흐름도(2.19v1byK).pptx
@@ -5,8 +5,7 @@
     <p:sldMasterId id="2147483648" r:id="rId1"/>
   </p:sldMasterIdLst>
   <p:sldIdLst>
-    <p:sldId id="256" r:id="rId2"/>
-    <p:sldId id="257" r:id="rId3"/>
+    <p:sldId id="257" r:id="rId2"/>
   </p:sldIdLst>
   <p:sldSz cx="9144000" cy="5143500" type="screen16x9"/>
   <p:notesSz cx="6858000" cy="9144000"/>
@@ -3101,14 +3100,14 @@
       </p:grpSpPr>
       <p:sp>
         <p:nvSpPr>
-          <p:cNvPr id="4" name="TextBox 3"/>
+          <p:cNvPr id="22" name="TextBox 21"/>
           <p:cNvSpPr txBox="1"/>
           <p:nvPr/>
         </p:nvSpPr>
         <p:spPr>
           <a:xfrm>
-            <a:off x="2915816" y="1059582"/>
-            <a:ext cx="1492716" cy="2123658"/>
+            <a:off x="2546251" y="4741515"/>
+            <a:ext cx="872355" cy="276999"/>
           </a:xfrm>
           <a:prstGeom prst="rect">
             <a:avLst/>
@@ -3122,53 +3121,6 @@
           <a:lstStyle/>
           <a:p>
             <a:r>
-              <a:rPr lang="ko-KR" altLang="en-US" sz="1200" dirty="0" smtClean="0">
-                <a:latin typeface="ELAND 초이스OTF Light" pitchFamily="18" charset="-127"/>
-                <a:ea typeface="ELAND 초이스OTF Light" pitchFamily="18" charset="-127"/>
-              </a:rPr>
-              <a:t>회원가입</a:t>
-            </a:r>
-            <a:endParaRPr lang="en-US" altLang="ko-KR" sz="1200" dirty="0" smtClean="0">
-              <a:latin typeface="ELAND 초이스OTF Light" pitchFamily="18" charset="-127"/>
-              <a:ea typeface="ELAND 초이스OTF Light" pitchFamily="18" charset="-127"/>
-            </a:endParaRPr>
-          </a:p>
-          <a:p>
-            <a:r>
-              <a:rPr lang="ko-KR" altLang="en-US" sz="1200" dirty="0" smtClean="0">
-                <a:latin typeface="ELAND 초이스OTF Light" pitchFamily="18" charset="-127"/>
-                <a:ea typeface="ELAND 초이스OTF Light" pitchFamily="18" charset="-127"/>
-              </a:rPr>
-              <a:t>상</a:t>
-            </a:r>
-            <a:r>
-              <a:rPr lang="ko-KR" altLang="en-US" sz="1200" dirty="0">
-                <a:latin typeface="ELAND 초이스OTF Light" pitchFamily="18" charset="-127"/>
-                <a:ea typeface="ELAND 초이스OTF Light" pitchFamily="18" charset="-127"/>
-              </a:rPr>
-              <a:t>품</a:t>
-            </a:r>
-            <a:r>
-              <a:rPr lang="ko-KR" altLang="en-US" sz="1200" dirty="0" smtClean="0">
-                <a:latin typeface="ELAND 초이스OTF Light" pitchFamily="18" charset="-127"/>
-                <a:ea typeface="ELAND 초이스OTF Light" pitchFamily="18" charset="-127"/>
-              </a:rPr>
-              <a:t>조회</a:t>
-            </a:r>
-            <a:endParaRPr lang="en-US" altLang="ko-KR" sz="1200" dirty="0" smtClean="0">
-              <a:latin typeface="ELAND 초이스OTF Light" pitchFamily="18" charset="-127"/>
-              <a:ea typeface="ELAND 초이스OTF Light" pitchFamily="18" charset="-127"/>
-            </a:endParaRPr>
-          </a:p>
-          <a:p>
-            <a:r>
-              <a:rPr lang="ko-KR" altLang="en-US" sz="1200" dirty="0" smtClean="0">
-                <a:latin typeface="ELAND 초이스OTF Light" pitchFamily="18" charset="-127"/>
-                <a:ea typeface="ELAND 초이스OTF Light" pitchFamily="18" charset="-127"/>
-              </a:rPr>
-              <a:t> </a:t>
-            </a:r>
-            <a:r>
               <a:rPr lang="en-US" altLang="ko-KR" sz="1200" dirty="0" smtClean="0">
                 <a:latin typeface="ELAND 초이스OTF Light" pitchFamily="18" charset="-127"/>
                 <a:ea typeface="ELAND 초이스OTF Light" pitchFamily="18" charset="-127"/>
@@ -3180,496 +3132,576 @@
                 <a:latin typeface="ELAND 초이스OTF Light" pitchFamily="18" charset="-127"/>
                 <a:ea typeface="ELAND 초이스OTF Light" pitchFamily="18" charset="-127"/>
               </a:rPr>
-              <a:t>상품세부정보조회</a:t>
-            </a:r>
-            <a:endParaRPr lang="en-US" altLang="ko-KR" sz="1200" dirty="0" smtClean="0">
+              <a:t>리뷰쓰기</a:t>
+            </a:r>
+            <a:endParaRPr lang="ko-KR" altLang="en-US" sz="1200" dirty="0" smtClean="0">
               <a:latin typeface="ELAND 초이스OTF Light" pitchFamily="18" charset="-127"/>
               <a:ea typeface="ELAND 초이스OTF Light" pitchFamily="18" charset="-127"/>
             </a:endParaRPr>
           </a:p>
-          <a:p>
-            <a:r>
-              <a:rPr lang="ko-KR" altLang="en-US" sz="1200" dirty="0" smtClean="0">
-                <a:latin typeface="ELAND 초이스OTF Light" pitchFamily="18" charset="-127"/>
-                <a:ea typeface="ELAND 초이스OTF Light" pitchFamily="18" charset="-127"/>
+        </p:txBody>
+      </p:sp>
+      <p:sp>
+        <p:nvSpPr>
+          <p:cNvPr id="27" name="직사각형 26"/>
+          <p:cNvSpPr/>
+          <p:nvPr/>
+        </p:nvSpPr>
+        <p:spPr>
+          <a:xfrm>
+            <a:off x="9756576" y="-1422007"/>
+            <a:ext cx="1050288" cy="369332"/>
+          </a:xfrm>
+          <a:prstGeom prst="rect">
+            <a:avLst/>
+          </a:prstGeom>
+        </p:spPr>
+        <p:txBody>
+          <a:bodyPr wrap="none">
+            <a:spAutoFit/>
+          </a:bodyPr>
+          <a:lstStyle/>
+          <a:p>
+            <a:r>
+              <a:rPr lang="ko-KR" altLang="en-US" dirty="0">
+                <a:latin typeface="ELAND 초이스OTF Medium" pitchFamily="18" charset="-127"/>
+                <a:ea typeface="ELAND 초이스OTF Medium" pitchFamily="18" charset="-127"/>
+              </a:rPr>
+              <a:t>회원가입</a:t>
+            </a:r>
+            <a:endParaRPr lang="en-US" altLang="ko-KR" dirty="0">
+              <a:latin typeface="ELAND 초이스OTF Medium" pitchFamily="18" charset="-127"/>
+              <a:ea typeface="ELAND 초이스OTF Medium" pitchFamily="18" charset="-127"/>
+            </a:endParaRPr>
+          </a:p>
+        </p:txBody>
+      </p:sp>
+      <p:sp>
+        <p:nvSpPr>
+          <p:cNvPr id="28" name="직사각형 27"/>
+          <p:cNvSpPr/>
+          <p:nvPr/>
+        </p:nvSpPr>
+        <p:spPr>
+          <a:xfrm>
+            <a:off x="9756576" y="-882684"/>
+            <a:ext cx="1050288" cy="369332"/>
+          </a:xfrm>
+          <a:prstGeom prst="rect">
+            <a:avLst/>
+          </a:prstGeom>
+        </p:spPr>
+        <p:txBody>
+          <a:bodyPr wrap="none">
+            <a:spAutoFit/>
+          </a:bodyPr>
+          <a:lstStyle/>
+          <a:p>
+            <a:r>
+              <a:rPr lang="ko-KR" altLang="en-US" dirty="0">
+                <a:latin typeface="ELAND 초이스OTF Medium" pitchFamily="18" charset="-127"/>
+                <a:ea typeface="ELAND 초이스OTF Medium" pitchFamily="18" charset="-127"/>
+              </a:rPr>
+              <a:t>상품조회</a:t>
+            </a:r>
+            <a:endParaRPr lang="en-US" altLang="ko-KR" dirty="0">
+              <a:latin typeface="ELAND 초이스OTF Medium" pitchFamily="18" charset="-127"/>
+              <a:ea typeface="ELAND 초이스OTF Medium" pitchFamily="18" charset="-127"/>
+            </a:endParaRPr>
+          </a:p>
+        </p:txBody>
+      </p:sp>
+      <p:sp>
+        <p:nvSpPr>
+          <p:cNvPr id="29" name="직사각형 28"/>
+          <p:cNvSpPr/>
+          <p:nvPr/>
+        </p:nvSpPr>
+        <p:spPr>
+          <a:xfrm>
+            <a:off x="9756576" y="-343361"/>
+            <a:ext cx="1547218" cy="369332"/>
+          </a:xfrm>
+          <a:prstGeom prst="rect">
+            <a:avLst/>
+          </a:prstGeom>
+        </p:spPr>
+        <p:txBody>
+          <a:bodyPr wrap="none">
+            <a:spAutoFit/>
+          </a:bodyPr>
+          <a:lstStyle/>
+          <a:p>
+            <a:r>
+              <a:rPr lang="ko-KR" altLang="en-US" dirty="0">
+                <a:latin typeface="ELAND 초이스OTF Medium" pitchFamily="18" charset="-127"/>
+                <a:ea typeface="ELAND 초이스OTF Medium" pitchFamily="18" charset="-127"/>
               </a:rPr>
               <a:t>장바구니 담기</a:t>
             </a:r>
-            <a:endParaRPr lang="en-US" altLang="ko-KR" sz="1200" dirty="0" smtClean="0">
-              <a:latin typeface="ELAND 초이스OTF Light" pitchFamily="18" charset="-127"/>
-              <a:ea typeface="ELAND 초이스OTF Light" pitchFamily="18" charset="-127"/>
+            <a:endParaRPr lang="en-US" altLang="ko-KR" dirty="0">
+              <a:latin typeface="ELAND 초이스OTF Medium" pitchFamily="18" charset="-127"/>
+              <a:ea typeface="ELAND 초이스OTF Medium" pitchFamily="18" charset="-127"/>
             </a:endParaRPr>
           </a:p>
-          <a:p>
-            <a:r>
-              <a:rPr lang="ko-KR" altLang="en-US" sz="1200" dirty="0" smtClean="0">
-                <a:latin typeface="ELAND 초이스OTF Light" pitchFamily="18" charset="-127"/>
-                <a:ea typeface="ELAND 초이스OTF Light" pitchFamily="18" charset="-127"/>
-              </a:rPr>
-              <a:t> </a:t>
-            </a:r>
-            <a:r>
-              <a:rPr lang="en-US" altLang="ko-KR" sz="1200" dirty="0" smtClean="0">
-                <a:latin typeface="ELAND 초이스OTF Light" pitchFamily="18" charset="-127"/>
-                <a:ea typeface="ELAND 초이스OTF Light" pitchFamily="18" charset="-127"/>
-              </a:rPr>
-              <a:t>- </a:t>
-            </a:r>
-            <a:r>
-              <a:rPr lang="ko-KR" altLang="en-US" sz="1200" dirty="0" err="1" smtClean="0">
-                <a:latin typeface="ELAND 초이스OTF Light" pitchFamily="18" charset="-127"/>
-                <a:ea typeface="ELAND 초이스OTF Light" pitchFamily="18" charset="-127"/>
-              </a:rPr>
-              <a:t>캐쉬충전하기</a:t>
-            </a:r>
-            <a:endParaRPr lang="en-US" altLang="ko-KR" sz="1200" dirty="0" smtClean="0">
-              <a:latin typeface="ELAND 초이스OTF Light" pitchFamily="18" charset="-127"/>
-              <a:ea typeface="ELAND 초이스OTF Light" pitchFamily="18" charset="-127"/>
-            </a:endParaRPr>
-          </a:p>
-          <a:p>
-            <a:r>
-              <a:rPr lang="ko-KR" altLang="en-US" sz="1200" dirty="0" smtClean="0">
-                <a:latin typeface="ELAND 초이스OTF Light" pitchFamily="18" charset="-127"/>
-                <a:ea typeface="ELAND 초이스OTF Light" pitchFamily="18" charset="-127"/>
+        </p:txBody>
+      </p:sp>
+      <p:sp>
+        <p:nvSpPr>
+          <p:cNvPr id="30" name="직사각형 29"/>
+          <p:cNvSpPr/>
+          <p:nvPr/>
+        </p:nvSpPr>
+        <p:spPr>
+          <a:xfrm>
+            <a:off x="9756576" y="195961"/>
+            <a:ext cx="1050288" cy="369332"/>
+          </a:xfrm>
+          <a:prstGeom prst="rect">
+            <a:avLst/>
+          </a:prstGeom>
+        </p:spPr>
+        <p:txBody>
+          <a:bodyPr wrap="none">
+            <a:spAutoFit/>
+          </a:bodyPr>
+          <a:lstStyle/>
+          <a:p>
+            <a:r>
+              <a:rPr lang="ko-KR" altLang="en-US" dirty="0">
+                <a:latin typeface="ELAND 초이스OTF Medium" pitchFamily="18" charset="-127"/>
+                <a:ea typeface="ELAND 초이스OTF Medium" pitchFamily="18" charset="-127"/>
               </a:rPr>
               <a:t>주문하기</a:t>
             </a:r>
-            <a:endParaRPr lang="en-US" altLang="ko-KR" sz="1200" dirty="0" smtClean="0">
-              <a:latin typeface="ELAND 초이스OTF Light" pitchFamily="18" charset="-127"/>
-              <a:ea typeface="ELAND 초이스OTF Light" pitchFamily="18" charset="-127"/>
+            <a:endParaRPr lang="en-US" altLang="ko-KR" dirty="0">
+              <a:latin typeface="ELAND 초이스OTF Medium" pitchFamily="18" charset="-127"/>
+              <a:ea typeface="ELAND 초이스OTF Medium" pitchFamily="18" charset="-127"/>
             </a:endParaRPr>
           </a:p>
-          <a:p>
-            <a:r>
-              <a:rPr lang="ko-KR" altLang="en-US" sz="1200" dirty="0" smtClean="0">
-                <a:latin typeface="ELAND 초이스OTF Light" pitchFamily="18" charset="-127"/>
-                <a:ea typeface="ELAND 초이스OTF Light" pitchFamily="18" charset="-127"/>
+        </p:txBody>
+      </p:sp>
+      <p:sp>
+        <p:nvSpPr>
+          <p:cNvPr id="31" name="직사각형 30"/>
+          <p:cNvSpPr/>
+          <p:nvPr/>
+        </p:nvSpPr>
+        <p:spPr>
+          <a:xfrm>
+            <a:off x="9756576" y="735284"/>
+            <a:ext cx="617477" cy="369332"/>
+          </a:xfrm>
+          <a:prstGeom prst="rect">
+            <a:avLst/>
+          </a:prstGeom>
+        </p:spPr>
+        <p:txBody>
+          <a:bodyPr wrap="none">
+            <a:spAutoFit/>
+          </a:bodyPr>
+          <a:lstStyle/>
+          <a:p>
+            <a:r>
+              <a:rPr lang="ko-KR" altLang="en-US" dirty="0">
+                <a:latin typeface="ELAND 초이스OTF Medium" pitchFamily="18" charset="-127"/>
+                <a:ea typeface="ELAND 초이스OTF Medium" pitchFamily="18" charset="-127"/>
               </a:rPr>
-              <a:t> </a:t>
-            </a:r>
-            <a:r>
-              <a:rPr lang="en-US" altLang="ko-KR" sz="1200" dirty="0" smtClean="0">
-                <a:latin typeface="ELAND 초이스OTF Light" pitchFamily="18" charset="-127"/>
-                <a:ea typeface="ELAND 초이스OTF Light" pitchFamily="18" charset="-127"/>
+              <a:t>배송</a:t>
+            </a:r>
+            <a:endParaRPr lang="en-US" altLang="ko-KR" dirty="0">
+              <a:latin typeface="ELAND 초이스OTF Medium" pitchFamily="18" charset="-127"/>
+              <a:ea typeface="ELAND 초이스OTF Medium" pitchFamily="18" charset="-127"/>
+            </a:endParaRPr>
+          </a:p>
+        </p:txBody>
+      </p:sp>
+      <p:sp>
+        <p:nvSpPr>
+          <p:cNvPr id="32" name="직사각형 31"/>
+          <p:cNvSpPr/>
+          <p:nvPr/>
+        </p:nvSpPr>
+        <p:spPr>
+          <a:xfrm>
+            <a:off x="9756576" y="1813928"/>
+            <a:ext cx="1050288" cy="369332"/>
+          </a:xfrm>
+          <a:prstGeom prst="rect">
+            <a:avLst/>
+          </a:prstGeom>
+        </p:spPr>
+        <p:txBody>
+          <a:bodyPr wrap="none">
+            <a:spAutoFit/>
+          </a:bodyPr>
+          <a:lstStyle/>
+          <a:p>
+            <a:r>
+              <a:rPr lang="ko-KR" altLang="en-US" dirty="0">
+                <a:latin typeface="ELAND 초이스OTF Medium" pitchFamily="18" charset="-127"/>
+                <a:ea typeface="ELAND 초이스OTF Medium" pitchFamily="18" charset="-127"/>
               </a:rPr>
-              <a:t>- </a:t>
-            </a:r>
-            <a:r>
-              <a:rPr lang="ko-KR" altLang="en-US" sz="1200" dirty="0" smtClean="0">
-                <a:latin typeface="ELAND 초이스OTF Light" pitchFamily="18" charset="-127"/>
-                <a:ea typeface="ELAND 초이스OTF Light" pitchFamily="18" charset="-127"/>
+              <a:t>구매확정</a:t>
+            </a:r>
+            <a:endParaRPr lang="en-US" altLang="ko-KR" dirty="0">
+              <a:latin typeface="ELAND 초이스OTF Medium" pitchFamily="18" charset="-127"/>
+              <a:ea typeface="ELAND 초이스OTF Medium" pitchFamily="18" charset="-127"/>
+            </a:endParaRPr>
+          </a:p>
+        </p:txBody>
+      </p:sp>
+      <p:sp>
+        <p:nvSpPr>
+          <p:cNvPr id="33" name="직사각형 32"/>
+          <p:cNvSpPr/>
+          <p:nvPr/>
+        </p:nvSpPr>
+        <p:spPr>
+          <a:xfrm>
+            <a:off x="9756576" y="1274607"/>
+            <a:ext cx="1483098" cy="369332"/>
+          </a:xfrm>
+          <a:prstGeom prst="rect">
+            <a:avLst/>
+          </a:prstGeom>
+        </p:spPr>
+        <p:txBody>
+          <a:bodyPr wrap="none">
+            <a:spAutoFit/>
+          </a:bodyPr>
+          <a:lstStyle/>
+          <a:p>
+            <a:r>
+              <a:rPr lang="ko-KR" altLang="en-US" dirty="0" smtClean="0">
+                <a:latin typeface="ELAND 초이스OTF Medium" pitchFamily="18" charset="-127"/>
+                <a:ea typeface="ELAND 초이스OTF Medium" pitchFamily="18" charset="-127"/>
               </a:rPr>
               <a:t>주문목록확인</a:t>
             </a:r>
-            <a:endParaRPr lang="en-US" altLang="ko-KR" sz="1200" dirty="0" smtClean="0">
-              <a:latin typeface="ELAND 초이스OTF Light" pitchFamily="18" charset="-127"/>
-              <a:ea typeface="ELAND 초이스OTF Light" pitchFamily="18" charset="-127"/>
+            <a:endParaRPr lang="en-US" altLang="ko-KR" dirty="0">
+              <a:latin typeface="ELAND 초이스OTF Medium" pitchFamily="18" charset="-127"/>
+              <a:ea typeface="ELAND 초이스OTF Medium" pitchFamily="18" charset="-127"/>
             </a:endParaRPr>
           </a:p>
-          <a:p>
-            <a:r>
-              <a:rPr lang="ko-KR" altLang="en-US" sz="1200" dirty="0" smtClean="0">
-                <a:latin typeface="ELAND 초이스OTF Light" pitchFamily="18" charset="-127"/>
-                <a:ea typeface="ELAND 초이스OTF Light" pitchFamily="18" charset="-127"/>
-              </a:rPr>
-              <a:t>배송</a:t>
-            </a:r>
-            <a:endParaRPr lang="en-US" altLang="ko-KR" sz="1200" dirty="0" smtClean="0">
-              <a:latin typeface="ELAND 초이스OTF Light" pitchFamily="18" charset="-127"/>
-              <a:ea typeface="ELAND 초이스OTF Light" pitchFamily="18" charset="-127"/>
-            </a:endParaRPr>
-          </a:p>
-          <a:p>
-            <a:r>
-              <a:rPr lang="ko-KR" altLang="en-US" sz="1200" dirty="0" smtClean="0">
-                <a:latin typeface="ELAND 초이스OTF Light" pitchFamily="18" charset="-127"/>
-                <a:ea typeface="ELAND 초이스OTF Light" pitchFamily="18" charset="-127"/>
-              </a:rPr>
-              <a:t>구매확정</a:t>
-            </a:r>
-            <a:endParaRPr lang="en-US" altLang="ko-KR" sz="1200" dirty="0" smtClean="0">
-              <a:latin typeface="ELAND 초이스OTF Light" pitchFamily="18" charset="-127"/>
-              <a:ea typeface="ELAND 초이스OTF Light" pitchFamily="18" charset="-127"/>
-            </a:endParaRPr>
-          </a:p>
-          <a:p>
-            <a:r>
-              <a:rPr lang="ko-KR" altLang="en-US" sz="1200" dirty="0" smtClean="0">
-                <a:latin typeface="ELAND 초이스OTF Light" pitchFamily="18" charset="-127"/>
-                <a:ea typeface="ELAND 초이스OTF Light" pitchFamily="18" charset="-127"/>
-              </a:rPr>
-              <a:t> </a:t>
-            </a:r>
-            <a:r>
-              <a:rPr lang="en-US" altLang="ko-KR" sz="1200" dirty="0" smtClean="0">
-                <a:latin typeface="ELAND 초이스OTF Light" pitchFamily="18" charset="-127"/>
-                <a:ea typeface="ELAND 초이스OTF Light" pitchFamily="18" charset="-127"/>
-              </a:rPr>
-              <a:t>- </a:t>
-            </a:r>
-            <a:r>
-              <a:rPr lang="ko-KR" altLang="en-US" sz="1200" dirty="0" smtClean="0">
-                <a:latin typeface="ELAND 초이스OTF Light" pitchFamily="18" charset="-127"/>
-                <a:ea typeface="ELAND 초이스OTF Light" pitchFamily="18" charset="-127"/>
-              </a:rPr>
-              <a:t>리뷰쓰기</a:t>
-            </a:r>
-          </a:p>
-          <a:p>
-            <a:endParaRPr lang="ko-KR" altLang="en-US" sz="1200" dirty="0">
-              <a:latin typeface="ELAND 초이스OTF Light" pitchFamily="18" charset="-127"/>
-              <a:ea typeface="ELAND 초이스OTF Light" pitchFamily="18" charset="-127"/>
-            </a:endParaRPr>
-          </a:p>
-        </p:txBody>
-      </p:sp>
-    </p:spTree>
-    <p:extLst>
-      <p:ext uri="{BB962C8B-B14F-4D97-AF65-F5344CB8AC3E}">
-        <p14:creationId xmlns:p14="http://schemas.microsoft.com/office/powerpoint/2010/main" val="699946876"/>
-      </p:ext>
-    </p:extLst>
-  </p:cSld>
-  <p:clrMapOvr>
-    <a:masterClrMapping/>
-  </p:clrMapOvr>
-</p:sld>
-</file>
-
-<file path=ppt/slides/slide2.xml><?xml version="1.0" encoding="utf-8"?>
-<p:sld xmlns:a="http://schemas.openxmlformats.org/drawingml/2006/main" xmlns:r="http://schemas.openxmlformats.org/officeDocument/2006/relationships" xmlns:p="http://schemas.openxmlformats.org/presentationml/2006/main">
-  <p:cSld>
-    <p:spTree>
-      <p:nvGrpSpPr>
-        <p:cNvPr id="1" name=""/>
-        <p:cNvGrpSpPr/>
-        <p:nvPr/>
-      </p:nvGrpSpPr>
-      <p:grpSpPr>
-        <a:xfrm>
-          <a:off x="0" y="0"/>
-          <a:ext cx="0" cy="0"/>
-          <a:chOff x="0" y="0"/>
-          <a:chExt cx="0" cy="0"/>
-        </a:xfrm>
-      </p:grpSpPr>
+        </p:txBody>
+      </p:sp>
       <p:grpSp>
         <p:nvGrpSpPr>
-          <p:cNvPr id="4" name="그룹 3"/>
+          <p:cNvPr id="48" name="그룹 47"/>
           <p:cNvGrpSpPr/>
           <p:nvPr/>
         </p:nvGrpSpPr>
         <p:grpSpPr>
           <a:xfrm>
-            <a:off x="179512" y="915273"/>
-            <a:ext cx="277364" cy="3608799"/>
-            <a:chOff x="595794" y="882842"/>
-            <a:chExt cx="277364" cy="3608799"/>
+            <a:off x="1944662" y="1082027"/>
+            <a:ext cx="2051274" cy="3865987"/>
+            <a:chOff x="1944662" y="1203598"/>
+            <a:chExt cx="2051274" cy="3865987"/>
           </a:xfrm>
         </p:grpSpPr>
-        <p:pic>
-          <p:nvPicPr>
-            <p:cNvPr id="2075" name="Picture 27" descr="C:\Users\PC-08\Downloads\sustainable_food_production_iconset\png\128\crop_rotation.png"/>
-            <p:cNvPicPr>
-              <a:picLocks noChangeAspect="1" noChangeArrowheads="1"/>
-            </p:cNvPicPr>
+        <p:grpSp>
+          <p:nvGrpSpPr>
+            <p:cNvPr id="4" name="그룹 3"/>
+            <p:cNvGrpSpPr/>
             <p:nvPr/>
-          </p:nvPicPr>
-          <p:blipFill>
-            <a:blip r:embed="rId2" cstate="print">
+          </p:nvGrpSpPr>
+          <p:grpSpPr>
+            <a:xfrm>
+              <a:off x="1944662" y="1252868"/>
+              <a:ext cx="277364" cy="3608799"/>
+              <a:chOff x="595794" y="882842"/>
+              <a:chExt cx="277364" cy="3608799"/>
+            </a:xfrm>
+          </p:grpSpPr>
+          <p:pic>
+            <p:nvPicPr>
+              <p:cNvPr id="2075" name="Picture 27" descr="C:\Users\PC-08\Downloads\sustainable_food_production_iconset\png\128\crop_rotation.png"/>
+              <p:cNvPicPr>
+                <a:picLocks noChangeAspect="1" noChangeArrowheads="1"/>
+              </p:cNvPicPr>
+              <p:nvPr/>
+            </p:nvPicPr>
+            <p:blipFill>
+              <a:blip r:embed="rId2" cstate="print">
+                <a:extLst>
+                  <a:ext uri="{28A0092B-C50C-407E-A947-70E740481C1C}">
+                    <a14:useLocalDpi xmlns:a14="http://schemas.microsoft.com/office/drawing/2010/main" val="0"/>
+                  </a:ext>
+                </a:extLst>
+              </a:blip>
+              <a:srcRect/>
+              <a:stretch>
+                <a:fillRect/>
+              </a:stretch>
+            </p:blipFill>
+            <p:spPr bwMode="auto">
+              <a:xfrm>
+                <a:off x="595794" y="3664512"/>
+                <a:ext cx="270793" cy="270793"/>
+              </a:xfrm>
+              <a:prstGeom prst="rect">
+                <a:avLst/>
+              </a:prstGeom>
+              <a:noFill/>
               <a:extLst>
-                <a:ext uri="{28A0092B-C50C-407E-A947-70E740481C1C}">
-                  <a14:useLocalDpi xmlns:a14="http://schemas.microsoft.com/office/drawing/2010/main" val="0"/>
+                <a:ext uri="{909E8E84-426E-40DD-AFC4-6F175D3DCCD1}">
+                  <a14:hiddenFill xmlns:a14="http://schemas.microsoft.com/office/drawing/2010/main">
+                    <a:solidFill>
+                      <a:srgbClr val="FFFFFF"/>
+                    </a:solidFill>
+                  </a14:hiddenFill>
                 </a:ext>
               </a:extLst>
-            </a:blip>
-            <a:srcRect/>
-            <a:stretch>
-              <a:fillRect/>
-            </a:stretch>
-          </p:blipFill>
-          <p:spPr bwMode="auto">
-            <a:xfrm>
-              <a:off x="595794" y="3664512"/>
-              <a:ext cx="270793" cy="270793"/>
-            </a:xfrm>
-            <a:prstGeom prst="rect">
-              <a:avLst/>
-            </a:prstGeom>
-            <a:noFill/>
-            <a:extLst>
-              <a:ext uri="{909E8E84-426E-40DD-AFC4-6F175D3DCCD1}">
-                <a14:hiddenFill xmlns:a14="http://schemas.microsoft.com/office/drawing/2010/main">
-                  <a:solidFill>
-                    <a:srgbClr val="FFFFFF"/>
-                  </a:solidFill>
-                </a14:hiddenFill>
-              </a:ext>
-            </a:extLst>
-          </p:spPr>
-        </p:pic>
-        <p:pic>
-          <p:nvPicPr>
-            <p:cNvPr id="2076" name="Picture 28" descr="C:\Users\PC-08\Downloads\sustainable_food_production_iconset\png\128\degraded_land_use.png"/>
-            <p:cNvPicPr>
-              <a:picLocks noChangeAspect="1" noChangeArrowheads="1"/>
-            </p:cNvPicPr>
-            <p:nvPr/>
-          </p:nvPicPr>
-          <p:blipFill>
-            <a:blip r:embed="rId3" cstate="print">
+            </p:spPr>
+          </p:pic>
+          <p:pic>
+            <p:nvPicPr>
+              <p:cNvPr id="2076" name="Picture 28" descr="C:\Users\PC-08\Downloads\sustainable_food_production_iconset\png\128\degraded_land_use.png"/>
+              <p:cNvPicPr>
+                <a:picLocks noChangeAspect="1" noChangeArrowheads="1"/>
+              </p:cNvPicPr>
+              <p:nvPr/>
+            </p:nvPicPr>
+            <p:blipFill>
+              <a:blip r:embed="rId3" cstate="print">
+                <a:extLst>
+                  <a:ext uri="{28A0092B-C50C-407E-A947-70E740481C1C}">
+                    <a14:useLocalDpi xmlns:a14="http://schemas.microsoft.com/office/drawing/2010/main" val="0"/>
+                  </a:ext>
+                </a:extLst>
+              </a:blip>
+              <a:srcRect/>
+              <a:stretch>
+                <a:fillRect/>
+              </a:stretch>
+            </p:blipFill>
+            <p:spPr bwMode="auto">
+              <a:xfrm>
+                <a:off x="595795" y="1439176"/>
+                <a:ext cx="270793" cy="270793"/>
+              </a:xfrm>
+              <a:prstGeom prst="rect">
+                <a:avLst/>
+              </a:prstGeom>
+              <a:noFill/>
               <a:extLst>
-                <a:ext uri="{28A0092B-C50C-407E-A947-70E740481C1C}">
-                  <a14:useLocalDpi xmlns:a14="http://schemas.microsoft.com/office/drawing/2010/main" val="0"/>
+                <a:ext uri="{909E8E84-426E-40DD-AFC4-6F175D3DCCD1}">
+                  <a14:hiddenFill xmlns:a14="http://schemas.microsoft.com/office/drawing/2010/main">
+                    <a:solidFill>
+                      <a:srgbClr val="FFFFFF"/>
+                    </a:solidFill>
+                  </a14:hiddenFill>
                 </a:ext>
               </a:extLst>
-            </a:blip>
-            <a:srcRect/>
-            <a:stretch>
-              <a:fillRect/>
-            </a:stretch>
-          </p:blipFill>
-          <p:spPr bwMode="auto">
-            <a:xfrm>
-              <a:off x="595795" y="1439176"/>
-              <a:ext cx="270793" cy="270793"/>
-            </a:xfrm>
-            <a:prstGeom prst="rect">
-              <a:avLst/>
-            </a:prstGeom>
-            <a:noFill/>
-            <a:extLst>
-              <a:ext uri="{909E8E84-426E-40DD-AFC4-6F175D3DCCD1}">
-                <a14:hiddenFill xmlns:a14="http://schemas.microsoft.com/office/drawing/2010/main">
-                  <a:solidFill>
-                    <a:srgbClr val="FFFFFF"/>
-                  </a:solidFill>
-                </a14:hiddenFill>
-              </a:ext>
-            </a:extLst>
-          </p:spPr>
-        </p:pic>
-        <p:pic>
-          <p:nvPicPr>
-            <p:cNvPr id="2077" name="Picture 29" descr="C:\Users\PC-08\Downloads\sustainable_food_production_iconset\png\128\hydropony.png"/>
-            <p:cNvPicPr>
-              <a:picLocks noChangeAspect="1" noChangeArrowheads="1"/>
-            </p:cNvPicPr>
-            <p:nvPr/>
-          </p:nvPicPr>
-          <p:blipFill>
-            <a:blip r:embed="rId4" cstate="print">
+            </p:spPr>
+          </p:pic>
+          <p:pic>
+            <p:nvPicPr>
+              <p:cNvPr id="2077" name="Picture 29" descr="C:\Users\PC-08\Downloads\sustainable_food_production_iconset\png\128\hydropony.png"/>
+              <p:cNvPicPr>
+                <a:picLocks noChangeAspect="1" noChangeArrowheads="1"/>
+              </p:cNvPicPr>
+              <p:nvPr/>
+            </p:nvPicPr>
+            <p:blipFill>
+              <a:blip r:embed="rId4" cstate="print">
+                <a:extLst>
+                  <a:ext uri="{28A0092B-C50C-407E-A947-70E740481C1C}">
+                    <a14:useLocalDpi xmlns:a14="http://schemas.microsoft.com/office/drawing/2010/main" val="0"/>
+                  </a:ext>
+                </a:extLst>
+              </a:blip>
+              <a:srcRect/>
+              <a:stretch>
+                <a:fillRect/>
+              </a:stretch>
+            </p:blipFill>
+            <p:spPr bwMode="auto">
+              <a:xfrm>
+                <a:off x="595794" y="3108178"/>
+                <a:ext cx="270793" cy="270793"/>
+              </a:xfrm>
+              <a:prstGeom prst="rect">
+                <a:avLst/>
+              </a:prstGeom>
+              <a:noFill/>
               <a:extLst>
-                <a:ext uri="{28A0092B-C50C-407E-A947-70E740481C1C}">
-                  <a14:useLocalDpi xmlns:a14="http://schemas.microsoft.com/office/drawing/2010/main" val="0"/>
+                <a:ext uri="{909E8E84-426E-40DD-AFC4-6F175D3DCCD1}">
+                  <a14:hiddenFill xmlns:a14="http://schemas.microsoft.com/office/drawing/2010/main">
+                    <a:solidFill>
+                      <a:srgbClr val="FFFFFF"/>
+                    </a:solidFill>
+                  </a14:hiddenFill>
                 </a:ext>
               </a:extLst>
-            </a:blip>
-            <a:srcRect/>
-            <a:stretch>
-              <a:fillRect/>
-            </a:stretch>
-          </p:blipFill>
-          <p:spPr bwMode="auto">
-            <a:xfrm>
-              <a:off x="595794" y="3108178"/>
-              <a:ext cx="270793" cy="270793"/>
-            </a:xfrm>
-            <a:prstGeom prst="rect">
-              <a:avLst/>
-            </a:prstGeom>
-            <a:noFill/>
-            <a:extLst>
-              <a:ext uri="{909E8E84-426E-40DD-AFC4-6F175D3DCCD1}">
-                <a14:hiddenFill xmlns:a14="http://schemas.microsoft.com/office/drawing/2010/main">
-                  <a:solidFill>
-                    <a:srgbClr val="FFFFFF"/>
-                  </a:solidFill>
-                </a14:hiddenFill>
-              </a:ext>
-            </a:extLst>
-          </p:spPr>
-        </p:pic>
-        <p:pic>
-          <p:nvPicPr>
-            <p:cNvPr id="2078" name="Picture 30" descr="C:\Users\PC-08\Downloads\sustainable_food_production_iconset\png\128\mixed_crops.png"/>
-            <p:cNvPicPr>
-              <a:picLocks noChangeAspect="1" noChangeArrowheads="1"/>
-            </p:cNvPicPr>
-            <p:nvPr/>
-          </p:nvPicPr>
-          <p:blipFill>
-            <a:blip r:embed="rId5" cstate="print">
+            </p:spPr>
+          </p:pic>
+          <p:pic>
+            <p:nvPicPr>
+              <p:cNvPr id="2078" name="Picture 30" descr="C:\Users\PC-08\Downloads\sustainable_food_production_iconset\png\128\mixed_crops.png"/>
+              <p:cNvPicPr>
+                <a:picLocks noChangeAspect="1" noChangeArrowheads="1"/>
+              </p:cNvPicPr>
+              <p:nvPr/>
+            </p:nvPicPr>
+            <p:blipFill>
+              <a:blip r:embed="rId5" cstate="print">
+                <a:extLst>
+                  <a:ext uri="{28A0092B-C50C-407E-A947-70E740481C1C}">
+                    <a14:useLocalDpi xmlns:a14="http://schemas.microsoft.com/office/drawing/2010/main" val="0"/>
+                  </a:ext>
+                </a:extLst>
+              </a:blip>
+              <a:srcRect/>
+              <a:stretch>
+                <a:fillRect/>
+              </a:stretch>
+            </p:blipFill>
+            <p:spPr bwMode="auto">
+              <a:xfrm>
+                <a:off x="595794" y="4220848"/>
+                <a:ext cx="270793" cy="270793"/>
+              </a:xfrm>
+              <a:prstGeom prst="rect">
+                <a:avLst/>
+              </a:prstGeom>
+              <a:noFill/>
               <a:extLst>
-                <a:ext uri="{28A0092B-C50C-407E-A947-70E740481C1C}">
-                  <a14:useLocalDpi xmlns:a14="http://schemas.microsoft.com/office/drawing/2010/main" val="0"/>
+                <a:ext uri="{909E8E84-426E-40DD-AFC4-6F175D3DCCD1}">
+                  <a14:hiddenFill xmlns:a14="http://schemas.microsoft.com/office/drawing/2010/main">
+                    <a:solidFill>
+                      <a:srgbClr val="FFFFFF"/>
+                    </a:solidFill>
+                  </a14:hiddenFill>
                 </a:ext>
               </a:extLst>
-            </a:blip>
-            <a:srcRect/>
-            <a:stretch>
-              <a:fillRect/>
-            </a:stretch>
-          </p:blipFill>
-          <p:spPr bwMode="auto">
-            <a:xfrm>
-              <a:off x="595794" y="4220848"/>
-              <a:ext cx="270793" cy="270793"/>
-            </a:xfrm>
-            <a:prstGeom prst="rect">
-              <a:avLst/>
-            </a:prstGeom>
-            <a:noFill/>
-            <a:extLst>
-              <a:ext uri="{909E8E84-426E-40DD-AFC4-6F175D3DCCD1}">
-                <a14:hiddenFill xmlns:a14="http://schemas.microsoft.com/office/drawing/2010/main">
-                  <a:solidFill>
-                    <a:srgbClr val="FFFFFF"/>
-                  </a:solidFill>
-                </a14:hiddenFill>
-              </a:ext>
-            </a:extLst>
-          </p:spPr>
-        </p:pic>
-        <p:pic>
-          <p:nvPicPr>
-            <p:cNvPr id="2079" name="Picture 31" descr="C:\Users\PC-08\Downloads\sustainable_food_production_iconset\png\128\organic.png"/>
-            <p:cNvPicPr>
-              <a:picLocks noChangeAspect="1" noChangeArrowheads="1"/>
-            </p:cNvPicPr>
-            <p:nvPr/>
-          </p:nvPicPr>
-          <p:blipFill>
-            <a:blip r:embed="rId6" cstate="print">
+            </p:spPr>
+          </p:pic>
+          <p:pic>
+            <p:nvPicPr>
+              <p:cNvPr id="2079" name="Picture 31" descr="C:\Users\PC-08\Downloads\sustainable_food_production_iconset\png\128\organic.png"/>
+              <p:cNvPicPr>
+                <a:picLocks noChangeAspect="1" noChangeArrowheads="1"/>
+              </p:cNvPicPr>
+              <p:nvPr/>
+            </p:nvPicPr>
+            <p:blipFill>
+              <a:blip r:embed="rId6" cstate="print">
+                <a:extLst>
+                  <a:ext uri="{28A0092B-C50C-407E-A947-70E740481C1C}">
+                    <a14:useLocalDpi xmlns:a14="http://schemas.microsoft.com/office/drawing/2010/main" val="0"/>
+                  </a:ext>
+                </a:extLst>
+              </a:blip>
+              <a:srcRect/>
+              <a:stretch>
+                <a:fillRect/>
+              </a:stretch>
+            </p:blipFill>
+            <p:spPr bwMode="auto">
+              <a:xfrm>
+                <a:off x="595795" y="1995510"/>
+                <a:ext cx="270793" cy="270793"/>
+              </a:xfrm>
+              <a:prstGeom prst="rect">
+                <a:avLst/>
+              </a:prstGeom>
+              <a:noFill/>
               <a:extLst>
-                <a:ext uri="{28A0092B-C50C-407E-A947-70E740481C1C}">
-                  <a14:useLocalDpi xmlns:a14="http://schemas.microsoft.com/office/drawing/2010/main" val="0"/>
+                <a:ext uri="{909E8E84-426E-40DD-AFC4-6F175D3DCCD1}">
+                  <a14:hiddenFill xmlns:a14="http://schemas.microsoft.com/office/drawing/2010/main">
+                    <a:solidFill>
+                      <a:srgbClr val="FFFFFF"/>
+                    </a:solidFill>
+                  </a14:hiddenFill>
                 </a:ext>
               </a:extLst>
-            </a:blip>
-            <a:srcRect/>
-            <a:stretch>
-              <a:fillRect/>
-            </a:stretch>
-          </p:blipFill>
-          <p:spPr bwMode="auto">
-            <a:xfrm>
-              <a:off x="595795" y="1995510"/>
-              <a:ext cx="270793" cy="270793"/>
-            </a:xfrm>
-            <a:prstGeom prst="rect">
-              <a:avLst/>
-            </a:prstGeom>
-            <a:noFill/>
-            <a:extLst>
-              <a:ext uri="{909E8E84-426E-40DD-AFC4-6F175D3DCCD1}">
-                <a14:hiddenFill xmlns:a14="http://schemas.microsoft.com/office/drawing/2010/main">
-                  <a:solidFill>
-                    <a:srgbClr val="FFFFFF"/>
-                  </a:solidFill>
-                </a14:hiddenFill>
-              </a:ext>
-            </a:extLst>
-          </p:spPr>
-        </p:pic>
-        <p:pic>
-          <p:nvPicPr>
-            <p:cNvPr id="2080" name="Picture 32" descr="C:\Users\PC-08\Downloads\sustainable_food_production_iconset\png\128\vegan.png"/>
-            <p:cNvPicPr>
-              <a:picLocks noChangeAspect="1" noChangeArrowheads="1"/>
-            </p:cNvPicPr>
-            <p:nvPr/>
-          </p:nvPicPr>
-          <p:blipFill>
-            <a:blip r:embed="rId7" cstate="print">
+            </p:spPr>
+          </p:pic>
+          <p:pic>
+            <p:nvPicPr>
+              <p:cNvPr id="2080" name="Picture 32" descr="C:\Users\PC-08\Downloads\sustainable_food_production_iconset\png\128\vegan.png"/>
+              <p:cNvPicPr>
+                <a:picLocks noChangeAspect="1" noChangeArrowheads="1"/>
+              </p:cNvPicPr>
+              <p:nvPr/>
+            </p:nvPicPr>
+            <p:blipFill>
+              <a:blip r:embed="rId7" cstate="print">
+                <a:extLst>
+                  <a:ext uri="{28A0092B-C50C-407E-A947-70E740481C1C}">
+                    <a14:useLocalDpi xmlns:a14="http://schemas.microsoft.com/office/drawing/2010/main" val="0"/>
+                  </a:ext>
+                </a:extLst>
+              </a:blip>
+              <a:srcRect/>
+              <a:stretch>
+                <a:fillRect/>
+              </a:stretch>
+            </p:blipFill>
+            <p:spPr bwMode="auto">
+              <a:xfrm>
+                <a:off x="602365" y="882842"/>
+                <a:ext cx="270793" cy="270793"/>
+              </a:xfrm>
+              <a:prstGeom prst="rect">
+                <a:avLst/>
+              </a:prstGeom>
+              <a:noFill/>
               <a:extLst>
-                <a:ext uri="{28A0092B-C50C-407E-A947-70E740481C1C}">
-                  <a14:useLocalDpi xmlns:a14="http://schemas.microsoft.com/office/drawing/2010/main" val="0"/>
+                <a:ext uri="{909E8E84-426E-40DD-AFC4-6F175D3DCCD1}">
+                  <a14:hiddenFill xmlns:a14="http://schemas.microsoft.com/office/drawing/2010/main">
+                    <a:solidFill>
+                      <a:srgbClr val="FFFFFF"/>
+                    </a:solidFill>
+                  </a14:hiddenFill>
                 </a:ext>
               </a:extLst>
-            </a:blip>
-            <a:srcRect/>
-            <a:stretch>
-              <a:fillRect/>
-            </a:stretch>
-          </p:blipFill>
-          <p:spPr bwMode="auto">
-            <a:xfrm>
-              <a:off x="602365" y="882842"/>
-              <a:ext cx="270793" cy="270793"/>
-            </a:xfrm>
-            <a:prstGeom prst="rect">
-              <a:avLst/>
-            </a:prstGeom>
-            <a:noFill/>
-            <a:extLst>
-              <a:ext uri="{909E8E84-426E-40DD-AFC4-6F175D3DCCD1}">
-                <a14:hiddenFill xmlns:a14="http://schemas.microsoft.com/office/drawing/2010/main">
-                  <a:solidFill>
-                    <a:srgbClr val="FFFFFF"/>
-                  </a:solidFill>
-                </a14:hiddenFill>
-              </a:ext>
-            </a:extLst>
-          </p:spPr>
-        </p:pic>
-        <p:pic>
-          <p:nvPicPr>
-            <p:cNvPr id="2081" name="Picture 33" descr="C:\Users\PC-08\Downloads\sustainable_food_production_iconset\png\128\urban_agriculture.png"/>
-            <p:cNvPicPr>
-              <a:picLocks noChangeAspect="1" noChangeArrowheads="1"/>
-            </p:cNvPicPr>
-            <p:nvPr/>
-          </p:nvPicPr>
-          <p:blipFill>
-            <a:blip r:embed="rId8" cstate="print">
+            </p:spPr>
+          </p:pic>
+          <p:pic>
+            <p:nvPicPr>
+              <p:cNvPr id="2081" name="Picture 33" descr="C:\Users\PC-08\Downloads\sustainable_food_production_iconset\png\128\urban_agriculture.png"/>
+              <p:cNvPicPr>
+                <a:picLocks noChangeAspect="1" noChangeArrowheads="1"/>
+              </p:cNvPicPr>
+              <p:nvPr/>
+            </p:nvPicPr>
+            <p:blipFill>
+              <a:blip r:embed="rId8" cstate="print">
+                <a:extLst>
+                  <a:ext uri="{28A0092B-C50C-407E-A947-70E740481C1C}">
+                    <a14:useLocalDpi xmlns:a14="http://schemas.microsoft.com/office/drawing/2010/main" val="0"/>
+                  </a:ext>
+                </a:extLst>
+              </a:blip>
+              <a:srcRect/>
+              <a:stretch>
+                <a:fillRect/>
+              </a:stretch>
+            </p:blipFill>
+            <p:spPr bwMode="auto">
+              <a:xfrm>
+                <a:off x="595794" y="2551844"/>
+                <a:ext cx="270793" cy="270793"/>
+              </a:xfrm>
+              <a:prstGeom prst="rect">
+                <a:avLst/>
+              </a:prstGeom>
+              <a:noFill/>
               <a:extLst>
-                <a:ext uri="{28A0092B-C50C-407E-A947-70E740481C1C}">
-                  <a14:useLocalDpi xmlns:a14="http://schemas.microsoft.com/office/drawing/2010/main" val="0"/>
+                <a:ext uri="{909E8E84-426E-40DD-AFC4-6F175D3DCCD1}">
+                  <a14:hiddenFill xmlns:a14="http://schemas.microsoft.com/office/drawing/2010/main">
+                    <a:solidFill>
+                      <a:srgbClr val="FFFFFF"/>
+                    </a:solidFill>
+                  </a14:hiddenFill>
                 </a:ext>
               </a:extLst>
-            </a:blip>
-            <a:srcRect/>
-            <a:stretch>
-              <a:fillRect/>
-            </a:stretch>
-          </p:blipFill>
-          <p:spPr bwMode="auto">
-            <a:xfrm>
-              <a:off x="595794" y="2551844"/>
-              <a:ext cx="270793" cy="270793"/>
-            </a:xfrm>
-            <a:prstGeom prst="rect">
-              <a:avLst/>
-            </a:prstGeom>
-            <a:noFill/>
-            <a:extLst>
-              <a:ext uri="{909E8E84-426E-40DD-AFC4-6F175D3DCCD1}">
-                <a14:hiddenFill xmlns:a14="http://schemas.microsoft.com/office/drawing/2010/main">
-                  <a:solidFill>
-                    <a:srgbClr val="FFFFFF"/>
-                  </a:solidFill>
-                </a14:hiddenFill>
-              </a:ext>
-            </a:extLst>
-          </p:spPr>
-        </p:pic>
-      </p:grpSp>
-      <p:grpSp>
-        <p:nvGrpSpPr>
-          <p:cNvPr id="6" name="그룹 5"/>
-          <p:cNvGrpSpPr/>
-          <p:nvPr/>
-        </p:nvGrpSpPr>
-        <p:grpSpPr>
-          <a:xfrm>
-            <a:off x="533414" y="559430"/>
-            <a:ext cx="193981" cy="4320480"/>
-            <a:chOff x="539552" y="483518"/>
-            <a:chExt cx="193981" cy="4320480"/>
-          </a:xfrm>
-        </p:grpSpPr>
+            </p:spPr>
+          </p:pic>
+        </p:grpSp>
         <p:cxnSp>
           <p:nvCxnSpPr>
             <p:cNvPr id="3" name="직선 연결선 2"/>
@@ -3678,8 +3710,8 @@
           </p:nvCxnSpPr>
           <p:spPr>
             <a:xfrm>
-              <a:off x="640315" y="483518"/>
-              <a:ext cx="0" cy="4320480"/>
+              <a:off x="2380277" y="1203598"/>
+              <a:ext cx="0" cy="3865987"/>
             </a:xfrm>
             <a:prstGeom prst="line">
               <a:avLst/>
@@ -3715,15 +3747,15 @@
           </p:nvSpPr>
           <p:spPr>
             <a:xfrm>
-              <a:off x="539552" y="959652"/>
+              <a:off x="2298564" y="1373159"/>
               <a:ext cx="193981" cy="193981"/>
             </a:xfrm>
             <a:prstGeom prst="ellipse">
               <a:avLst/>
             </a:prstGeom>
             <a:solidFill>
-              <a:schemeClr val="bg1">
-                <a:lumMod val="65000"/>
+              <a:schemeClr val="accent6">
+                <a:lumMod val="75000"/>
               </a:schemeClr>
             </a:solidFill>
             <a:ln>
@@ -3763,15 +3795,16 @@
           </p:nvSpPr>
           <p:spPr>
             <a:xfrm>
-              <a:off x="539552" y="1477579"/>
+              <a:off x="2298564" y="1891086"/>
               <a:ext cx="193981" cy="193981"/>
             </a:xfrm>
             <a:prstGeom prst="ellipse">
               <a:avLst/>
             </a:prstGeom>
             <a:solidFill>
-              <a:schemeClr val="bg1">
+              <a:schemeClr val="tx1">
                 <a:lumMod val="65000"/>
+                <a:lumOff val="35000"/>
               </a:schemeClr>
             </a:solidFill>
             <a:ln>
@@ -3811,15 +3844,16 @@
           </p:nvSpPr>
           <p:spPr>
             <a:xfrm>
-              <a:off x="539552" y="2033913"/>
+              <a:off x="2298564" y="2447420"/>
               <a:ext cx="193981" cy="193981"/>
             </a:xfrm>
             <a:prstGeom prst="ellipse">
               <a:avLst/>
             </a:prstGeom>
             <a:solidFill>
-              <a:schemeClr val="bg1">
+              <a:schemeClr val="tx1">
                 <a:lumMod val="65000"/>
+                <a:lumOff val="35000"/>
               </a:schemeClr>
             </a:solidFill>
             <a:ln>
@@ -3859,15 +3893,16 @@
           </p:nvSpPr>
           <p:spPr>
             <a:xfrm>
-              <a:off x="539552" y="2590247"/>
+              <a:off x="2298564" y="3003754"/>
               <a:ext cx="193981" cy="193981"/>
             </a:xfrm>
             <a:prstGeom prst="ellipse">
               <a:avLst/>
             </a:prstGeom>
             <a:solidFill>
-              <a:schemeClr val="bg1">
+              <a:schemeClr val="tx1">
                 <a:lumMod val="65000"/>
+                <a:lumOff val="35000"/>
               </a:schemeClr>
             </a:solidFill>
             <a:ln>
@@ -3907,15 +3942,16 @@
           </p:nvSpPr>
           <p:spPr>
             <a:xfrm>
-              <a:off x="539552" y="3146581"/>
+              <a:off x="2298564" y="3560088"/>
               <a:ext cx="193981" cy="193981"/>
             </a:xfrm>
             <a:prstGeom prst="ellipse">
               <a:avLst/>
             </a:prstGeom>
             <a:solidFill>
-              <a:schemeClr val="bg1">
+              <a:schemeClr val="tx1">
                 <a:lumMod val="65000"/>
+                <a:lumOff val="35000"/>
               </a:schemeClr>
             </a:solidFill>
             <a:ln>
@@ -3955,15 +3991,16 @@
           </p:nvSpPr>
           <p:spPr>
             <a:xfrm>
-              <a:off x="539552" y="3702915"/>
+              <a:off x="2298564" y="4116422"/>
               <a:ext cx="193981" cy="193981"/>
             </a:xfrm>
             <a:prstGeom prst="ellipse">
               <a:avLst/>
             </a:prstGeom>
             <a:solidFill>
-              <a:schemeClr val="bg1">
+              <a:schemeClr val="tx1">
                 <a:lumMod val="65000"/>
+                <a:lumOff val="35000"/>
               </a:schemeClr>
             </a:solidFill>
             <a:ln>
@@ -4003,15 +4040,16 @@
           </p:nvSpPr>
           <p:spPr>
             <a:xfrm>
-              <a:off x="539552" y="4259249"/>
+              <a:off x="2298564" y="4672756"/>
               <a:ext cx="193981" cy="193981"/>
             </a:xfrm>
             <a:prstGeom prst="ellipse">
               <a:avLst/>
             </a:prstGeom>
             <a:solidFill>
-              <a:schemeClr val="bg1">
+              <a:schemeClr val="tx1">
                 <a:lumMod val="65000"/>
+                <a:lumOff val="35000"/>
               </a:schemeClr>
             </a:solidFill>
             <a:ln>
@@ -4043,17 +4081,314 @@
             </a:p>
           </p:txBody>
         </p:sp>
+        <p:sp>
+          <p:nvSpPr>
+            <p:cNvPr id="7" name="직사각형 6"/>
+            <p:cNvSpPr/>
+            <p:nvPr/>
+          </p:nvSpPr>
+          <p:spPr>
+            <a:xfrm>
+              <a:off x="2448718" y="1325169"/>
+              <a:ext cx="1095172" cy="369332"/>
+            </a:xfrm>
+            <a:prstGeom prst="rect">
+              <a:avLst/>
+            </a:prstGeom>
+          </p:spPr>
+          <p:txBody>
+            <a:bodyPr wrap="none">
+              <a:spAutoFit/>
+            </a:bodyPr>
+            <a:lstStyle/>
+            <a:p>
+              <a:r>
+                <a:rPr lang="ko-KR" altLang="en-US" dirty="0">
+                  <a:latin typeface="코트라 볼드체" pitchFamily="18" charset="-127"/>
+                  <a:ea typeface="코트라 볼드체" pitchFamily="18" charset="-127"/>
+                  <a:cs typeface="코트라 볼드체" pitchFamily="18" charset="-127"/>
+                </a:rPr>
+                <a:t>회원가입</a:t>
+              </a:r>
+              <a:endParaRPr lang="en-US" altLang="ko-KR" dirty="0">
+                <a:latin typeface="코트라 볼드체" pitchFamily="18" charset="-127"/>
+                <a:ea typeface="코트라 볼드체" pitchFamily="18" charset="-127"/>
+                <a:cs typeface="코트라 볼드체" pitchFamily="18" charset="-127"/>
+              </a:endParaRPr>
+            </a:p>
+          </p:txBody>
+        </p:sp>
+        <p:sp>
+          <p:nvSpPr>
+            <p:cNvPr id="8" name="직사각형 7"/>
+            <p:cNvSpPr/>
+            <p:nvPr/>
+          </p:nvSpPr>
+          <p:spPr>
+            <a:xfrm>
+              <a:off x="2448718" y="1813803"/>
+              <a:ext cx="1050288" cy="369332"/>
+            </a:xfrm>
+            <a:prstGeom prst="rect">
+              <a:avLst/>
+            </a:prstGeom>
+          </p:spPr>
+          <p:txBody>
+            <a:bodyPr wrap="none">
+              <a:spAutoFit/>
+            </a:bodyPr>
+            <a:lstStyle/>
+            <a:p>
+              <a:r>
+                <a:rPr lang="ko-KR" altLang="en-US" dirty="0">
+                  <a:latin typeface="ELAND 초이스OTF Medium" pitchFamily="18" charset="-127"/>
+                  <a:ea typeface="ELAND 초이스OTF Medium" pitchFamily="18" charset="-127"/>
+                  <a:cs typeface="코트라 볼드체" pitchFamily="18" charset="-127"/>
+                </a:rPr>
+                <a:t>상품조회</a:t>
+              </a:r>
+              <a:endParaRPr lang="en-US" altLang="ko-KR" dirty="0">
+                <a:latin typeface="ELAND 초이스OTF Medium" pitchFamily="18" charset="-127"/>
+                <a:ea typeface="ELAND 초이스OTF Medium" pitchFamily="18" charset="-127"/>
+                <a:cs typeface="코트라 볼드체" pitchFamily="18" charset="-127"/>
+              </a:endParaRPr>
+            </a:p>
+          </p:txBody>
+        </p:sp>
+        <p:sp>
+          <p:nvSpPr>
+            <p:cNvPr id="9" name="직사각형 8"/>
+            <p:cNvSpPr/>
+            <p:nvPr/>
+          </p:nvSpPr>
+          <p:spPr>
+            <a:xfrm>
+              <a:off x="2448718" y="2356190"/>
+              <a:ext cx="1547218" cy="369332"/>
+            </a:xfrm>
+            <a:prstGeom prst="rect">
+              <a:avLst/>
+            </a:prstGeom>
+          </p:spPr>
+          <p:txBody>
+            <a:bodyPr wrap="none">
+              <a:spAutoFit/>
+            </a:bodyPr>
+            <a:lstStyle/>
+            <a:p>
+              <a:r>
+                <a:rPr lang="ko-KR" altLang="en-US" dirty="0">
+                  <a:latin typeface="ELAND 초이스OTF Medium" pitchFamily="18" charset="-127"/>
+                  <a:ea typeface="ELAND 초이스OTF Medium" pitchFamily="18" charset="-127"/>
+                  <a:cs typeface="코트라 볼드체" pitchFamily="18" charset="-127"/>
+                </a:rPr>
+                <a:t>장바구니 담기</a:t>
+              </a:r>
+              <a:endParaRPr lang="en-US" altLang="ko-KR" dirty="0">
+                <a:latin typeface="ELAND 초이스OTF Medium" pitchFamily="18" charset="-127"/>
+                <a:ea typeface="ELAND 초이스OTF Medium" pitchFamily="18" charset="-127"/>
+                <a:cs typeface="코트라 볼드체" pitchFamily="18" charset="-127"/>
+              </a:endParaRPr>
+            </a:p>
+          </p:txBody>
+        </p:sp>
+        <p:sp>
+          <p:nvSpPr>
+            <p:cNvPr id="2" name="직사각형 1"/>
+            <p:cNvSpPr/>
+            <p:nvPr/>
+          </p:nvSpPr>
+          <p:spPr>
+            <a:xfrm>
+              <a:off x="2448718" y="2914562"/>
+              <a:ext cx="1050288" cy="369332"/>
+            </a:xfrm>
+            <a:prstGeom prst="rect">
+              <a:avLst/>
+            </a:prstGeom>
+          </p:spPr>
+          <p:txBody>
+            <a:bodyPr wrap="none">
+              <a:spAutoFit/>
+            </a:bodyPr>
+            <a:lstStyle/>
+            <a:p>
+              <a:r>
+                <a:rPr lang="ko-KR" altLang="en-US" dirty="0">
+                  <a:latin typeface="ELAND 초이스OTF Medium" pitchFamily="18" charset="-127"/>
+                  <a:ea typeface="ELAND 초이스OTF Medium" pitchFamily="18" charset="-127"/>
+                  <a:cs typeface="코트라 볼드체" pitchFamily="18" charset="-127"/>
+                </a:rPr>
+                <a:t>주문하기</a:t>
+              </a:r>
+              <a:endParaRPr lang="en-US" altLang="ko-KR" dirty="0">
+                <a:latin typeface="ELAND 초이스OTF Medium" pitchFamily="18" charset="-127"/>
+                <a:ea typeface="ELAND 초이스OTF Medium" pitchFamily="18" charset="-127"/>
+                <a:cs typeface="코트라 볼드체" pitchFamily="18" charset="-127"/>
+              </a:endParaRPr>
+            </a:p>
+          </p:txBody>
+        </p:sp>
+        <p:sp>
+          <p:nvSpPr>
+            <p:cNvPr id="10" name="직사각형 9"/>
+            <p:cNvSpPr/>
+            <p:nvPr/>
+          </p:nvSpPr>
+          <p:spPr>
+            <a:xfrm>
+              <a:off x="2448718" y="3482460"/>
+              <a:ext cx="641522" cy="369332"/>
+            </a:xfrm>
+            <a:prstGeom prst="rect">
+              <a:avLst/>
+            </a:prstGeom>
+          </p:spPr>
+          <p:txBody>
+            <a:bodyPr wrap="none">
+              <a:spAutoFit/>
+            </a:bodyPr>
+            <a:lstStyle/>
+            <a:p>
+              <a:r>
+                <a:rPr lang="ko-KR" altLang="en-US" dirty="0">
+                  <a:latin typeface="ELAND 초이스OTF Medium" pitchFamily="18" charset="-127"/>
+                  <a:ea typeface="ELAND 초이스OTF Medium" pitchFamily="18" charset="-127"/>
+                  <a:cs typeface="코트라 볼드체" pitchFamily="18" charset="-127"/>
+                </a:rPr>
+                <a:t>배송</a:t>
+              </a:r>
+              <a:endParaRPr lang="en-US" altLang="ko-KR" dirty="0">
+                <a:latin typeface="ELAND 초이스OTF Medium" pitchFamily="18" charset="-127"/>
+                <a:ea typeface="ELAND 초이스OTF Medium" pitchFamily="18" charset="-127"/>
+                <a:cs typeface="코트라 볼드체" pitchFamily="18" charset="-127"/>
+              </a:endParaRPr>
+            </a:p>
+          </p:txBody>
+        </p:sp>
+        <p:sp>
+          <p:nvSpPr>
+            <p:cNvPr id="11" name="직사각형 10"/>
+            <p:cNvSpPr/>
+            <p:nvPr/>
+          </p:nvSpPr>
+          <p:spPr>
+            <a:xfrm>
+              <a:off x="2448718" y="4589679"/>
+              <a:ext cx="1050288" cy="369332"/>
+            </a:xfrm>
+            <a:prstGeom prst="rect">
+              <a:avLst/>
+            </a:prstGeom>
+          </p:spPr>
+          <p:txBody>
+            <a:bodyPr wrap="none">
+              <a:spAutoFit/>
+            </a:bodyPr>
+            <a:lstStyle/>
+            <a:p>
+              <a:r>
+                <a:rPr lang="ko-KR" altLang="en-US" dirty="0">
+                  <a:latin typeface="ELAND 초이스OTF Medium" pitchFamily="18" charset="-127"/>
+                  <a:ea typeface="ELAND 초이스OTF Medium" pitchFamily="18" charset="-127"/>
+                  <a:cs typeface="코트라 볼드체" pitchFamily="18" charset="-127"/>
+                </a:rPr>
+                <a:t>구매확정</a:t>
+              </a:r>
+              <a:endParaRPr lang="en-US" altLang="ko-KR" dirty="0">
+                <a:latin typeface="ELAND 초이스OTF Medium" pitchFamily="18" charset="-127"/>
+                <a:ea typeface="ELAND 초이스OTF Medium" pitchFamily="18" charset="-127"/>
+                <a:cs typeface="코트라 볼드체" pitchFamily="18" charset="-127"/>
+              </a:endParaRPr>
+            </a:p>
+          </p:txBody>
+        </p:sp>
+        <p:sp>
+          <p:nvSpPr>
+            <p:cNvPr id="12" name="직사각형 11"/>
+            <p:cNvSpPr/>
+            <p:nvPr/>
+          </p:nvSpPr>
+          <p:spPr>
+            <a:xfrm>
+              <a:off x="2448718" y="4021783"/>
+              <a:ext cx="1483098" cy="369332"/>
+            </a:xfrm>
+            <a:prstGeom prst="rect">
+              <a:avLst/>
+            </a:prstGeom>
+          </p:spPr>
+          <p:txBody>
+            <a:bodyPr wrap="none">
+              <a:spAutoFit/>
+            </a:bodyPr>
+            <a:lstStyle/>
+            <a:p>
+              <a:r>
+                <a:rPr lang="ko-KR" altLang="en-US" dirty="0" smtClean="0">
+                  <a:latin typeface="ELAND 초이스OTF Medium" pitchFamily="18" charset="-127"/>
+                  <a:ea typeface="ELAND 초이스OTF Medium" pitchFamily="18" charset="-127"/>
+                  <a:cs typeface="코트라 볼드체" pitchFamily="18" charset="-127"/>
+                </a:rPr>
+                <a:t>주문목록확인</a:t>
+              </a:r>
+              <a:endParaRPr lang="en-US" altLang="ko-KR" dirty="0">
+                <a:latin typeface="ELAND 초이스OTF Medium" pitchFamily="18" charset="-127"/>
+                <a:ea typeface="ELAND 초이스OTF Medium" pitchFamily="18" charset="-127"/>
+                <a:cs typeface="코트라 볼드체" pitchFamily="18" charset="-127"/>
+              </a:endParaRPr>
+            </a:p>
+          </p:txBody>
+        </p:sp>
+        <p:cxnSp>
+          <p:nvCxnSpPr>
+            <p:cNvPr id="15" name="직선 연결선 14"/>
+            <p:cNvCxnSpPr/>
+            <p:nvPr/>
+          </p:nvCxnSpPr>
+          <p:spPr>
+            <a:xfrm>
+              <a:off x="2304702" y="1630673"/>
+              <a:ext cx="1375030" cy="0"/>
+            </a:xfrm>
+            <a:prstGeom prst="line">
+              <a:avLst/>
+            </a:prstGeom>
+            <a:ln w="12700">
+              <a:solidFill>
+                <a:schemeClr val="bg2">
+                  <a:lumMod val="25000"/>
+                </a:schemeClr>
+              </a:solidFill>
+              <a:prstDash val="sysDash"/>
+            </a:ln>
+          </p:spPr>
+          <p:style>
+            <a:lnRef idx="1">
+              <a:schemeClr val="accent1"/>
+            </a:lnRef>
+            <a:fillRef idx="0">
+              <a:schemeClr val="accent1"/>
+            </a:fillRef>
+            <a:effectRef idx="0">
+              <a:schemeClr val="accent1"/>
+            </a:effectRef>
+            <a:fontRef idx="minor">
+              <a:schemeClr val="tx1"/>
+            </a:fontRef>
+          </p:style>
+        </p:cxnSp>
       </p:grpSp>
       <p:sp>
         <p:nvSpPr>
-          <p:cNvPr id="22" name="TextBox 21"/>
+          <p:cNvPr id="26" name="TextBox 25"/>
           <p:cNvSpPr txBox="1"/>
           <p:nvPr/>
         </p:nvSpPr>
         <p:spPr>
           <a:xfrm>
-            <a:off x="4716016" y="1750228"/>
-            <a:ext cx="1449436" cy="1569660"/>
+            <a:off x="119449" y="680016"/>
+            <a:ext cx="1831784" cy="523220"/>
           </a:xfrm>
           <a:prstGeom prst="rect">
             <a:avLst/>
@@ -4067,151 +4402,1198 @@
           <a:lstStyle/>
           <a:p>
             <a:r>
-              <a:rPr lang="en-US" altLang="ko-KR" sz="1200" dirty="0" smtClean="0">
-                <a:latin typeface="ELAND 초이스OTF Light" pitchFamily="18" charset="-127"/>
-                <a:ea typeface="ELAND 초이스OTF Light" pitchFamily="18" charset="-127"/>
+              <a:rPr lang="ko-KR" altLang="en-US" sz="2800" dirty="0" smtClean="0">
+                <a:latin typeface="코트라 볼드체" pitchFamily="18" charset="-127"/>
+                <a:ea typeface="코트라 볼드체" pitchFamily="18" charset="-127"/>
+                <a:cs typeface="코트라 볼드체" pitchFamily="18" charset="-127"/>
               </a:rPr>
-              <a:t>- </a:t>
-            </a:r>
-            <a:r>
-              <a:rPr lang="ko-KR" altLang="en-US" sz="1200" dirty="0" smtClean="0">
-                <a:latin typeface="ELAND 초이스OTF Light" pitchFamily="18" charset="-127"/>
-                <a:ea typeface="ELAND 초이스OTF Light" pitchFamily="18" charset="-127"/>
+              <a:t>고객</a:t>
+            </a:r>
+            <a:r>
+              <a:rPr lang="en-US" altLang="ko-KR" sz="2000" i="1" dirty="0" smtClean="0">
+                <a:latin typeface="코트라 볼드체" pitchFamily="18" charset="-127"/>
+                <a:ea typeface="코트라 볼드체" pitchFamily="18" charset="-127"/>
+                <a:cs typeface="코트라 볼드체" pitchFamily="18" charset="-127"/>
               </a:rPr>
-              <a:t>상품세부정보조회</a:t>
-            </a:r>
-            <a:endParaRPr lang="en-US" altLang="ko-KR" sz="1200" dirty="0" smtClean="0">
-              <a:latin typeface="ELAND 초이스OTF Light" pitchFamily="18" charset="-127"/>
-              <a:ea typeface="ELAND 초이스OTF Light" pitchFamily="18" charset="-127"/>
+              <a:t>process</a:t>
+            </a:r>
+            <a:endParaRPr lang="ko-KR" altLang="en-US" sz="2000" i="1" dirty="0">
+              <a:latin typeface="코트라 볼드체" pitchFamily="18" charset="-127"/>
+              <a:ea typeface="코트라 볼드체" pitchFamily="18" charset="-127"/>
+              <a:cs typeface="코트라 볼드체" pitchFamily="18" charset="-127"/>
             </a:endParaRPr>
           </a:p>
-          <a:p>
-            <a:r>
-              <a:rPr lang="en-US" altLang="ko-KR" sz="1200" dirty="0" smtClean="0">
-                <a:latin typeface="ELAND 초이스OTF Light" pitchFamily="18" charset="-127"/>
-                <a:ea typeface="ELAND 초이스OTF Light" pitchFamily="18" charset="-127"/>
+        </p:txBody>
+      </p:sp>
+      <p:sp>
+        <p:nvSpPr>
+          <p:cNvPr id="34" name="TextBox 33"/>
+          <p:cNvSpPr txBox="1"/>
+          <p:nvPr/>
+        </p:nvSpPr>
+        <p:spPr>
+          <a:xfrm>
+            <a:off x="0" y="32306"/>
+            <a:ext cx="3161443" cy="523220"/>
+          </a:xfrm>
+          <a:prstGeom prst="rect">
+            <a:avLst/>
+          </a:prstGeom>
+          <a:noFill/>
+        </p:spPr>
+        <p:txBody>
+          <a:bodyPr wrap="none" rtlCol="0">
+            <a:spAutoFit/>
+          </a:bodyPr>
+          <a:lstStyle/>
+          <a:p>
+            <a:r>
+              <a:rPr lang="en-US" altLang="ko-KR" sz="2800" dirty="0" smtClean="0">
+                <a:latin typeface="코트라 볼드체" pitchFamily="18" charset="-127"/>
+                <a:ea typeface="코트라 볼드체" pitchFamily="18" charset="-127"/>
+                <a:cs typeface="코트라 볼드체" pitchFamily="18" charset="-127"/>
               </a:rPr>
-              <a:t>- </a:t>
-            </a:r>
-            <a:r>
-              <a:rPr lang="ko-KR" altLang="en-US" sz="1200" dirty="0" err="1" smtClean="0">
-                <a:latin typeface="ELAND 초이스OTF Light" pitchFamily="18" charset="-127"/>
-                <a:ea typeface="ELAND 초이스OTF Light" pitchFamily="18" charset="-127"/>
+              <a:t>7. </a:t>
+            </a:r>
+            <a:r>
+              <a:rPr lang="ko-KR" altLang="en-US" sz="2800" dirty="0" smtClean="0">
+                <a:latin typeface="코트라 볼드체" pitchFamily="18" charset="-127"/>
+                <a:ea typeface="코트라 볼드체" pitchFamily="18" charset="-127"/>
+                <a:cs typeface="코트라 볼드체" pitchFamily="18" charset="-127"/>
               </a:rPr>
-              <a:t>캐쉬충전하기</a:t>
-            </a:r>
-            <a:endParaRPr lang="en-US" altLang="ko-KR" sz="1200" dirty="0" smtClean="0">
-              <a:latin typeface="ELAND 초이스OTF Light" pitchFamily="18" charset="-127"/>
-              <a:ea typeface="ELAND 초이스OTF Light" pitchFamily="18" charset="-127"/>
+              <a:t>프로세스 흐름도</a:t>
+            </a:r>
+            <a:endParaRPr lang="ko-KR" altLang="en-US" sz="2800" dirty="0">
+              <a:latin typeface="코트라 볼드체" pitchFamily="18" charset="-127"/>
+              <a:ea typeface="코트라 볼드체" pitchFamily="18" charset="-127"/>
+              <a:cs typeface="코트라 볼드체" pitchFamily="18" charset="-127"/>
             </a:endParaRPr>
           </a:p>
-          <a:p>
-            <a:r>
-              <a:rPr lang="ko-KR" altLang="en-US" sz="1200" dirty="0" smtClean="0">
-                <a:latin typeface="ELAND 초이스OTF Light" pitchFamily="18" charset="-127"/>
-                <a:ea typeface="ELAND 초이스OTF Light" pitchFamily="18" charset="-127"/>
+        </p:txBody>
+      </p:sp>
+      <p:cxnSp>
+        <p:nvCxnSpPr>
+          <p:cNvPr id="36" name="직선 연결선 35"/>
+          <p:cNvCxnSpPr/>
+          <p:nvPr/>
+        </p:nvCxnSpPr>
+        <p:spPr>
+          <a:xfrm>
+            <a:off x="0" y="555526"/>
+            <a:ext cx="9144000" cy="0"/>
+          </a:xfrm>
+          <a:prstGeom prst="line">
+            <a:avLst/>
+          </a:prstGeom>
+          <a:ln w="28575">
+            <a:solidFill>
+              <a:schemeClr val="bg2">
+                <a:lumMod val="25000"/>
+              </a:schemeClr>
+            </a:solidFill>
+          </a:ln>
+        </p:spPr>
+        <p:style>
+          <a:lnRef idx="1">
+            <a:schemeClr val="accent1"/>
+          </a:lnRef>
+          <a:fillRef idx="0">
+            <a:schemeClr val="accent1"/>
+          </a:fillRef>
+          <a:effectRef idx="0">
+            <a:schemeClr val="accent1"/>
+          </a:effectRef>
+          <a:fontRef idx="minor">
+            <a:schemeClr val="tx1"/>
+          </a:fontRef>
+        </p:style>
+      </p:cxnSp>
+      <p:sp>
+        <p:nvSpPr>
+          <p:cNvPr id="40" name="TextBox 39"/>
+          <p:cNvSpPr txBox="1"/>
+          <p:nvPr/>
+        </p:nvSpPr>
+        <p:spPr>
+          <a:xfrm>
+            <a:off x="7664428" y="123478"/>
+            <a:ext cx="1479572" cy="369332"/>
+          </a:xfrm>
+          <a:prstGeom prst="rect">
+            <a:avLst/>
+          </a:prstGeom>
+          <a:noFill/>
+        </p:spPr>
+        <p:txBody>
+          <a:bodyPr wrap="none" rtlCol="0">
+            <a:spAutoFit/>
+          </a:bodyPr>
+          <a:lstStyle/>
+          <a:p>
+            <a:r>
+              <a:rPr lang="en-US" altLang="ko-KR" sz="1200" i="1" dirty="0" smtClean="0">
+                <a:latin typeface="코트라 볼드체" pitchFamily="18" charset="-127"/>
+                <a:ea typeface="코트라 볼드체" pitchFamily="18" charset="-127"/>
+                <a:cs typeface="코트라 볼드체" pitchFamily="18" charset="-127"/>
               </a:rPr>
-              <a:t>주문하기</a:t>
-            </a:r>
-            <a:endParaRPr lang="en-US" altLang="ko-KR" sz="1200" dirty="0" smtClean="0">
-              <a:latin typeface="ELAND 초이스OTF Light" pitchFamily="18" charset="-127"/>
-              <a:ea typeface="ELAND 초이스OTF Light" pitchFamily="18" charset="-127"/>
+              <a:t>Team</a:t>
+            </a:r>
+            <a:r>
+              <a:rPr lang="en-US" altLang="ko-KR" dirty="0" smtClean="0">
+                <a:latin typeface="코트라 볼드체" pitchFamily="18" charset="-127"/>
+                <a:ea typeface="코트라 볼드체" pitchFamily="18" charset="-127"/>
+                <a:cs typeface="코트라 볼드체" pitchFamily="18" charset="-127"/>
+              </a:rPr>
+              <a:t> Default</a:t>
+            </a:r>
+          </a:p>
+        </p:txBody>
+      </p:sp>
+      <p:cxnSp>
+        <p:nvCxnSpPr>
+          <p:cNvPr id="42" name="직선 화살표 연결선 41"/>
+          <p:cNvCxnSpPr/>
+          <p:nvPr/>
+        </p:nvCxnSpPr>
+        <p:spPr>
+          <a:xfrm>
+            <a:off x="1043608" y="1347614"/>
+            <a:ext cx="0" cy="3042083"/>
+          </a:xfrm>
+          <a:prstGeom prst="straightConnector1">
+            <a:avLst/>
+          </a:prstGeom>
+          <a:ln w="57150">
+            <a:solidFill>
+              <a:schemeClr val="bg2">
+                <a:lumMod val="25000"/>
+              </a:schemeClr>
+            </a:solidFill>
+            <a:tailEnd type="arrow"/>
+          </a:ln>
+        </p:spPr>
+        <p:style>
+          <a:lnRef idx="1">
+            <a:schemeClr val="accent1"/>
+          </a:lnRef>
+          <a:fillRef idx="0">
+            <a:schemeClr val="accent1"/>
+          </a:fillRef>
+          <a:effectRef idx="0">
+            <a:schemeClr val="accent1"/>
+          </a:effectRef>
+          <a:fontRef idx="minor">
+            <a:schemeClr val="tx1"/>
+          </a:fontRef>
+        </p:style>
+      </p:cxnSp>
+      <p:sp>
+        <p:nvSpPr>
+          <p:cNvPr id="50" name="TextBox 49"/>
+          <p:cNvSpPr txBox="1"/>
+          <p:nvPr/>
+        </p:nvSpPr>
+        <p:spPr>
+          <a:xfrm>
+            <a:off x="6948264" y="680016"/>
+            <a:ext cx="2189254" cy="523220"/>
+          </a:xfrm>
+          <a:prstGeom prst="rect">
+            <a:avLst/>
+          </a:prstGeom>
+          <a:noFill/>
+        </p:spPr>
+        <p:txBody>
+          <a:bodyPr wrap="none" rtlCol="0">
+            <a:spAutoFit/>
+          </a:bodyPr>
+          <a:lstStyle/>
+          <a:p>
+            <a:r>
+              <a:rPr lang="ko-KR" altLang="en-US" sz="2800" dirty="0" smtClean="0">
+                <a:latin typeface="코트라 볼드체" pitchFamily="18" charset="-127"/>
+                <a:ea typeface="코트라 볼드체" pitchFamily="18" charset="-127"/>
+                <a:cs typeface="코트라 볼드체" pitchFamily="18" charset="-127"/>
+              </a:rPr>
+              <a:t>관리자</a:t>
+            </a:r>
+            <a:r>
+              <a:rPr lang="en-US" altLang="ko-KR" sz="2000" i="1" dirty="0" smtClean="0">
+                <a:latin typeface="코트라 볼드체" pitchFamily="18" charset="-127"/>
+                <a:ea typeface="코트라 볼드체" pitchFamily="18" charset="-127"/>
+                <a:cs typeface="코트라 볼드체" pitchFamily="18" charset="-127"/>
+              </a:rPr>
+              <a:t>process</a:t>
+            </a:r>
+            <a:endParaRPr lang="ko-KR" altLang="en-US" sz="2000" i="1" dirty="0">
+              <a:latin typeface="코트라 볼드체" pitchFamily="18" charset="-127"/>
+              <a:ea typeface="코트라 볼드체" pitchFamily="18" charset="-127"/>
+              <a:cs typeface="코트라 볼드체" pitchFamily="18" charset="-127"/>
             </a:endParaRPr>
           </a:p>
-          <a:p>
-            <a:r>
-              <a:rPr lang="ko-KR" altLang="en-US" sz="1200" dirty="0" smtClean="0">
-                <a:latin typeface="ELAND 초이스OTF Light" pitchFamily="18" charset="-127"/>
-                <a:ea typeface="ELAND 초이스OTF Light" pitchFamily="18" charset="-127"/>
-              </a:rPr>
-              <a:t> </a:t>
-            </a:r>
-            <a:r>
-              <a:rPr lang="en-US" altLang="ko-KR" sz="1200" dirty="0" smtClean="0">
-                <a:latin typeface="ELAND 초이스OTF Light" pitchFamily="18" charset="-127"/>
-                <a:ea typeface="ELAND 초이스OTF Light" pitchFamily="18" charset="-127"/>
-              </a:rPr>
-              <a:t>- </a:t>
-            </a:r>
-            <a:r>
-              <a:rPr lang="ko-KR" altLang="en-US" sz="1200" dirty="0" smtClean="0">
-                <a:latin typeface="ELAND 초이스OTF Light" pitchFamily="18" charset="-127"/>
-                <a:ea typeface="ELAND 초이스OTF Light" pitchFamily="18" charset="-127"/>
-              </a:rPr>
-              <a:t>주문목록확인</a:t>
-            </a:r>
-            <a:endParaRPr lang="en-US" altLang="ko-KR" sz="1200" dirty="0" smtClean="0">
-              <a:latin typeface="ELAND 초이스OTF Light" pitchFamily="18" charset="-127"/>
-              <a:ea typeface="ELAND 초이스OTF Light" pitchFamily="18" charset="-127"/>
-            </a:endParaRPr>
-          </a:p>
-          <a:p>
-            <a:r>
-              <a:rPr lang="ko-KR" altLang="en-US" sz="1200" dirty="0" smtClean="0">
-                <a:latin typeface="ELAND 초이스OTF Light" pitchFamily="18" charset="-127"/>
-                <a:ea typeface="ELAND 초이스OTF Light" pitchFamily="18" charset="-127"/>
-              </a:rPr>
-              <a:t>배송</a:t>
-            </a:r>
-            <a:endParaRPr lang="en-US" altLang="ko-KR" sz="1200" dirty="0" smtClean="0">
-              <a:latin typeface="ELAND 초이스OTF Light" pitchFamily="18" charset="-127"/>
-              <a:ea typeface="ELAND 초이스OTF Light" pitchFamily="18" charset="-127"/>
-            </a:endParaRPr>
-          </a:p>
-          <a:p>
-            <a:r>
-              <a:rPr lang="ko-KR" altLang="en-US" sz="1200" dirty="0" smtClean="0">
-                <a:latin typeface="ELAND 초이스OTF Light" pitchFamily="18" charset="-127"/>
-                <a:ea typeface="ELAND 초이스OTF Light" pitchFamily="18" charset="-127"/>
-              </a:rPr>
-              <a:t>구매확정</a:t>
-            </a:r>
-            <a:endParaRPr lang="en-US" altLang="ko-KR" sz="1200" dirty="0" smtClean="0">
-              <a:latin typeface="ELAND 초이스OTF Light" pitchFamily="18" charset="-127"/>
-              <a:ea typeface="ELAND 초이스OTF Light" pitchFamily="18" charset="-127"/>
-            </a:endParaRPr>
-          </a:p>
-          <a:p>
-            <a:r>
-              <a:rPr lang="ko-KR" altLang="en-US" sz="1200" dirty="0" smtClean="0">
-                <a:latin typeface="ELAND 초이스OTF Light" pitchFamily="18" charset="-127"/>
-                <a:ea typeface="ELAND 초이스OTF Light" pitchFamily="18" charset="-127"/>
-              </a:rPr>
-              <a:t> </a:t>
-            </a:r>
-            <a:r>
-              <a:rPr lang="en-US" altLang="ko-KR" sz="1200" dirty="0" smtClean="0">
-                <a:latin typeface="ELAND 초이스OTF Light" pitchFamily="18" charset="-127"/>
-                <a:ea typeface="ELAND 초이스OTF Light" pitchFamily="18" charset="-127"/>
-              </a:rPr>
-              <a:t>- </a:t>
-            </a:r>
-            <a:r>
-              <a:rPr lang="ko-KR" altLang="en-US" sz="1200" dirty="0" smtClean="0">
-                <a:latin typeface="ELAND 초이스OTF Light" pitchFamily="18" charset="-127"/>
-                <a:ea typeface="ELAND 초이스OTF Light" pitchFamily="18" charset="-127"/>
-              </a:rPr>
-              <a:t>리뷰쓰기</a:t>
-            </a:r>
-          </a:p>
-          <a:p>
-            <a:endParaRPr lang="ko-KR" altLang="en-US" sz="1200" dirty="0">
-              <a:latin typeface="ELAND 초이스OTF Light" pitchFamily="18" charset="-127"/>
-              <a:ea typeface="ELAND 초이스OTF Light" pitchFamily="18" charset="-127"/>
-            </a:endParaRPr>
-          </a:p>
-        </p:txBody>
-      </p:sp>
-      <p:sp>
-        <p:nvSpPr>
-          <p:cNvPr id="7" name="직사각형 6"/>
+        </p:txBody>
+      </p:sp>
+      <p:grpSp>
+        <p:nvGrpSpPr>
+          <p:cNvPr id="89" name="그룹 88"/>
+          <p:cNvGrpSpPr/>
+          <p:nvPr/>
+        </p:nvGrpSpPr>
+        <p:grpSpPr>
+          <a:xfrm>
+            <a:off x="5220072" y="1086104"/>
+            <a:ext cx="2132953" cy="3187517"/>
+            <a:chOff x="5220072" y="1279683"/>
+            <a:chExt cx="2132953" cy="3187517"/>
+          </a:xfrm>
+        </p:grpSpPr>
+        <p:pic>
+          <p:nvPicPr>
+            <p:cNvPr id="52" name="Picture 27" descr="C:\Users\PC-08\Downloads\sustainable_food_production_iconset\png\128\crop_rotation.png"/>
+            <p:cNvPicPr>
+              <a:picLocks noChangeAspect="1" noChangeArrowheads="1"/>
+            </p:cNvPicPr>
+            <p:nvPr/>
+          </p:nvPicPr>
+          <p:blipFill>
+            <a:blip r:embed="rId2" cstate="print">
+              <a:extLst>
+                <a:ext uri="{28A0092B-C50C-407E-A947-70E740481C1C}">
+                  <a14:useLocalDpi xmlns:a14="http://schemas.microsoft.com/office/drawing/2010/main" val="0"/>
+                </a:ext>
+              </a:extLst>
+            </a:blip>
+            <a:srcRect/>
+            <a:stretch>
+              <a:fillRect/>
+            </a:stretch>
+          </p:blipFill>
+          <p:spPr bwMode="auto">
+            <a:xfrm>
+              <a:off x="7075661" y="4132360"/>
+              <a:ext cx="270793" cy="270793"/>
+            </a:xfrm>
+            <a:prstGeom prst="rect">
+              <a:avLst/>
+            </a:prstGeom>
+            <a:noFill/>
+            <a:extLst>
+              <a:ext uri="{909E8E84-426E-40DD-AFC4-6F175D3DCCD1}">
+                <a14:hiddenFill xmlns:a14="http://schemas.microsoft.com/office/drawing/2010/main">
+                  <a:solidFill>
+                    <a:srgbClr val="FFFFFF"/>
+                  </a:solidFill>
+                </a14:hiddenFill>
+              </a:ext>
+            </a:extLst>
+          </p:spPr>
+        </p:pic>
+        <p:pic>
+          <p:nvPicPr>
+            <p:cNvPr id="53" name="Picture 28" descr="C:\Users\PC-08\Downloads\sustainable_food_production_iconset\png\128\degraded_land_use.png"/>
+            <p:cNvPicPr>
+              <a:picLocks noChangeAspect="1" noChangeArrowheads="1"/>
+            </p:cNvPicPr>
+            <p:nvPr/>
+          </p:nvPicPr>
+          <p:blipFill>
+            <a:blip r:embed="rId3" cstate="print">
+              <a:extLst>
+                <a:ext uri="{28A0092B-C50C-407E-A947-70E740481C1C}">
+                  <a14:useLocalDpi xmlns:a14="http://schemas.microsoft.com/office/drawing/2010/main" val="0"/>
+                </a:ext>
+              </a:extLst>
+            </a:blip>
+            <a:srcRect/>
+            <a:stretch>
+              <a:fillRect/>
+            </a:stretch>
+          </p:blipFill>
+          <p:spPr bwMode="auto">
+            <a:xfrm>
+              <a:off x="7075662" y="1907024"/>
+              <a:ext cx="270793" cy="270793"/>
+            </a:xfrm>
+            <a:prstGeom prst="rect">
+              <a:avLst/>
+            </a:prstGeom>
+            <a:noFill/>
+            <a:extLst>
+              <a:ext uri="{909E8E84-426E-40DD-AFC4-6F175D3DCCD1}">
+                <a14:hiddenFill xmlns:a14="http://schemas.microsoft.com/office/drawing/2010/main">
+                  <a:solidFill>
+                    <a:srgbClr val="FFFFFF"/>
+                  </a:solidFill>
+                </a14:hiddenFill>
+              </a:ext>
+            </a:extLst>
+          </p:spPr>
+        </p:pic>
+        <p:pic>
+          <p:nvPicPr>
+            <p:cNvPr id="54" name="Picture 29" descr="C:\Users\PC-08\Downloads\sustainable_food_production_iconset\png\128\hydropony.png"/>
+            <p:cNvPicPr>
+              <a:picLocks noChangeAspect="1" noChangeArrowheads="1"/>
+            </p:cNvPicPr>
+            <p:nvPr/>
+          </p:nvPicPr>
+          <p:blipFill>
+            <a:blip r:embed="rId4" cstate="print">
+              <a:extLst>
+                <a:ext uri="{28A0092B-C50C-407E-A947-70E740481C1C}">
+                  <a14:useLocalDpi xmlns:a14="http://schemas.microsoft.com/office/drawing/2010/main" val="0"/>
+                </a:ext>
+              </a:extLst>
+            </a:blip>
+            <a:srcRect/>
+            <a:stretch>
+              <a:fillRect/>
+            </a:stretch>
+          </p:blipFill>
+          <p:spPr bwMode="auto">
+            <a:xfrm>
+              <a:off x="7075661" y="3576026"/>
+              <a:ext cx="270793" cy="270793"/>
+            </a:xfrm>
+            <a:prstGeom prst="rect">
+              <a:avLst/>
+            </a:prstGeom>
+            <a:noFill/>
+            <a:extLst>
+              <a:ext uri="{909E8E84-426E-40DD-AFC4-6F175D3DCCD1}">
+                <a14:hiddenFill xmlns:a14="http://schemas.microsoft.com/office/drawing/2010/main">
+                  <a:solidFill>
+                    <a:srgbClr val="FFFFFF"/>
+                  </a:solidFill>
+                </a14:hiddenFill>
+              </a:ext>
+            </a:extLst>
+          </p:spPr>
+        </p:pic>
+        <p:pic>
+          <p:nvPicPr>
+            <p:cNvPr id="56" name="Picture 31" descr="C:\Users\PC-08\Downloads\sustainable_food_production_iconset\png\128\organic.png"/>
+            <p:cNvPicPr>
+              <a:picLocks noChangeAspect="1" noChangeArrowheads="1"/>
+            </p:cNvPicPr>
+            <p:nvPr/>
+          </p:nvPicPr>
+          <p:blipFill>
+            <a:blip r:embed="rId6" cstate="print">
+              <a:extLst>
+                <a:ext uri="{28A0092B-C50C-407E-A947-70E740481C1C}">
+                  <a14:useLocalDpi xmlns:a14="http://schemas.microsoft.com/office/drawing/2010/main" val="0"/>
+                </a:ext>
+              </a:extLst>
+            </a:blip>
+            <a:srcRect/>
+            <a:stretch>
+              <a:fillRect/>
+            </a:stretch>
+          </p:blipFill>
+          <p:spPr bwMode="auto">
+            <a:xfrm>
+              <a:off x="7075662" y="2463358"/>
+              <a:ext cx="270793" cy="270793"/>
+            </a:xfrm>
+            <a:prstGeom prst="rect">
+              <a:avLst/>
+            </a:prstGeom>
+            <a:noFill/>
+            <a:extLst>
+              <a:ext uri="{909E8E84-426E-40DD-AFC4-6F175D3DCCD1}">
+                <a14:hiddenFill xmlns:a14="http://schemas.microsoft.com/office/drawing/2010/main">
+                  <a:solidFill>
+                    <a:srgbClr val="FFFFFF"/>
+                  </a:solidFill>
+                </a14:hiddenFill>
+              </a:ext>
+            </a:extLst>
+          </p:spPr>
+        </p:pic>
+        <p:pic>
+          <p:nvPicPr>
+            <p:cNvPr id="57" name="Picture 32" descr="C:\Users\PC-08\Downloads\sustainable_food_production_iconset\png\128\vegan.png"/>
+            <p:cNvPicPr>
+              <a:picLocks noChangeAspect="1" noChangeArrowheads="1"/>
+            </p:cNvPicPr>
+            <p:nvPr/>
+          </p:nvPicPr>
+          <p:blipFill>
+            <a:blip r:embed="rId7" cstate="print">
+              <a:extLst>
+                <a:ext uri="{28A0092B-C50C-407E-A947-70E740481C1C}">
+                  <a14:useLocalDpi xmlns:a14="http://schemas.microsoft.com/office/drawing/2010/main" val="0"/>
+                </a:ext>
+              </a:extLst>
+            </a:blip>
+            <a:srcRect/>
+            <a:stretch>
+              <a:fillRect/>
+            </a:stretch>
+          </p:blipFill>
+          <p:spPr bwMode="auto">
+            <a:xfrm>
+              <a:off x="7082232" y="1350690"/>
+              <a:ext cx="270793" cy="270793"/>
+            </a:xfrm>
+            <a:prstGeom prst="rect">
+              <a:avLst/>
+            </a:prstGeom>
+            <a:noFill/>
+            <a:extLst>
+              <a:ext uri="{909E8E84-426E-40DD-AFC4-6F175D3DCCD1}">
+                <a14:hiddenFill xmlns:a14="http://schemas.microsoft.com/office/drawing/2010/main">
+                  <a:solidFill>
+                    <a:srgbClr val="FFFFFF"/>
+                  </a:solidFill>
+                </a14:hiddenFill>
+              </a:ext>
+            </a:extLst>
+          </p:spPr>
+        </p:pic>
+        <p:pic>
+          <p:nvPicPr>
+            <p:cNvPr id="58" name="Picture 33" descr="C:\Users\PC-08\Downloads\sustainable_food_production_iconset\png\128\urban_agriculture.png"/>
+            <p:cNvPicPr>
+              <a:picLocks noChangeAspect="1" noChangeArrowheads="1"/>
+            </p:cNvPicPr>
+            <p:nvPr/>
+          </p:nvPicPr>
+          <p:blipFill>
+            <a:blip r:embed="rId8" cstate="print">
+              <a:extLst>
+                <a:ext uri="{28A0092B-C50C-407E-A947-70E740481C1C}">
+                  <a14:useLocalDpi xmlns:a14="http://schemas.microsoft.com/office/drawing/2010/main" val="0"/>
+                </a:ext>
+              </a:extLst>
+            </a:blip>
+            <a:srcRect/>
+            <a:stretch>
+              <a:fillRect/>
+            </a:stretch>
+          </p:blipFill>
+          <p:spPr bwMode="auto">
+            <a:xfrm>
+              <a:off x="7075661" y="3019692"/>
+              <a:ext cx="270793" cy="270793"/>
+            </a:xfrm>
+            <a:prstGeom prst="rect">
+              <a:avLst/>
+            </a:prstGeom>
+            <a:noFill/>
+            <a:extLst>
+              <a:ext uri="{909E8E84-426E-40DD-AFC4-6F175D3DCCD1}">
+                <a14:hiddenFill xmlns:a14="http://schemas.microsoft.com/office/drawing/2010/main">
+                  <a:solidFill>
+                    <a:srgbClr val="FFFFFF"/>
+                  </a:solidFill>
+                </a14:hiddenFill>
+              </a:ext>
+            </a:extLst>
+          </p:spPr>
+        </p:pic>
+        <p:cxnSp>
+          <p:nvCxnSpPr>
+            <p:cNvPr id="59" name="직선 연결선 58"/>
+            <p:cNvCxnSpPr/>
+            <p:nvPr/>
+          </p:nvCxnSpPr>
+          <p:spPr>
+            <a:xfrm>
+              <a:off x="6741085" y="1279683"/>
+              <a:ext cx="0" cy="3187517"/>
+            </a:xfrm>
+            <a:prstGeom prst="line">
+              <a:avLst/>
+            </a:prstGeom>
+            <a:ln w="12700">
+              <a:solidFill>
+                <a:schemeClr val="bg2">
+                  <a:lumMod val="25000"/>
+                </a:schemeClr>
+              </a:solidFill>
+            </a:ln>
+          </p:spPr>
+          <p:style>
+            <a:lnRef idx="1">
+              <a:schemeClr val="accent1"/>
+            </a:lnRef>
+            <a:fillRef idx="0">
+              <a:schemeClr val="accent1"/>
+            </a:fillRef>
+            <a:effectRef idx="0">
+              <a:schemeClr val="accent1"/>
+            </a:effectRef>
+            <a:fontRef idx="minor">
+              <a:schemeClr val="tx1"/>
+            </a:fontRef>
+          </p:style>
+        </p:cxnSp>
+        <p:sp>
+          <p:nvSpPr>
+            <p:cNvPr id="60" name="타원 59"/>
+            <p:cNvSpPr/>
+            <p:nvPr/>
+          </p:nvSpPr>
+          <p:spPr>
+            <a:xfrm>
+              <a:off x="6659372" y="1449244"/>
+              <a:ext cx="193981" cy="193981"/>
+            </a:xfrm>
+            <a:prstGeom prst="ellipse">
+              <a:avLst/>
+            </a:prstGeom>
+            <a:solidFill>
+              <a:schemeClr val="accent6">
+                <a:lumMod val="75000"/>
+              </a:schemeClr>
+            </a:solidFill>
+            <a:ln>
+              <a:noFill/>
+            </a:ln>
+          </p:spPr>
+          <p:style>
+            <a:lnRef idx="2">
+              <a:schemeClr val="accent1">
+                <a:shade val="50000"/>
+              </a:schemeClr>
+            </a:lnRef>
+            <a:fillRef idx="1">
+              <a:schemeClr val="accent1"/>
+            </a:fillRef>
+            <a:effectRef idx="0">
+              <a:schemeClr val="accent1"/>
+            </a:effectRef>
+            <a:fontRef idx="minor">
+              <a:schemeClr val="lt1"/>
+            </a:fontRef>
+          </p:style>
+          <p:txBody>
+            <a:bodyPr rtlCol="0" anchor="ctr"/>
+            <a:lstStyle/>
+            <a:p>
+              <a:pPr algn="ctr"/>
+              <a:endParaRPr lang="ko-KR" altLang="en-US"/>
+            </a:p>
+          </p:txBody>
+        </p:sp>
+        <p:sp>
+          <p:nvSpPr>
+            <p:cNvPr id="61" name="타원 60"/>
+            <p:cNvSpPr/>
+            <p:nvPr/>
+          </p:nvSpPr>
+          <p:spPr>
+            <a:xfrm>
+              <a:off x="6659372" y="1967171"/>
+              <a:ext cx="193981" cy="193981"/>
+            </a:xfrm>
+            <a:prstGeom prst="ellipse">
+              <a:avLst/>
+            </a:prstGeom>
+            <a:solidFill>
+              <a:schemeClr val="tx1">
+                <a:lumMod val="65000"/>
+                <a:lumOff val="35000"/>
+              </a:schemeClr>
+            </a:solidFill>
+            <a:ln>
+              <a:noFill/>
+            </a:ln>
+          </p:spPr>
+          <p:style>
+            <a:lnRef idx="2">
+              <a:schemeClr val="accent1">
+                <a:shade val="50000"/>
+              </a:schemeClr>
+            </a:lnRef>
+            <a:fillRef idx="1">
+              <a:schemeClr val="accent1"/>
+            </a:fillRef>
+            <a:effectRef idx="0">
+              <a:schemeClr val="accent1"/>
+            </a:effectRef>
+            <a:fontRef idx="minor">
+              <a:schemeClr val="lt1"/>
+            </a:fontRef>
+          </p:style>
+          <p:txBody>
+            <a:bodyPr rtlCol="0" anchor="ctr"/>
+            <a:lstStyle/>
+            <a:p>
+              <a:pPr algn="ctr"/>
+              <a:endParaRPr lang="ko-KR" altLang="en-US"/>
+            </a:p>
+          </p:txBody>
+        </p:sp>
+        <p:sp>
+          <p:nvSpPr>
+            <p:cNvPr id="62" name="타원 61"/>
+            <p:cNvSpPr/>
+            <p:nvPr/>
+          </p:nvSpPr>
+          <p:spPr>
+            <a:xfrm>
+              <a:off x="6659372" y="2523505"/>
+              <a:ext cx="193981" cy="193981"/>
+            </a:xfrm>
+            <a:prstGeom prst="ellipse">
+              <a:avLst/>
+            </a:prstGeom>
+            <a:solidFill>
+              <a:schemeClr val="tx1">
+                <a:lumMod val="65000"/>
+                <a:lumOff val="35000"/>
+              </a:schemeClr>
+            </a:solidFill>
+            <a:ln>
+              <a:noFill/>
+            </a:ln>
+          </p:spPr>
+          <p:style>
+            <a:lnRef idx="2">
+              <a:schemeClr val="accent1">
+                <a:shade val="50000"/>
+              </a:schemeClr>
+            </a:lnRef>
+            <a:fillRef idx="1">
+              <a:schemeClr val="accent1"/>
+            </a:fillRef>
+            <a:effectRef idx="0">
+              <a:schemeClr val="accent1"/>
+            </a:effectRef>
+            <a:fontRef idx="minor">
+              <a:schemeClr val="lt1"/>
+            </a:fontRef>
+          </p:style>
+          <p:txBody>
+            <a:bodyPr rtlCol="0" anchor="ctr"/>
+            <a:lstStyle/>
+            <a:p>
+              <a:pPr algn="ctr"/>
+              <a:endParaRPr lang="ko-KR" altLang="en-US"/>
+            </a:p>
+          </p:txBody>
+        </p:sp>
+        <p:sp>
+          <p:nvSpPr>
+            <p:cNvPr id="63" name="타원 62"/>
+            <p:cNvSpPr/>
+            <p:nvPr/>
+          </p:nvSpPr>
+          <p:spPr>
+            <a:xfrm>
+              <a:off x="6659372" y="3079839"/>
+              <a:ext cx="193981" cy="193981"/>
+            </a:xfrm>
+            <a:prstGeom prst="ellipse">
+              <a:avLst/>
+            </a:prstGeom>
+            <a:solidFill>
+              <a:schemeClr val="tx1">
+                <a:lumMod val="65000"/>
+                <a:lumOff val="35000"/>
+              </a:schemeClr>
+            </a:solidFill>
+            <a:ln>
+              <a:noFill/>
+            </a:ln>
+          </p:spPr>
+          <p:style>
+            <a:lnRef idx="2">
+              <a:schemeClr val="accent1">
+                <a:shade val="50000"/>
+              </a:schemeClr>
+            </a:lnRef>
+            <a:fillRef idx="1">
+              <a:schemeClr val="accent1"/>
+            </a:fillRef>
+            <a:effectRef idx="0">
+              <a:schemeClr val="accent1"/>
+            </a:effectRef>
+            <a:fontRef idx="minor">
+              <a:schemeClr val="lt1"/>
+            </a:fontRef>
+          </p:style>
+          <p:txBody>
+            <a:bodyPr rtlCol="0" anchor="ctr"/>
+            <a:lstStyle/>
+            <a:p>
+              <a:pPr algn="ctr"/>
+              <a:endParaRPr lang="ko-KR" altLang="en-US"/>
+            </a:p>
+          </p:txBody>
+        </p:sp>
+        <p:sp>
+          <p:nvSpPr>
+            <p:cNvPr id="64" name="타원 63"/>
+            <p:cNvSpPr/>
+            <p:nvPr/>
+          </p:nvSpPr>
+          <p:spPr>
+            <a:xfrm>
+              <a:off x="6659372" y="3636173"/>
+              <a:ext cx="193981" cy="193981"/>
+            </a:xfrm>
+            <a:prstGeom prst="ellipse">
+              <a:avLst/>
+            </a:prstGeom>
+            <a:solidFill>
+              <a:schemeClr val="tx1">
+                <a:lumMod val="65000"/>
+                <a:lumOff val="35000"/>
+              </a:schemeClr>
+            </a:solidFill>
+            <a:ln>
+              <a:noFill/>
+            </a:ln>
+          </p:spPr>
+          <p:style>
+            <a:lnRef idx="2">
+              <a:schemeClr val="accent1">
+                <a:shade val="50000"/>
+              </a:schemeClr>
+            </a:lnRef>
+            <a:fillRef idx="1">
+              <a:schemeClr val="accent1"/>
+            </a:fillRef>
+            <a:effectRef idx="0">
+              <a:schemeClr val="accent1"/>
+            </a:effectRef>
+            <a:fontRef idx="minor">
+              <a:schemeClr val="lt1"/>
+            </a:fontRef>
+          </p:style>
+          <p:txBody>
+            <a:bodyPr rtlCol="0" anchor="ctr"/>
+            <a:lstStyle/>
+            <a:p>
+              <a:pPr algn="ctr"/>
+              <a:endParaRPr lang="ko-KR" altLang="en-US"/>
+            </a:p>
+          </p:txBody>
+        </p:sp>
+        <p:sp>
+          <p:nvSpPr>
+            <p:cNvPr id="65" name="타원 64"/>
+            <p:cNvSpPr/>
+            <p:nvPr/>
+          </p:nvSpPr>
+          <p:spPr>
+            <a:xfrm>
+              <a:off x="6659372" y="4192507"/>
+              <a:ext cx="193981" cy="193981"/>
+            </a:xfrm>
+            <a:prstGeom prst="ellipse">
+              <a:avLst/>
+            </a:prstGeom>
+            <a:solidFill>
+              <a:schemeClr val="tx1">
+                <a:lumMod val="65000"/>
+                <a:lumOff val="35000"/>
+              </a:schemeClr>
+            </a:solidFill>
+            <a:ln>
+              <a:noFill/>
+            </a:ln>
+          </p:spPr>
+          <p:style>
+            <a:lnRef idx="2">
+              <a:schemeClr val="accent1">
+                <a:shade val="50000"/>
+              </a:schemeClr>
+            </a:lnRef>
+            <a:fillRef idx="1">
+              <a:schemeClr val="accent1"/>
+            </a:fillRef>
+            <a:effectRef idx="0">
+              <a:schemeClr val="accent1"/>
+            </a:effectRef>
+            <a:fontRef idx="minor">
+              <a:schemeClr val="lt1"/>
+            </a:fontRef>
+          </p:style>
+          <p:txBody>
+            <a:bodyPr rtlCol="0" anchor="ctr"/>
+            <a:lstStyle/>
+            <a:p>
+              <a:pPr algn="ctr"/>
+              <a:endParaRPr lang="ko-KR" altLang="en-US"/>
+            </a:p>
+          </p:txBody>
+        </p:sp>
+        <p:sp>
+          <p:nvSpPr>
+            <p:cNvPr id="67" name="직사각형 66"/>
+            <p:cNvSpPr/>
+            <p:nvPr/>
+          </p:nvSpPr>
+          <p:spPr>
+            <a:xfrm>
+              <a:off x="5606396" y="1397093"/>
+              <a:ext cx="1096774" cy="369332"/>
+            </a:xfrm>
+            <a:prstGeom prst="rect">
+              <a:avLst/>
+            </a:prstGeom>
+          </p:spPr>
+          <p:txBody>
+            <a:bodyPr wrap="none">
+              <a:spAutoFit/>
+            </a:bodyPr>
+            <a:lstStyle/>
+            <a:p>
+              <a:pPr algn="r"/>
+              <a:r>
+                <a:rPr lang="ko-KR" altLang="en-US" dirty="0" smtClean="0">
+                  <a:latin typeface="코트라 볼드체" pitchFamily="18" charset="-127"/>
+                  <a:ea typeface="코트라 볼드체" pitchFamily="18" charset="-127"/>
+                  <a:cs typeface="코트라 볼드체" pitchFamily="18" charset="-127"/>
+                </a:rPr>
+                <a:t>물품등록</a:t>
+              </a:r>
+              <a:endParaRPr lang="en-US" altLang="ko-KR" dirty="0">
+                <a:latin typeface="코트라 볼드체" pitchFamily="18" charset="-127"/>
+                <a:ea typeface="코트라 볼드체" pitchFamily="18" charset="-127"/>
+                <a:cs typeface="코트라 볼드체" pitchFamily="18" charset="-127"/>
+              </a:endParaRPr>
+            </a:p>
+          </p:txBody>
+        </p:sp>
+        <p:cxnSp>
+          <p:nvCxnSpPr>
+            <p:cNvPr id="74" name="직선 연결선 73"/>
+            <p:cNvCxnSpPr/>
+            <p:nvPr/>
+          </p:nvCxnSpPr>
+          <p:spPr>
+            <a:xfrm>
+              <a:off x="5522564" y="1706758"/>
+              <a:ext cx="1375030" cy="0"/>
+            </a:xfrm>
+            <a:prstGeom prst="line">
+              <a:avLst/>
+            </a:prstGeom>
+            <a:ln w="12700">
+              <a:solidFill>
+                <a:schemeClr val="bg2">
+                  <a:lumMod val="25000"/>
+                </a:schemeClr>
+              </a:solidFill>
+              <a:prstDash val="sysDash"/>
+            </a:ln>
+          </p:spPr>
+          <p:style>
+            <a:lnRef idx="1">
+              <a:schemeClr val="accent1"/>
+            </a:lnRef>
+            <a:fillRef idx="0">
+              <a:schemeClr val="accent1"/>
+            </a:fillRef>
+            <a:effectRef idx="0">
+              <a:schemeClr val="accent1"/>
+            </a:effectRef>
+            <a:fontRef idx="minor">
+              <a:schemeClr val="tx1"/>
+            </a:fontRef>
+          </p:style>
+        </p:cxnSp>
+        <p:sp>
+          <p:nvSpPr>
+            <p:cNvPr id="81" name="직사각형 80"/>
+            <p:cNvSpPr/>
+            <p:nvPr/>
+          </p:nvSpPr>
+          <p:spPr>
+            <a:xfrm>
+              <a:off x="5408809" y="1876202"/>
+              <a:ext cx="1330814" cy="369332"/>
+            </a:xfrm>
+            <a:prstGeom prst="rect">
+              <a:avLst/>
+            </a:prstGeom>
+          </p:spPr>
+          <p:txBody>
+            <a:bodyPr wrap="none">
+              <a:spAutoFit/>
+            </a:bodyPr>
+            <a:lstStyle/>
+            <a:p>
+              <a:r>
+                <a:rPr lang="ko-KR" altLang="en-US" dirty="0" err="1" smtClean="0">
+                  <a:latin typeface="ELAND 초이스OTF Medium" pitchFamily="18" charset="-127"/>
+                  <a:ea typeface="ELAND 초이스OTF Medium" pitchFamily="18" charset="-127"/>
+                  <a:cs typeface="코트라 볼드체" pitchFamily="18" charset="-127"/>
+                </a:rPr>
+                <a:t>판매글</a:t>
+              </a:r>
+              <a:r>
+                <a:rPr lang="ko-KR" altLang="en-US" dirty="0" smtClean="0">
+                  <a:latin typeface="ELAND 초이스OTF Medium" pitchFamily="18" charset="-127"/>
+                  <a:ea typeface="ELAND 초이스OTF Medium" pitchFamily="18" charset="-127"/>
+                  <a:cs typeface="코트라 볼드체" pitchFamily="18" charset="-127"/>
+                </a:rPr>
+                <a:t> 작성</a:t>
+              </a:r>
+              <a:endParaRPr lang="en-US" altLang="ko-KR" dirty="0">
+                <a:latin typeface="ELAND 초이스OTF Medium" pitchFamily="18" charset="-127"/>
+                <a:ea typeface="ELAND 초이스OTF Medium" pitchFamily="18" charset="-127"/>
+                <a:cs typeface="코트라 볼드체" pitchFamily="18" charset="-127"/>
+              </a:endParaRPr>
+            </a:p>
+          </p:txBody>
+        </p:sp>
+        <p:sp>
+          <p:nvSpPr>
+            <p:cNvPr id="82" name="직사각형 81"/>
+            <p:cNvSpPr/>
+            <p:nvPr/>
+          </p:nvSpPr>
+          <p:spPr>
+            <a:xfrm>
+              <a:off x="5221855" y="2418589"/>
+              <a:ext cx="1483098" cy="369332"/>
+            </a:xfrm>
+            <a:prstGeom prst="rect">
+              <a:avLst/>
+            </a:prstGeom>
+          </p:spPr>
+          <p:txBody>
+            <a:bodyPr wrap="none">
+              <a:spAutoFit/>
+            </a:bodyPr>
+            <a:lstStyle/>
+            <a:p>
+              <a:r>
+                <a:rPr lang="ko-KR" altLang="en-US" dirty="0" smtClean="0">
+                  <a:latin typeface="ELAND 초이스OTF Medium" pitchFamily="18" charset="-127"/>
+                  <a:ea typeface="ELAND 초이스OTF Medium" pitchFamily="18" charset="-127"/>
+                  <a:cs typeface="코트라 볼드체" pitchFamily="18" charset="-127"/>
+                </a:rPr>
+                <a:t>주문정보확인</a:t>
+              </a:r>
+              <a:endParaRPr lang="en-US" altLang="ko-KR" dirty="0">
+                <a:latin typeface="ELAND 초이스OTF Medium" pitchFamily="18" charset="-127"/>
+                <a:ea typeface="ELAND 초이스OTF Medium" pitchFamily="18" charset="-127"/>
+                <a:cs typeface="코트라 볼드체" pitchFamily="18" charset="-127"/>
+              </a:endParaRPr>
+            </a:p>
+          </p:txBody>
+        </p:sp>
+        <p:sp>
+          <p:nvSpPr>
+            <p:cNvPr id="83" name="직사각형 82"/>
+            <p:cNvSpPr/>
+            <p:nvPr/>
+          </p:nvSpPr>
+          <p:spPr>
+            <a:xfrm>
+              <a:off x="6087476" y="2976961"/>
+              <a:ext cx="617477" cy="369332"/>
+            </a:xfrm>
+            <a:prstGeom prst="rect">
+              <a:avLst/>
+            </a:prstGeom>
+          </p:spPr>
+          <p:txBody>
+            <a:bodyPr wrap="none">
+              <a:spAutoFit/>
+            </a:bodyPr>
+            <a:lstStyle/>
+            <a:p>
+              <a:r>
+                <a:rPr lang="ko-KR" altLang="en-US" dirty="0" smtClean="0">
+                  <a:latin typeface="ELAND 초이스OTF Medium" pitchFamily="18" charset="-127"/>
+                  <a:ea typeface="ELAND 초이스OTF Medium" pitchFamily="18" charset="-127"/>
+                  <a:cs typeface="코트라 볼드체" pitchFamily="18" charset="-127"/>
+                </a:rPr>
+                <a:t>배송</a:t>
+              </a:r>
+              <a:endParaRPr lang="en-US" altLang="ko-KR" dirty="0">
+                <a:latin typeface="ELAND 초이스OTF Medium" pitchFamily="18" charset="-127"/>
+                <a:ea typeface="ELAND 초이스OTF Medium" pitchFamily="18" charset="-127"/>
+                <a:cs typeface="코트라 볼드체" pitchFamily="18" charset="-127"/>
+              </a:endParaRPr>
+            </a:p>
+          </p:txBody>
+        </p:sp>
+        <p:sp>
+          <p:nvSpPr>
+            <p:cNvPr id="84" name="직사각형 83"/>
+            <p:cNvSpPr/>
+            <p:nvPr/>
+          </p:nvSpPr>
+          <p:spPr>
+            <a:xfrm>
+              <a:off x="5654665" y="3544859"/>
+              <a:ext cx="1050288" cy="369332"/>
+            </a:xfrm>
+            <a:prstGeom prst="rect">
+              <a:avLst/>
+            </a:prstGeom>
+          </p:spPr>
+          <p:txBody>
+            <a:bodyPr wrap="none">
+              <a:spAutoFit/>
+            </a:bodyPr>
+            <a:lstStyle/>
+            <a:p>
+              <a:r>
+                <a:rPr lang="ko-KR" altLang="en-US" smtClean="0">
+                  <a:latin typeface="ELAND 초이스OTF Medium" pitchFamily="18" charset="-127"/>
+                  <a:ea typeface="ELAND 초이스OTF Medium" pitchFamily="18" charset="-127"/>
+                  <a:cs typeface="코트라 볼드체" pitchFamily="18" charset="-127"/>
+                </a:rPr>
+                <a:t>회</a:t>
+              </a:r>
+              <a:r>
+                <a:rPr lang="ko-KR" altLang="en-US">
+                  <a:latin typeface="ELAND 초이스OTF Medium" pitchFamily="18" charset="-127"/>
+                  <a:ea typeface="ELAND 초이스OTF Medium" pitchFamily="18" charset="-127"/>
+                  <a:cs typeface="코트라 볼드체" pitchFamily="18" charset="-127"/>
+                </a:rPr>
+                <a:t>원</a:t>
+              </a:r>
+              <a:r>
+                <a:rPr lang="ko-KR" altLang="en-US" smtClean="0">
+                  <a:latin typeface="ELAND 초이스OTF Medium" pitchFamily="18" charset="-127"/>
+                  <a:ea typeface="ELAND 초이스OTF Medium" pitchFamily="18" charset="-127"/>
+                  <a:cs typeface="코트라 볼드체" pitchFamily="18" charset="-127"/>
+                </a:rPr>
+                <a:t>분석</a:t>
+              </a:r>
+              <a:endParaRPr lang="en-US" altLang="ko-KR" dirty="0">
+                <a:latin typeface="ELAND 초이스OTF Medium" pitchFamily="18" charset="-127"/>
+                <a:ea typeface="ELAND 초이스OTF Medium" pitchFamily="18" charset="-127"/>
+                <a:cs typeface="코트라 볼드체" pitchFamily="18" charset="-127"/>
+              </a:endParaRPr>
+            </a:p>
+          </p:txBody>
+        </p:sp>
+        <p:sp>
+          <p:nvSpPr>
+            <p:cNvPr id="86" name="직사각형 85"/>
+            <p:cNvSpPr/>
+            <p:nvPr/>
+          </p:nvSpPr>
+          <p:spPr>
+            <a:xfrm>
+              <a:off x="5220072" y="4084182"/>
+              <a:ext cx="1483098" cy="369332"/>
+            </a:xfrm>
+            <a:prstGeom prst="rect">
+              <a:avLst/>
+            </a:prstGeom>
+          </p:spPr>
+          <p:txBody>
+            <a:bodyPr wrap="none">
+              <a:spAutoFit/>
+            </a:bodyPr>
+            <a:lstStyle/>
+            <a:p>
+              <a:r>
+                <a:rPr lang="ko-KR" altLang="en-US" smtClean="0">
+                  <a:latin typeface="ELAND 초이스OTF Medium" pitchFamily="18" charset="-127"/>
+                  <a:ea typeface="ELAND 초이스OTF Medium" pitchFamily="18" charset="-127"/>
+                  <a:cs typeface="코트라 볼드체" pitchFamily="18" charset="-127"/>
+                </a:rPr>
+                <a:t>매출현황분석</a:t>
+              </a:r>
+              <a:endParaRPr lang="en-US" altLang="ko-KR" dirty="0">
+                <a:latin typeface="ELAND 초이스OTF Medium" pitchFamily="18" charset="-127"/>
+                <a:ea typeface="ELAND 초이스OTF Medium" pitchFamily="18" charset="-127"/>
+                <a:cs typeface="코트라 볼드체" pitchFamily="18" charset="-127"/>
+              </a:endParaRPr>
+            </a:p>
+          </p:txBody>
+        </p:sp>
+      </p:grpSp>
+      <p:cxnSp>
+        <p:nvCxnSpPr>
+          <p:cNvPr id="87" name="직선 화살표 연결선 86"/>
+          <p:cNvCxnSpPr/>
+          <p:nvPr/>
+        </p:nvCxnSpPr>
+        <p:spPr>
+          <a:xfrm>
+            <a:off x="8100392" y="1347614"/>
+            <a:ext cx="0" cy="3042083"/>
+          </a:xfrm>
+          <a:prstGeom prst="straightConnector1">
+            <a:avLst/>
+          </a:prstGeom>
+          <a:ln w="57150">
+            <a:solidFill>
+              <a:schemeClr val="bg2">
+                <a:lumMod val="25000"/>
+              </a:schemeClr>
+            </a:solidFill>
+            <a:tailEnd type="arrow"/>
+          </a:ln>
+        </p:spPr>
+        <p:style>
+          <a:lnRef idx="1">
+            <a:schemeClr val="accent1"/>
+          </a:lnRef>
+          <a:fillRef idx="0">
+            <a:schemeClr val="accent1"/>
+          </a:fillRef>
+          <a:effectRef idx="0">
+            <a:schemeClr val="accent1"/>
+          </a:effectRef>
+          <a:fontRef idx="minor">
+            <a:schemeClr val="tx1"/>
+          </a:fontRef>
+        </p:style>
+      </p:cxnSp>
+      <p:cxnSp>
+        <p:nvCxnSpPr>
+          <p:cNvPr id="44" name="직선 연결선 43"/>
+          <p:cNvCxnSpPr/>
+          <p:nvPr/>
+        </p:nvCxnSpPr>
+        <p:spPr>
+          <a:xfrm>
+            <a:off x="4572000" y="1796742"/>
+            <a:ext cx="0" cy="1766125"/>
+          </a:xfrm>
+          <a:prstGeom prst="line">
+            <a:avLst/>
+          </a:prstGeom>
+          <a:ln w="28575">
+            <a:solidFill>
+              <a:schemeClr val="bg2">
+                <a:lumMod val="25000"/>
+              </a:schemeClr>
+            </a:solidFill>
+          </a:ln>
+        </p:spPr>
+        <p:style>
+          <a:lnRef idx="1">
+            <a:schemeClr val="accent1"/>
+          </a:lnRef>
+          <a:fillRef idx="0">
+            <a:schemeClr val="accent1"/>
+          </a:fillRef>
+          <a:effectRef idx="0">
+            <a:schemeClr val="accent1"/>
+          </a:effectRef>
+          <a:fontRef idx="minor">
+            <a:schemeClr val="tx1"/>
+          </a:fontRef>
+        </p:style>
+      </p:cxnSp>
+      <p:sp>
+        <p:nvSpPr>
+          <p:cNvPr id="6" name="직사각형 5"/>
           <p:cNvSpPr/>
           <p:nvPr/>
         </p:nvSpPr>
         <p:spPr>
           <a:xfrm>
-            <a:off x="827584" y="947888"/>
-            <a:ext cx="1050288" cy="369332"/>
+            <a:off x="2546251" y="1987669"/>
+            <a:ext cx="1449436" cy="276999"/>
           </a:xfrm>
           <a:prstGeom prst="rect">
             <a:avLst/>
@@ -4224,13 +5606,20 @@
           <a:lstStyle/>
           <a:p>
             <a:r>
-              <a:rPr lang="ko-KR" altLang="en-US" dirty="0">
+              <a:rPr lang="en-US" altLang="ko-KR" sz="1200" dirty="0">
                 <a:latin typeface="ELAND 초이스OTF Light" pitchFamily="18" charset="-127"/>
                 <a:ea typeface="ELAND 초이스OTF Light" pitchFamily="18" charset="-127"/>
               </a:rPr>
-              <a:t>회원가입</a:t>
-            </a:r>
-            <a:endParaRPr lang="en-US" altLang="ko-KR" dirty="0">
+              <a:t>- </a:t>
+            </a:r>
+            <a:r>
+              <a:rPr lang="ko-KR" altLang="en-US" sz="1200" dirty="0">
+                <a:latin typeface="ELAND 초이스OTF Light" pitchFamily="18" charset="-127"/>
+                <a:ea typeface="ELAND 초이스OTF Light" pitchFamily="18" charset="-127"/>
+              </a:rPr>
+              <a:t>상품세부정보조회</a:t>
+            </a:r>
+            <a:endParaRPr lang="en-US" altLang="ko-KR" sz="1200" dirty="0">
               <a:latin typeface="ELAND 초이스OTF Light" pitchFamily="18" charset="-127"/>
               <a:ea typeface="ELAND 초이스OTF Light" pitchFamily="18" charset="-127"/>
             </a:endParaRPr>
@@ -4239,14 +5628,14 @@
       </p:sp>
       <p:sp>
         <p:nvSpPr>
-          <p:cNvPr id="8" name="직사각형 7"/>
+          <p:cNvPr id="14" name="직사각형 13"/>
           <p:cNvSpPr/>
           <p:nvPr/>
         </p:nvSpPr>
         <p:spPr>
           <a:xfrm>
-            <a:off x="857416" y="1477800"/>
-            <a:ext cx="1050288" cy="369332"/>
+            <a:off x="2546251" y="3093111"/>
+            <a:ext cx="1266693" cy="276999"/>
           </a:xfrm>
           <a:prstGeom prst="rect">
             <a:avLst/>
@@ -4259,48 +5648,27 @@
           <a:lstStyle/>
           <a:p>
             <a:r>
-              <a:rPr lang="ko-KR" altLang="en-US" dirty="0">
+              <a:rPr lang="en-US" altLang="ko-KR" sz="1200" dirty="0">
                 <a:latin typeface="ELAND 초이스OTF Light" pitchFamily="18" charset="-127"/>
                 <a:ea typeface="ELAND 초이스OTF Light" pitchFamily="18" charset="-127"/>
               </a:rPr>
-              <a:t>상품조회</a:t>
-            </a:r>
-            <a:endParaRPr lang="en-US" altLang="ko-KR" dirty="0">
-              <a:latin typeface="ELAND 초이스OTF Light" pitchFamily="18" charset="-127"/>
-              <a:ea typeface="ELAND 초이스OTF Light" pitchFamily="18" charset="-127"/>
-            </a:endParaRPr>
-          </a:p>
-        </p:txBody>
-      </p:sp>
-      <p:sp>
-        <p:nvSpPr>
-          <p:cNvPr id="9" name="직사각형 8"/>
-          <p:cNvSpPr/>
-          <p:nvPr/>
-        </p:nvSpPr>
-        <p:spPr>
-          <a:xfrm>
-            <a:off x="892649" y="1978671"/>
-            <a:ext cx="1547218" cy="369332"/>
-          </a:xfrm>
-          <a:prstGeom prst="rect">
-            <a:avLst/>
-          </a:prstGeom>
-        </p:spPr>
-        <p:txBody>
-          <a:bodyPr wrap="none">
-            <a:spAutoFit/>
-          </a:bodyPr>
-          <a:lstStyle/>
-          <a:p>
-            <a:r>
-              <a:rPr lang="ko-KR" altLang="en-US" dirty="0">
+              <a:t>- </a:t>
+            </a:r>
+            <a:r>
+              <a:rPr lang="en-US" altLang="ko-KR" sz="1200" dirty="0" smtClean="0">
                 <a:latin typeface="ELAND 초이스OTF Light" pitchFamily="18" charset="-127"/>
                 <a:ea typeface="ELAND 초이스OTF Light" pitchFamily="18" charset="-127"/>
               </a:rPr>
-              <a:t>장바구니 담기</a:t>
-            </a:r>
-            <a:endParaRPr lang="en-US" altLang="ko-KR" dirty="0">
+              <a:t>CASH</a:t>
+            </a:r>
+            <a:r>
+              <a:rPr lang="ko-KR" altLang="en-US" sz="1200" dirty="0" smtClean="0">
+                <a:latin typeface="ELAND 초이스OTF Light" pitchFamily="18" charset="-127"/>
+                <a:ea typeface="ELAND 초이스OTF Light" pitchFamily="18" charset="-127"/>
+              </a:rPr>
+              <a:t> 충전하기</a:t>
+            </a:r>
+            <a:endParaRPr lang="en-US" altLang="ko-KR" sz="1200" dirty="0">
               <a:latin typeface="ELAND 초이스OTF Light" pitchFamily="18" charset="-127"/>
               <a:ea typeface="ELAND 초이스OTF Light" pitchFamily="18" charset="-127"/>
             </a:endParaRPr>
@@ -4600,7 +5968,35 @@
       </a:bgFillStyleLst>
     </a:fmtScheme>
   </a:themeElements>
-  <a:objectDefaults/>
+  <a:objectDefaults>
+    <a:lnDef>
+      <a:spPr>
+        <a:ln w="12700">
+          <a:solidFill>
+            <a:schemeClr val="bg2">
+              <a:lumMod val="25000"/>
+            </a:schemeClr>
+          </a:solidFill>
+        </a:ln>
+      </a:spPr>
+      <a:bodyPr/>
+      <a:lstStyle/>
+      <a:style>
+        <a:lnRef idx="1">
+          <a:schemeClr val="accent1"/>
+        </a:lnRef>
+        <a:fillRef idx="0">
+          <a:schemeClr val="accent1"/>
+        </a:fillRef>
+        <a:effectRef idx="0">
+          <a:schemeClr val="accent1"/>
+        </a:effectRef>
+        <a:fontRef idx="minor">
+          <a:schemeClr val="tx1"/>
+        </a:fontRef>
+      </a:style>
+    </a:lnDef>
+  </a:objectDefaults>
   <a:extraClrSchemeLst/>
 </a:theme>
 </file>
--- a/7.프로세스흐름도(2.19v1byK).pptx
+++ b/7.프로세스흐름도(2.19v1byK).pptx
@@ -5,9 +5,13 @@
     <p:sldMasterId id="2147483648" r:id="rId1"/>
   </p:sldMasterIdLst>
   <p:sldIdLst>
-    <p:sldId id="257" r:id="rId2"/>
+    <p:sldId id="262" r:id="rId2"/>
+    <p:sldId id="265" r:id="rId3"/>
+    <p:sldId id="266" r:id="rId4"/>
+    <p:sldId id="257" r:id="rId5"/>
+    <p:sldId id="264" r:id="rId6"/>
   </p:sldIdLst>
-  <p:sldSz cx="9144000" cy="5143500" type="screen16x9"/>
+  <p:sldSz cx="9144000" cy="6858000" type="screen4x3"/>
   <p:notesSz cx="6858000" cy="9144000"/>
   <p:defaultTextStyle>
     <a:defPPr>
@@ -136,8 +140,8 @@
         </p:nvSpPr>
         <p:spPr>
           <a:xfrm>
-            <a:off x="685800" y="1597819"/>
-            <a:ext cx="7772400" cy="1102519"/>
+            <a:off x="685800" y="2130426"/>
+            <a:ext cx="7772400" cy="1470025"/>
           </a:xfrm>
         </p:spPr>
         <p:txBody>
@@ -164,8 +168,8 @@
         </p:nvSpPr>
         <p:spPr>
           <a:xfrm>
-            <a:off x="1371600" y="2914650"/>
-            <a:ext cx="6400800" cy="1314450"/>
+            <a:off x="1371600" y="3886200"/>
+            <a:ext cx="6400800" cy="1752600"/>
           </a:xfrm>
         </p:spPr>
         <p:txBody>
@@ -288,7 +292,7 @@
           <a:p>
             <a:fld id="{BA0790C0-098B-4FF3-A7AD-AEF1A8CC881E}" type="datetimeFigureOut">
               <a:rPr lang="ko-KR" altLang="en-US" smtClean="0"/>
-              <a:t>2021-02-19</a:t>
+              <a:t>2021-02-26</a:t>
             </a:fld>
             <a:endParaRPr lang="ko-KR" altLang="en-US" dirty="0"/>
           </a:p>
@@ -458,7 +462,7 @@
           <a:p>
             <a:fld id="{BA0790C0-098B-4FF3-A7AD-AEF1A8CC881E}" type="datetimeFigureOut">
               <a:rPr lang="ko-KR" altLang="en-US" smtClean="0"/>
-              <a:t>2021-02-19</a:t>
+              <a:t>2021-02-26</a:t>
             </a:fld>
             <a:endParaRPr lang="ko-KR" altLang="en-US" dirty="0"/>
           </a:p>
@@ -548,8 +552,8 @@
         </p:nvSpPr>
         <p:spPr>
           <a:xfrm>
-            <a:off x="6629400" y="205979"/>
-            <a:ext cx="2057400" cy="4388644"/>
+            <a:off x="6629400" y="274639"/>
+            <a:ext cx="2057400" cy="5851525"/>
           </a:xfrm>
         </p:spPr>
         <p:txBody>
@@ -576,8 +580,8 @@
         </p:nvSpPr>
         <p:spPr>
           <a:xfrm>
-            <a:off x="457200" y="205979"/>
-            <a:ext cx="6019800" cy="4388644"/>
+            <a:off x="457200" y="274639"/>
+            <a:ext cx="6019800" cy="5851525"/>
           </a:xfrm>
         </p:spPr>
         <p:txBody>
@@ -638,7 +642,7 @@
           <a:p>
             <a:fld id="{BA0790C0-098B-4FF3-A7AD-AEF1A8CC881E}" type="datetimeFigureOut">
               <a:rPr lang="ko-KR" altLang="en-US" smtClean="0"/>
-              <a:t>2021-02-19</a:t>
+              <a:t>2021-02-26</a:t>
             </a:fld>
             <a:endParaRPr lang="ko-KR" altLang="en-US" dirty="0"/>
           </a:p>
@@ -808,7 +812,7 @@
           <a:p>
             <a:fld id="{BA0790C0-098B-4FF3-A7AD-AEF1A8CC881E}" type="datetimeFigureOut">
               <a:rPr lang="ko-KR" altLang="en-US" smtClean="0"/>
-              <a:t>2021-02-19</a:t>
+              <a:t>2021-02-26</a:t>
             </a:fld>
             <a:endParaRPr lang="ko-KR" altLang="en-US" dirty="0"/>
           </a:p>
@@ -898,8 +902,8 @@
         </p:nvSpPr>
         <p:spPr>
           <a:xfrm>
-            <a:off x="722313" y="3305176"/>
-            <a:ext cx="7772400" cy="1021556"/>
+            <a:off x="722313" y="4406901"/>
+            <a:ext cx="7772400" cy="1362075"/>
           </a:xfrm>
         </p:spPr>
         <p:txBody>
@@ -930,8 +934,8 @@
         </p:nvSpPr>
         <p:spPr>
           <a:xfrm>
-            <a:off x="722313" y="2180035"/>
-            <a:ext cx="7772400" cy="1125140"/>
+            <a:off x="722313" y="2906713"/>
+            <a:ext cx="7772400" cy="1500187"/>
           </a:xfrm>
         </p:spPr>
         <p:txBody>
@@ -1054,7 +1058,7 @@
           <a:p>
             <a:fld id="{BA0790C0-098B-4FF3-A7AD-AEF1A8CC881E}" type="datetimeFigureOut">
               <a:rPr lang="ko-KR" altLang="en-US" smtClean="0"/>
-              <a:t>2021-02-19</a:t>
+              <a:t>2021-02-26</a:t>
             </a:fld>
             <a:endParaRPr lang="ko-KR" altLang="en-US" dirty="0"/>
           </a:p>
@@ -1167,8 +1171,8 @@
         </p:nvSpPr>
         <p:spPr>
           <a:xfrm>
-            <a:off x="457200" y="1200151"/>
-            <a:ext cx="4038600" cy="3394472"/>
+            <a:off x="457200" y="1600201"/>
+            <a:ext cx="4038600" cy="4525963"/>
           </a:xfrm>
         </p:spPr>
         <p:txBody>
@@ -1252,8 +1256,8 @@
         </p:nvSpPr>
         <p:spPr>
           <a:xfrm>
-            <a:off x="4648200" y="1200151"/>
-            <a:ext cx="4038600" cy="3394472"/>
+            <a:off x="4648200" y="1600201"/>
+            <a:ext cx="4038600" cy="4525963"/>
           </a:xfrm>
         </p:spPr>
         <p:txBody>
@@ -1342,7 +1346,7 @@
           <a:p>
             <a:fld id="{BA0790C0-098B-4FF3-A7AD-AEF1A8CC881E}" type="datetimeFigureOut">
               <a:rPr lang="ko-KR" altLang="en-US" smtClean="0"/>
-              <a:t>2021-02-19</a:t>
+              <a:t>2021-02-26</a:t>
             </a:fld>
             <a:endParaRPr lang="ko-KR" altLang="en-US" dirty="0"/>
           </a:p>
@@ -1459,8 +1463,8 @@
         </p:nvSpPr>
         <p:spPr>
           <a:xfrm>
-            <a:off x="457200" y="1151335"/>
-            <a:ext cx="4040188" cy="479822"/>
+            <a:off x="457200" y="1535113"/>
+            <a:ext cx="4040188" cy="639763"/>
           </a:xfrm>
         </p:spPr>
         <p:txBody>
@@ -1524,8 +1528,8 @@
         </p:nvSpPr>
         <p:spPr>
           <a:xfrm>
-            <a:off x="457200" y="1631156"/>
-            <a:ext cx="4040188" cy="2963466"/>
+            <a:off x="457200" y="2174875"/>
+            <a:ext cx="4040188" cy="3951288"/>
           </a:xfrm>
         </p:spPr>
         <p:txBody>
@@ -1609,8 +1613,8 @@
         </p:nvSpPr>
         <p:spPr>
           <a:xfrm>
-            <a:off x="4645026" y="1151335"/>
-            <a:ext cx="4041775" cy="479822"/>
+            <a:off x="4645027" y="1535113"/>
+            <a:ext cx="4041775" cy="639763"/>
           </a:xfrm>
         </p:spPr>
         <p:txBody>
@@ -1674,8 +1678,8 @@
         </p:nvSpPr>
         <p:spPr>
           <a:xfrm>
-            <a:off x="4645026" y="1631156"/>
-            <a:ext cx="4041775" cy="2963466"/>
+            <a:off x="4645027" y="2174875"/>
+            <a:ext cx="4041775" cy="3951288"/>
           </a:xfrm>
         </p:spPr>
         <p:txBody>
@@ -1764,7 +1768,7 @@
           <a:p>
             <a:fld id="{BA0790C0-098B-4FF3-A7AD-AEF1A8CC881E}" type="datetimeFigureOut">
               <a:rPr lang="ko-KR" altLang="en-US" smtClean="0"/>
-              <a:t>2021-02-19</a:t>
+              <a:t>2021-02-26</a:t>
             </a:fld>
             <a:endParaRPr lang="ko-KR" altLang="en-US" dirty="0"/>
           </a:p>
@@ -1882,7 +1886,7 @@
           <a:p>
             <a:fld id="{BA0790C0-098B-4FF3-A7AD-AEF1A8CC881E}" type="datetimeFigureOut">
               <a:rPr lang="ko-KR" altLang="en-US" smtClean="0"/>
-              <a:t>2021-02-19</a:t>
+              <a:t>2021-02-26</a:t>
             </a:fld>
             <a:endParaRPr lang="ko-KR" altLang="en-US" dirty="0"/>
           </a:p>
@@ -1977,7 +1981,7 @@
           <a:p>
             <a:fld id="{BA0790C0-098B-4FF3-A7AD-AEF1A8CC881E}" type="datetimeFigureOut">
               <a:rPr lang="ko-KR" altLang="en-US" smtClean="0"/>
-              <a:t>2021-02-19</a:t>
+              <a:t>2021-02-26</a:t>
             </a:fld>
             <a:endParaRPr lang="ko-KR" altLang="en-US" dirty="0"/>
           </a:p>
@@ -2067,8 +2071,8 @@
         </p:nvSpPr>
         <p:spPr>
           <a:xfrm>
-            <a:off x="457201" y="204787"/>
-            <a:ext cx="3008313" cy="871538"/>
+            <a:off x="457202" y="273049"/>
+            <a:ext cx="3008313" cy="1162051"/>
           </a:xfrm>
         </p:spPr>
         <p:txBody>
@@ -2099,8 +2103,8 @@
         </p:nvSpPr>
         <p:spPr>
           <a:xfrm>
-            <a:off x="3575050" y="204788"/>
-            <a:ext cx="5111750" cy="4389835"/>
+            <a:off x="3575050" y="273052"/>
+            <a:ext cx="5111750" cy="5853113"/>
           </a:xfrm>
         </p:spPr>
         <p:txBody>
@@ -2184,8 +2188,8 @@
         </p:nvSpPr>
         <p:spPr>
           <a:xfrm>
-            <a:off x="457201" y="1076326"/>
-            <a:ext cx="3008313" cy="3518297"/>
+            <a:off x="457202" y="1435102"/>
+            <a:ext cx="3008313" cy="4691063"/>
           </a:xfrm>
         </p:spPr>
         <p:txBody>
@@ -2254,7 +2258,7 @@
           <a:p>
             <a:fld id="{BA0790C0-098B-4FF3-A7AD-AEF1A8CC881E}" type="datetimeFigureOut">
               <a:rPr lang="ko-KR" altLang="en-US" smtClean="0"/>
-              <a:t>2021-02-19</a:t>
+              <a:t>2021-02-26</a:t>
             </a:fld>
             <a:endParaRPr lang="ko-KR" altLang="en-US" dirty="0"/>
           </a:p>
@@ -2344,8 +2348,8 @@
         </p:nvSpPr>
         <p:spPr>
           <a:xfrm>
-            <a:off x="1792288" y="3600450"/>
-            <a:ext cx="5486400" cy="425054"/>
+            <a:off x="1792288" y="4800600"/>
+            <a:ext cx="5486400" cy="566739"/>
           </a:xfrm>
         </p:spPr>
         <p:txBody>
@@ -2376,8 +2380,8 @@
         </p:nvSpPr>
         <p:spPr>
           <a:xfrm>
-            <a:off x="1792288" y="459581"/>
-            <a:ext cx="5486400" cy="3086100"/>
+            <a:off x="1792288" y="612775"/>
+            <a:ext cx="5486400" cy="4114800"/>
           </a:xfrm>
         </p:spPr>
         <p:txBody>
@@ -2437,8 +2441,8 @@
         </p:nvSpPr>
         <p:spPr>
           <a:xfrm>
-            <a:off x="1792288" y="4025503"/>
-            <a:ext cx="5486400" cy="603647"/>
+            <a:off x="1792288" y="5367338"/>
+            <a:ext cx="5486400" cy="804863"/>
           </a:xfrm>
         </p:spPr>
         <p:txBody>
@@ -2507,7 +2511,7 @@
           <a:p>
             <a:fld id="{BA0790C0-098B-4FF3-A7AD-AEF1A8CC881E}" type="datetimeFigureOut">
               <a:rPr lang="ko-KR" altLang="en-US" smtClean="0"/>
-              <a:t>2021-02-19</a:t>
+              <a:t>2021-02-26</a:t>
             </a:fld>
             <a:endParaRPr lang="ko-KR" altLang="en-US" dirty="0"/>
           </a:p>
@@ -2574,7 +2578,7 @@
     <p:bg>
       <p:bgPr>
         <a:solidFill>
-          <a:srgbClr val="DAC6A1"/>
+          <a:schemeClr val="bg1"/>
         </a:solidFill>
         <a:effectLst/>
       </p:bgPr>
@@ -2605,8 +2609,8 @@
         </p:nvSpPr>
         <p:spPr>
           <a:xfrm>
-            <a:off x="457200" y="205979"/>
-            <a:ext cx="8229600" cy="857250"/>
+            <a:off x="457200" y="274639"/>
+            <a:ext cx="8229600" cy="1143000"/>
           </a:xfrm>
           <a:prstGeom prst="rect">
             <a:avLst/>
@@ -2638,8 +2642,8 @@
         </p:nvSpPr>
         <p:spPr>
           <a:xfrm>
-            <a:off x="457200" y="1200151"/>
-            <a:ext cx="8229600" cy="3394472"/>
+            <a:off x="457200" y="1600201"/>
+            <a:ext cx="8229600" cy="4525963"/>
           </a:xfrm>
           <a:prstGeom prst="rect">
             <a:avLst/>
@@ -2700,8 +2704,8 @@
         </p:nvSpPr>
         <p:spPr>
           <a:xfrm>
-            <a:off x="457200" y="4767263"/>
-            <a:ext cx="2133600" cy="273844"/>
+            <a:off x="457200" y="6356351"/>
+            <a:ext cx="2133600" cy="365125"/>
           </a:xfrm>
           <a:prstGeom prst="rect">
             <a:avLst/>
@@ -2723,7 +2727,7 @@
           <a:p>
             <a:fld id="{BA0790C0-098B-4FF3-A7AD-AEF1A8CC881E}" type="datetimeFigureOut">
               <a:rPr lang="ko-KR" altLang="en-US" smtClean="0"/>
-              <a:t>2021-02-19</a:t>
+              <a:t>2021-02-26</a:t>
             </a:fld>
             <a:endParaRPr lang="ko-KR" altLang="en-US" dirty="0"/>
           </a:p>
@@ -2741,8 +2745,8 @@
         </p:nvSpPr>
         <p:spPr>
           <a:xfrm>
-            <a:off x="3124200" y="4767263"/>
-            <a:ext cx="2895600" cy="273844"/>
+            <a:off x="3124200" y="6356351"/>
+            <a:ext cx="2895600" cy="365125"/>
           </a:xfrm>
           <a:prstGeom prst="rect">
             <a:avLst/>
@@ -2778,8 +2782,8 @@
         </p:nvSpPr>
         <p:spPr>
           <a:xfrm>
-            <a:off x="6553200" y="4767263"/>
-            <a:ext cx="2133600" cy="273844"/>
+            <a:off x="6553200" y="6356351"/>
+            <a:ext cx="2133600" cy="365125"/>
           </a:xfrm>
           <a:prstGeom prst="rect">
             <a:avLst/>
@@ -3100,13 +3104,738 @@
       </p:grpSpPr>
       <p:sp>
         <p:nvSpPr>
+          <p:cNvPr id="5" name="TextBox 4"/>
+          <p:cNvSpPr txBox="1"/>
+          <p:nvPr/>
+        </p:nvSpPr>
+        <p:spPr>
+          <a:xfrm>
+            <a:off x="354024" y="4005064"/>
+            <a:ext cx="2489784" cy="523220"/>
+          </a:xfrm>
+          <a:prstGeom prst="rect">
+            <a:avLst/>
+          </a:prstGeom>
+          <a:noFill/>
+        </p:spPr>
+        <p:txBody>
+          <a:bodyPr wrap="none" rtlCol="0">
+            <a:spAutoFit/>
+          </a:bodyPr>
+          <a:lstStyle/>
+          <a:p>
+            <a:r>
+              <a:rPr lang="en-US" altLang="ko-KR" sz="2800" dirty="0" smtClean="0">
+                <a:latin typeface="배달의민족 도현" pitchFamily="50" charset="-127"/>
+                <a:ea typeface="배달의민족 도현" pitchFamily="50" charset="-127"/>
+                <a:cs typeface="코트라 볼드체" pitchFamily="18" charset="-127"/>
+              </a:rPr>
+              <a:t>First project</a:t>
+            </a:r>
+            <a:endParaRPr lang="ko-KR" altLang="en-US" sz="2800" dirty="0">
+              <a:latin typeface="배달의민족 도현" pitchFamily="50" charset="-127"/>
+              <a:ea typeface="배달의민족 도현" pitchFamily="50" charset="-127"/>
+              <a:cs typeface="코트라 볼드체" pitchFamily="18" charset="-127"/>
+            </a:endParaRPr>
+          </a:p>
+        </p:txBody>
+      </p:sp>
+      <p:pic>
+        <p:nvPicPr>
+          <p:cNvPr id="1026" name="Picture 2" descr="C:\Users\PC-08\Desktop\깃을사용하지않으면 죽는다 ㅠ\Default-logo.png"/>
+          <p:cNvPicPr>
+            <a:picLocks noChangeAspect="1" noChangeArrowheads="1"/>
+          </p:cNvPicPr>
+          <p:nvPr/>
+        </p:nvPicPr>
+        <p:blipFill>
+          <a:blip r:embed="rId2" cstate="print">
+            <a:extLst>
+              <a:ext uri="{28A0092B-C50C-407E-A947-70E740481C1C}">
+                <a14:useLocalDpi xmlns:a14="http://schemas.microsoft.com/office/drawing/2010/main" val="0"/>
+              </a:ext>
+            </a:extLst>
+          </a:blip>
+          <a:srcRect/>
+          <a:stretch>
+            <a:fillRect/>
+          </a:stretch>
+        </p:blipFill>
+        <p:spPr bwMode="auto">
+          <a:xfrm>
+            <a:off x="-324544" y="1196752"/>
+            <a:ext cx="3803420" cy="2664296"/>
+          </a:xfrm>
+          <a:prstGeom prst="rect">
+            <a:avLst/>
+          </a:prstGeom>
+          <a:noFill/>
+          <a:extLst>
+            <a:ext uri="{909E8E84-426E-40DD-AFC4-6F175D3DCCD1}">
+              <a14:hiddenFill xmlns:a14="http://schemas.microsoft.com/office/drawing/2010/main">
+                <a:solidFill>
+                  <a:srgbClr val="FFFFFF"/>
+                </a:solidFill>
+              </a14:hiddenFill>
+            </a:ext>
+          </a:extLst>
+        </p:spPr>
+      </p:pic>
+      <p:pic>
+        <p:nvPicPr>
+          <p:cNvPr id="2" name="그림 1"/>
+          <p:cNvPicPr>
+            <a:picLocks noChangeAspect="1"/>
+          </p:cNvPicPr>
+          <p:nvPr/>
+        </p:nvPicPr>
+        <p:blipFill rotWithShape="1">
+          <a:blip r:embed="rId3">
+            <a:extLst>
+              <a:ext uri="{28A0092B-C50C-407E-A947-70E740481C1C}">
+                <a14:useLocalDpi xmlns:a14="http://schemas.microsoft.com/office/drawing/2010/main" val="0"/>
+              </a:ext>
+            </a:extLst>
+          </a:blip>
+          <a:srcRect l="16702"/>
+          <a:stretch/>
+        </p:blipFill>
+        <p:spPr>
+          <a:xfrm>
+            <a:off x="3186319" y="-450"/>
+            <a:ext cx="5957681" cy="6858450"/>
+          </a:xfrm>
+          <a:prstGeom prst="rect">
+            <a:avLst/>
+          </a:prstGeom>
+        </p:spPr>
+      </p:pic>
+      <p:sp>
+        <p:nvSpPr>
+          <p:cNvPr id="3" name="TextBox 2"/>
+          <p:cNvSpPr txBox="1"/>
+          <p:nvPr/>
+        </p:nvSpPr>
+        <p:spPr>
+          <a:xfrm>
+            <a:off x="2952" y="0"/>
+            <a:ext cx="2460674" cy="646331"/>
+          </a:xfrm>
+          <a:prstGeom prst="rect">
+            <a:avLst/>
+          </a:prstGeom>
+          <a:noFill/>
+        </p:spPr>
+        <p:txBody>
+          <a:bodyPr wrap="none" rtlCol="0">
+            <a:spAutoFit/>
+          </a:bodyPr>
+          <a:lstStyle/>
+          <a:p>
+            <a:r>
+              <a:rPr lang="en-US" altLang="ko-KR" dirty="0" smtClean="0">
+                <a:latin typeface="ELAND 초이스OTF Medium" pitchFamily="18" charset="-127"/>
+                <a:ea typeface="ELAND 초이스OTF Medium" pitchFamily="18" charset="-127"/>
+              </a:rPr>
+              <a:t>DDIT 403</a:t>
+            </a:r>
+          </a:p>
+          <a:p>
+            <a:r>
+              <a:rPr lang="en-US" altLang="ko-KR" dirty="0" smtClean="0">
+                <a:latin typeface="ELAND 초이스OTF Medium" pitchFamily="18" charset="-127"/>
+                <a:ea typeface="ELAND 초이스OTF Medium" pitchFamily="18" charset="-127"/>
+              </a:rPr>
+              <a:t>Oracle &amp;&amp; JAVA basic</a:t>
+            </a:r>
+            <a:endParaRPr lang="ko-KR" altLang="en-US" dirty="0">
+              <a:latin typeface="ELAND 초이스OTF Medium" pitchFamily="18" charset="-127"/>
+              <a:ea typeface="ELAND 초이스OTF Medium" pitchFamily="18" charset="-127"/>
+            </a:endParaRPr>
+          </a:p>
+        </p:txBody>
+      </p:sp>
+    </p:spTree>
+    <p:extLst>
+      <p:ext uri="{BB962C8B-B14F-4D97-AF65-F5344CB8AC3E}">
+        <p14:creationId xmlns:p14="http://schemas.microsoft.com/office/powerpoint/2010/main" val="2545653098"/>
+      </p:ext>
+    </p:extLst>
+  </p:cSld>
+  <p:clrMapOvr>
+    <a:masterClrMapping/>
+  </p:clrMapOvr>
+  <p:timing>
+    <p:tnLst>
+      <p:par>
+        <p:cTn id="1" dur="indefinite" restart="never" nodeType="tmRoot"/>
+      </p:par>
+    </p:tnLst>
+  </p:timing>
+</p:sld>
+</file>
+
+<file path=ppt/slides/slide2.xml><?xml version="1.0" encoding="utf-8"?>
+<p:sld xmlns:a="http://schemas.openxmlformats.org/drawingml/2006/main" xmlns:r="http://schemas.openxmlformats.org/officeDocument/2006/relationships" xmlns:p="http://schemas.openxmlformats.org/presentationml/2006/main">
+  <p:cSld>
+    <p:spTree>
+      <p:nvGrpSpPr>
+        <p:cNvPr id="1" name=""/>
+        <p:cNvGrpSpPr/>
+        <p:nvPr/>
+      </p:nvGrpSpPr>
+      <p:grpSpPr>
+        <a:xfrm>
+          <a:off x="0" y="0"/>
+          <a:ext cx="0" cy="0"/>
+          <a:chOff x="0" y="0"/>
+          <a:chExt cx="0" cy="0"/>
+        </a:xfrm>
+      </p:grpSpPr>
+      <p:sp>
+        <p:nvSpPr>
+          <p:cNvPr id="5" name="TextBox 4"/>
+          <p:cNvSpPr txBox="1"/>
+          <p:nvPr/>
+        </p:nvSpPr>
+        <p:spPr>
+          <a:xfrm>
+            <a:off x="11556776" y="4272726"/>
+            <a:ext cx="3112519" cy="523220"/>
+          </a:xfrm>
+          <a:prstGeom prst="rect">
+            <a:avLst/>
+          </a:prstGeom>
+          <a:noFill/>
+        </p:spPr>
+        <p:txBody>
+          <a:bodyPr wrap="none" rtlCol="0">
+            <a:spAutoFit/>
+          </a:bodyPr>
+          <a:lstStyle/>
+          <a:p>
+            <a:r>
+              <a:rPr lang="en-US" altLang="ko-KR" sz="2800" dirty="0" smtClean="0">
+                <a:latin typeface="코트라 볼드체" pitchFamily="18" charset="-127"/>
+                <a:ea typeface="코트라 볼드체" pitchFamily="18" charset="-127"/>
+                <a:cs typeface="코트라 볼드체" pitchFamily="18" charset="-127"/>
+              </a:rPr>
+              <a:t>SHOPPING MALL</a:t>
+            </a:r>
+            <a:endParaRPr lang="ko-KR" altLang="en-US" sz="2800" dirty="0">
+              <a:latin typeface="코트라 볼드체" pitchFamily="18" charset="-127"/>
+              <a:ea typeface="코트라 볼드체" pitchFamily="18" charset="-127"/>
+              <a:cs typeface="코트라 볼드체" pitchFamily="18" charset="-127"/>
+            </a:endParaRPr>
+          </a:p>
+        </p:txBody>
+      </p:sp>
+      <p:pic>
+        <p:nvPicPr>
+          <p:cNvPr id="1026" name="Picture 2" descr="C:\Users\PC-08\Desktop\깃을사용하지않으면 죽는다 ㅠ\Default-logo.png"/>
+          <p:cNvPicPr>
+            <a:picLocks noChangeAspect="1" noChangeArrowheads="1"/>
+          </p:cNvPicPr>
+          <p:nvPr/>
+        </p:nvPicPr>
+        <p:blipFill>
+          <a:blip r:embed="rId2" cstate="print">
+            <a:extLst>
+              <a:ext uri="{28A0092B-C50C-407E-A947-70E740481C1C}">
+                <a14:useLocalDpi xmlns:a14="http://schemas.microsoft.com/office/drawing/2010/main" val="0"/>
+              </a:ext>
+            </a:extLst>
+          </a:blip>
+          <a:srcRect/>
+          <a:stretch>
+            <a:fillRect/>
+          </a:stretch>
+        </p:blipFill>
+        <p:spPr bwMode="auto">
+          <a:xfrm>
+            <a:off x="11124728" y="2613516"/>
+            <a:ext cx="2364288" cy="1656184"/>
+          </a:xfrm>
+          <a:prstGeom prst="rect">
+            <a:avLst/>
+          </a:prstGeom>
+          <a:noFill/>
+          <a:extLst>
+            <a:ext uri="{909E8E84-426E-40DD-AFC4-6F175D3DCCD1}">
+              <a14:hiddenFill xmlns:a14="http://schemas.microsoft.com/office/drawing/2010/main">
+                <a:solidFill>
+                  <a:srgbClr val="FFFFFF"/>
+                </a:solidFill>
+              </a14:hiddenFill>
+            </a:ext>
+          </a:extLst>
+        </p:spPr>
+      </p:pic>
+      <p:sp>
+        <p:nvSpPr>
+          <p:cNvPr id="3" name="TextBox 2"/>
+          <p:cNvSpPr txBox="1"/>
+          <p:nvPr/>
+        </p:nvSpPr>
+        <p:spPr>
+          <a:xfrm>
+            <a:off x="2236464" y="2276872"/>
+            <a:ext cx="4855816" cy="2862322"/>
+          </a:xfrm>
+          <a:prstGeom prst="rect">
+            <a:avLst/>
+          </a:prstGeom>
+          <a:noFill/>
+        </p:spPr>
+        <p:txBody>
+          <a:bodyPr wrap="none" rtlCol="0">
+            <a:spAutoFit/>
+          </a:bodyPr>
+          <a:lstStyle/>
+          <a:p>
+            <a:r>
+              <a:rPr lang="en-US" altLang="ko-KR" sz="3600" dirty="0" smtClean="0">
+                <a:latin typeface="배달의민족 도현" pitchFamily="50" charset="-127"/>
+                <a:ea typeface="배달의민족 도현" pitchFamily="50" charset="-127"/>
+              </a:rPr>
+              <a:t>[0] team</a:t>
+            </a:r>
+          </a:p>
+          <a:p>
+            <a:r>
+              <a:rPr lang="en-US" altLang="ko-KR" sz="3600" dirty="0" smtClean="0">
+                <a:latin typeface="배달의민족 도현" pitchFamily="50" charset="-127"/>
+                <a:ea typeface="배달의민족 도현" pitchFamily="50" charset="-127"/>
+              </a:rPr>
+              <a:t>[1] theme of project</a:t>
+            </a:r>
+          </a:p>
+          <a:p>
+            <a:r>
+              <a:rPr lang="en-US" altLang="ko-KR" sz="3600" dirty="0" smtClean="0">
+                <a:latin typeface="배달의민족 도현" pitchFamily="50" charset="-127"/>
+                <a:ea typeface="배달의민족 도현" pitchFamily="50" charset="-127"/>
+              </a:rPr>
+              <a:t>[2] reason</a:t>
+            </a:r>
+          </a:p>
+          <a:p>
+            <a:r>
+              <a:rPr lang="en-US" altLang="ko-KR" sz="3600" dirty="0" smtClean="0">
+                <a:latin typeface="배달의민족 도현" pitchFamily="50" charset="-127"/>
+                <a:ea typeface="배달의민족 도현" pitchFamily="50" charset="-127"/>
+              </a:rPr>
+              <a:t>[3] menu</a:t>
+            </a:r>
+          </a:p>
+          <a:p>
+            <a:r>
+              <a:rPr lang="en-US" altLang="ko-KR" sz="3600" dirty="0" smtClean="0">
+                <a:latin typeface="배달의민족 도현" pitchFamily="50" charset="-127"/>
+                <a:ea typeface="배달의민족 도현" pitchFamily="50" charset="-127"/>
+              </a:rPr>
+              <a:t>[4] result</a:t>
+            </a:r>
+            <a:endParaRPr lang="ko-KR" altLang="en-US" sz="3600" dirty="0">
+              <a:latin typeface="배달의민족 도현" pitchFamily="50" charset="-127"/>
+              <a:ea typeface="배달의민족 도현" pitchFamily="50" charset="-127"/>
+            </a:endParaRPr>
+          </a:p>
+        </p:txBody>
+      </p:sp>
+      <p:sp>
+        <p:nvSpPr>
+          <p:cNvPr id="4" name="직사각형 3"/>
+          <p:cNvSpPr/>
+          <p:nvPr/>
+        </p:nvSpPr>
+        <p:spPr>
+          <a:xfrm>
+            <a:off x="5004048" y="2198017"/>
+            <a:ext cx="3658374" cy="830997"/>
+          </a:xfrm>
+          <a:prstGeom prst="rect">
+            <a:avLst/>
+          </a:prstGeom>
+        </p:spPr>
+        <p:txBody>
+          <a:bodyPr wrap="none">
+            <a:spAutoFit/>
+          </a:bodyPr>
+          <a:lstStyle/>
+          <a:p>
+            <a:r>
+              <a:rPr lang="en-US" altLang="ko-KR" sz="4800" dirty="0" smtClean="0">
+                <a:latin typeface="배달의민족 도현" pitchFamily="50" charset="-127"/>
+                <a:ea typeface="배달의민족 도현" pitchFamily="50" charset="-127"/>
+              </a:rPr>
+              <a:t>Contents[i]</a:t>
+            </a:r>
+            <a:endParaRPr lang="ko-KR" altLang="en-US" sz="4800" dirty="0">
+              <a:latin typeface="배달의민족 도현" pitchFamily="50" charset="-127"/>
+              <a:ea typeface="배달의민족 도현" pitchFamily="50" charset="-127"/>
+            </a:endParaRPr>
+          </a:p>
+        </p:txBody>
+      </p:sp>
+      <p:sp>
+        <p:nvSpPr>
+          <p:cNvPr id="6" name="직사각형 5"/>
+          <p:cNvSpPr/>
+          <p:nvPr/>
+        </p:nvSpPr>
+        <p:spPr>
+          <a:xfrm>
+            <a:off x="467544" y="3072276"/>
+            <a:ext cx="8352928" cy="369332"/>
+          </a:xfrm>
+          <a:prstGeom prst="rect">
+            <a:avLst/>
+          </a:prstGeom>
+        </p:spPr>
+        <p:txBody>
+          <a:bodyPr wrap="square">
+            <a:spAutoFit/>
+          </a:bodyPr>
+          <a:lstStyle/>
+          <a:p>
+            <a:r>
+              <a:rPr lang="en-US" altLang="ko-KR" dirty="0" err="1" smtClean="0">
+                <a:latin typeface="ELAND 초이스OTF Medium" pitchFamily="18" charset="-127"/>
+                <a:ea typeface="ELAND 초이스OTF Medium" pitchFamily="18" charset="-127"/>
+              </a:rPr>
+              <a:t>System.out.print</a:t>
+            </a:r>
+            <a:r>
+              <a:rPr lang="en-US" altLang="ko-KR" dirty="0" smtClean="0">
+                <a:latin typeface="ELAND 초이스OTF Medium" pitchFamily="18" charset="-127"/>
+                <a:ea typeface="ELAND 초이스OTF Medium" pitchFamily="18" charset="-127"/>
+              </a:rPr>
+              <a:t>(                                                              )</a:t>
+            </a:r>
+            <a:endParaRPr lang="en-US" altLang="ko-KR" dirty="0">
+              <a:latin typeface="ELAND 초이스OTF Medium" pitchFamily="18" charset="-127"/>
+              <a:ea typeface="ELAND 초이스OTF Medium" pitchFamily="18" charset="-127"/>
+            </a:endParaRPr>
+          </a:p>
+        </p:txBody>
+      </p:sp>
+      <p:sp>
+        <p:nvSpPr>
+          <p:cNvPr id="7" name="TextBox 6"/>
+          <p:cNvSpPr txBox="1"/>
+          <p:nvPr/>
+        </p:nvSpPr>
+        <p:spPr>
+          <a:xfrm>
+            <a:off x="611468" y="1891290"/>
+            <a:ext cx="4052904" cy="369332"/>
+          </a:xfrm>
+          <a:prstGeom prst="rect">
+            <a:avLst/>
+          </a:prstGeom>
+          <a:noFill/>
+        </p:spPr>
+        <p:txBody>
+          <a:bodyPr wrap="none" rtlCol="0">
+            <a:spAutoFit/>
+          </a:bodyPr>
+          <a:lstStyle/>
+          <a:p>
+            <a:r>
+              <a:rPr lang="en-US" altLang="ko-KR" dirty="0">
+                <a:latin typeface="ELAND 초이스OTF Medium" pitchFamily="18" charset="-127"/>
+                <a:ea typeface="ELAND 초이스OTF Medium" pitchFamily="18" charset="-127"/>
+              </a:rPr>
+              <a:t>for(</a:t>
+            </a:r>
+            <a:r>
+              <a:rPr lang="en-US" altLang="ko-KR" dirty="0" err="1">
+                <a:latin typeface="ELAND 초이스OTF Medium" pitchFamily="18" charset="-127"/>
+                <a:ea typeface="ELAND 초이스OTF Medium" pitchFamily="18" charset="-127"/>
+              </a:rPr>
+              <a:t>int</a:t>
+            </a:r>
+            <a:r>
+              <a:rPr lang="en-US" altLang="ko-KR" dirty="0">
+                <a:latin typeface="ELAND 초이스OTF Medium" pitchFamily="18" charset="-127"/>
+                <a:ea typeface="ELAND 초이스OTF Medium" pitchFamily="18" charset="-127"/>
+              </a:rPr>
+              <a:t> i = 1; i&lt;</a:t>
+            </a:r>
+            <a:r>
+              <a:rPr lang="en-US" altLang="ko-KR" dirty="0" err="1">
+                <a:latin typeface="ELAND 초이스OTF Medium" pitchFamily="18" charset="-127"/>
+                <a:ea typeface="ELAND 초이스OTF Medium" pitchFamily="18" charset="-127"/>
+              </a:rPr>
+              <a:t>Contents.length</a:t>
+            </a:r>
+            <a:r>
+              <a:rPr lang="en-US" altLang="ko-KR" dirty="0">
+                <a:latin typeface="ELAND 초이스OTF Medium" pitchFamily="18" charset="-127"/>
+                <a:ea typeface="ELAND 초이스OTF Medium" pitchFamily="18" charset="-127"/>
+              </a:rPr>
+              <a:t>; i</a:t>
+            </a:r>
+            <a:r>
+              <a:rPr lang="en-US" altLang="ko-KR" dirty="0" smtClean="0">
+                <a:latin typeface="ELAND 초이스OTF Medium" pitchFamily="18" charset="-127"/>
+                <a:ea typeface="ELAND 초이스OTF Medium" pitchFamily="18" charset="-127"/>
+              </a:rPr>
+              <a:t>++){</a:t>
+            </a:r>
+            <a:endParaRPr lang="en-US" altLang="ko-KR" dirty="0">
+              <a:latin typeface="ELAND 초이스OTF Medium" pitchFamily="18" charset="-127"/>
+              <a:ea typeface="ELAND 초이스OTF Medium" pitchFamily="18" charset="-127"/>
+            </a:endParaRPr>
+          </a:p>
+        </p:txBody>
+      </p:sp>
+      <p:sp>
+        <p:nvSpPr>
+          <p:cNvPr id="9" name="TextBox 8"/>
+          <p:cNvSpPr txBox="1"/>
+          <p:nvPr/>
+        </p:nvSpPr>
+        <p:spPr>
+          <a:xfrm>
+            <a:off x="7092280" y="5319216"/>
+            <a:ext cx="269626" cy="369332"/>
+          </a:xfrm>
+          <a:prstGeom prst="rect">
+            <a:avLst/>
+          </a:prstGeom>
+          <a:noFill/>
+        </p:spPr>
+        <p:txBody>
+          <a:bodyPr wrap="none" rtlCol="0">
+            <a:spAutoFit/>
+          </a:bodyPr>
+          <a:lstStyle/>
+          <a:p>
+            <a:r>
+              <a:rPr lang="en-US" altLang="ko-KR" dirty="0" smtClean="0">
+                <a:latin typeface="ELAND 초이스OTF Medium" pitchFamily="18" charset="-127"/>
+                <a:ea typeface="ELAND 초이스OTF Medium" pitchFamily="18" charset="-127"/>
+              </a:rPr>
+              <a:t>}</a:t>
+            </a:r>
+            <a:endParaRPr lang="en-US" altLang="ko-KR" dirty="0">
+              <a:latin typeface="ELAND 초이스OTF Medium" pitchFamily="18" charset="-127"/>
+              <a:ea typeface="ELAND 초이스OTF Medium" pitchFamily="18" charset="-127"/>
+            </a:endParaRPr>
+          </a:p>
+        </p:txBody>
+      </p:sp>
+      <p:pic>
+        <p:nvPicPr>
+          <p:cNvPr id="2050" name="Picture 2"/>
+          <p:cNvPicPr>
+            <a:picLocks noChangeAspect="1" noChangeArrowheads="1"/>
+          </p:cNvPicPr>
+          <p:nvPr/>
+        </p:nvPicPr>
+        <p:blipFill rotWithShape="1">
+          <a:blip r:embed="rId3">
+            <a:extLst>
+              <a:ext uri="{28A0092B-C50C-407E-A947-70E740481C1C}">
+                <a14:useLocalDpi xmlns:a14="http://schemas.microsoft.com/office/drawing/2010/main" val="0"/>
+              </a:ext>
+            </a:extLst>
+          </a:blip>
+          <a:srcRect l="52" t="19227" r="-52" b="50672"/>
+          <a:stretch/>
+        </p:blipFill>
+        <p:spPr bwMode="auto">
+          <a:xfrm>
+            <a:off x="0" y="548680"/>
+            <a:ext cx="8820472" cy="595710"/>
+          </a:xfrm>
+          <a:prstGeom prst="rect">
+            <a:avLst/>
+          </a:prstGeom>
+          <a:noFill/>
+          <a:ln>
+            <a:noFill/>
+          </a:ln>
+          <a:effectLst/>
+          <a:extLst>
+            <a:ext uri="{909E8E84-426E-40DD-AFC4-6F175D3DCCD1}">
+              <a14:hiddenFill xmlns:a14="http://schemas.microsoft.com/office/drawing/2010/main">
+                <a:solidFill>
+                  <a:schemeClr val="accent1"/>
+                </a:solidFill>
+              </a14:hiddenFill>
+            </a:ext>
+            <a:ext uri="{91240B29-F687-4F45-9708-019B960494DF}">
+              <a14:hiddenLine xmlns:a14="http://schemas.microsoft.com/office/drawing/2010/main" w="9525">
+                <a:solidFill>
+                  <a:schemeClr val="tx1"/>
+                </a:solidFill>
+                <a:miter lim="800000"/>
+                <a:headEnd/>
+                <a:tailEnd/>
+              </a14:hiddenLine>
+            </a:ext>
+            <a:ext uri="{AF507438-7753-43E0-B8FC-AC1667EBCBE1}">
+              <a14:hiddenEffects xmlns:a14="http://schemas.microsoft.com/office/drawing/2010/main">
+                <a:effectLst>
+                  <a:outerShdw dist="35921" dir="2700000" algn="ctr" rotWithShape="0">
+                    <a:schemeClr val="bg2"/>
+                  </a:outerShdw>
+                </a:effectLst>
+              </a14:hiddenEffects>
+            </a:ext>
+          </a:extLst>
+        </p:spPr>
+      </p:pic>
+    </p:spTree>
+    <p:extLst>
+      <p:ext uri="{BB962C8B-B14F-4D97-AF65-F5344CB8AC3E}">
+        <p14:creationId xmlns:p14="http://schemas.microsoft.com/office/powerpoint/2010/main" val="2169741393"/>
+      </p:ext>
+    </p:extLst>
+  </p:cSld>
+  <p:clrMapOvr>
+    <a:masterClrMapping/>
+  </p:clrMapOvr>
+  <p:timing>
+    <p:tnLst>
+      <p:par>
+        <p:cTn id="1" dur="indefinite" restart="never" nodeType="tmRoot"/>
+      </p:par>
+    </p:tnLst>
+  </p:timing>
+</p:sld>
+</file>
+
+<file path=ppt/slides/slide3.xml><?xml version="1.0" encoding="utf-8"?>
+<p:sld xmlns:a="http://schemas.openxmlformats.org/drawingml/2006/main" xmlns:r="http://schemas.openxmlformats.org/officeDocument/2006/relationships" xmlns:p="http://schemas.openxmlformats.org/presentationml/2006/main">
+  <p:cSld>
+    <p:spTree>
+      <p:nvGrpSpPr>
+        <p:cNvPr id="1" name=""/>
+        <p:cNvGrpSpPr/>
+        <p:nvPr/>
+      </p:nvGrpSpPr>
+      <p:grpSpPr>
+        <a:xfrm>
+          <a:off x="0" y="0"/>
+          <a:ext cx="0" cy="0"/>
+          <a:chOff x="0" y="0"/>
+          <a:chExt cx="0" cy="0"/>
+        </a:xfrm>
+      </p:grpSpPr>
+      <p:pic>
+        <p:nvPicPr>
+          <p:cNvPr id="3075" name="Picture 3"/>
+          <p:cNvPicPr>
+            <a:picLocks noChangeAspect="1" noChangeArrowheads="1"/>
+          </p:cNvPicPr>
+          <p:nvPr/>
+        </p:nvPicPr>
+        <p:blipFill>
+          <a:blip r:embed="rId2">
+            <a:extLst>
+              <a:ext uri="{28A0092B-C50C-407E-A947-70E740481C1C}">
+                <a14:useLocalDpi xmlns:a14="http://schemas.microsoft.com/office/drawing/2010/main" val="0"/>
+              </a:ext>
+            </a:extLst>
+          </a:blip>
+          <a:srcRect/>
+          <a:stretch>
+            <a:fillRect/>
+          </a:stretch>
+        </p:blipFill>
+        <p:spPr bwMode="auto">
+          <a:xfrm>
+            <a:off x="-11133" y="929192"/>
+            <a:ext cx="9155134" cy="5956192"/>
+          </a:xfrm>
+          <a:prstGeom prst="rect">
+            <a:avLst/>
+          </a:prstGeom>
+          <a:noFill/>
+          <a:ln>
+            <a:noFill/>
+          </a:ln>
+          <a:effectLst/>
+          <a:extLst>
+            <a:ext uri="{909E8E84-426E-40DD-AFC4-6F175D3DCCD1}">
+              <a14:hiddenFill xmlns:a14="http://schemas.microsoft.com/office/drawing/2010/main">
+                <a:solidFill>
+                  <a:schemeClr val="accent1"/>
+                </a:solidFill>
+              </a14:hiddenFill>
+            </a:ext>
+            <a:ext uri="{91240B29-F687-4F45-9708-019B960494DF}">
+              <a14:hiddenLine xmlns:a14="http://schemas.microsoft.com/office/drawing/2010/main" w="9525">
+                <a:solidFill>
+                  <a:schemeClr val="tx1"/>
+                </a:solidFill>
+                <a:miter lim="800000"/>
+                <a:headEnd/>
+                <a:tailEnd/>
+              </a14:hiddenLine>
+            </a:ext>
+            <a:ext uri="{AF507438-7753-43E0-B8FC-AC1667EBCBE1}">
+              <a14:hiddenEffects xmlns:a14="http://schemas.microsoft.com/office/drawing/2010/main">
+                <a:effectLst>
+                  <a:outerShdw dist="35921" dir="2700000" algn="ctr" rotWithShape="0">
+                    <a:schemeClr val="bg2"/>
+                  </a:outerShdw>
+                </a:effectLst>
+              </a14:hiddenEffects>
+            </a:ext>
+          </a:extLst>
+        </p:spPr>
+      </p:pic>
+    </p:spTree>
+    <p:extLst>
+      <p:ext uri="{BB962C8B-B14F-4D97-AF65-F5344CB8AC3E}">
+        <p14:creationId xmlns:p14="http://schemas.microsoft.com/office/powerpoint/2010/main" val="2732237215"/>
+      </p:ext>
+    </p:extLst>
+  </p:cSld>
+  <p:clrMapOvr>
+    <a:masterClrMapping/>
+  </p:clrMapOvr>
+  <p:timing>
+    <p:tnLst>
+      <p:par>
+        <p:cTn id="1" dur="indefinite" restart="never" nodeType="tmRoot"/>
+      </p:par>
+    </p:tnLst>
+  </p:timing>
+</p:sld>
+</file>
+
+<file path=ppt/slides/slide4.xml><?xml version="1.0" encoding="utf-8"?>
+<p:sld xmlns:a="http://schemas.openxmlformats.org/drawingml/2006/main" xmlns:r="http://schemas.openxmlformats.org/officeDocument/2006/relationships" xmlns:p="http://schemas.openxmlformats.org/presentationml/2006/main">
+  <p:cSld>
+    <p:spTree>
+      <p:nvGrpSpPr>
+        <p:cNvPr id="1" name=""/>
+        <p:cNvGrpSpPr/>
+        <p:nvPr/>
+      </p:nvGrpSpPr>
+      <p:grpSpPr>
+        <a:xfrm>
+          <a:off x="0" y="0"/>
+          <a:ext cx="0" cy="0"/>
+          <a:chOff x="0" y="0"/>
+          <a:chExt cx="0" cy="0"/>
+        </a:xfrm>
+      </p:grpSpPr>
+      <p:sp>
+        <p:nvSpPr>
           <p:cNvPr id="22" name="TextBox 21"/>
           <p:cNvSpPr txBox="1"/>
           <p:nvPr/>
         </p:nvSpPr>
         <p:spPr>
           <a:xfrm>
-            <a:off x="2546251" y="4741515"/>
+            <a:off x="2546252" y="6322021"/>
             <a:ext cx="872355" cy="276999"/>
           </a:xfrm>
           <a:prstGeom prst="rect">
@@ -3134,10 +3863,6 @@
               </a:rPr>
               <a:t>리뷰쓰기</a:t>
             </a:r>
-            <a:endParaRPr lang="ko-KR" altLang="en-US" sz="1200" dirty="0" smtClean="0">
-              <a:latin typeface="ELAND 초이스OTF Light" pitchFamily="18" charset="-127"/>
-              <a:ea typeface="ELAND 초이스OTF Light" pitchFamily="18" charset="-127"/>
-            </a:endParaRPr>
           </a:p>
         </p:txBody>
       </p:sp>
@@ -3149,7 +3874,7 @@
         </p:nvSpPr>
         <p:spPr>
           <a:xfrm>
-            <a:off x="9756576" y="-1422007"/>
+            <a:off x="9756576" y="-1896010"/>
             <a:ext cx="1050288" cy="369332"/>
           </a:xfrm>
           <a:prstGeom prst="rect">
@@ -3184,7 +3909,7 @@
         </p:nvSpPr>
         <p:spPr>
           <a:xfrm>
-            <a:off x="9756576" y="-882684"/>
+            <a:off x="9756576" y="-1176912"/>
             <a:ext cx="1050288" cy="369332"/>
           </a:xfrm>
           <a:prstGeom prst="rect">
@@ -3219,7 +3944,7 @@
         </p:nvSpPr>
         <p:spPr>
           <a:xfrm>
-            <a:off x="9756576" y="-343361"/>
+            <a:off x="9756576" y="-457815"/>
             <a:ext cx="1547218" cy="369332"/>
           </a:xfrm>
           <a:prstGeom prst="rect">
@@ -3254,7 +3979,7 @@
         </p:nvSpPr>
         <p:spPr>
           <a:xfrm>
-            <a:off x="9756576" y="195961"/>
+            <a:off x="9756576" y="261281"/>
             <a:ext cx="1050288" cy="369332"/>
           </a:xfrm>
           <a:prstGeom prst="rect">
@@ -3289,7 +4014,7 @@
         </p:nvSpPr>
         <p:spPr>
           <a:xfrm>
-            <a:off x="9756576" y="735284"/>
+            <a:off x="9756577" y="980379"/>
             <a:ext cx="617477" cy="369332"/>
           </a:xfrm>
           <a:prstGeom prst="rect">
@@ -3324,7 +4049,7 @@
         </p:nvSpPr>
         <p:spPr>
           <a:xfrm>
-            <a:off x="9756576" y="1813928"/>
+            <a:off x="9756576" y="2418571"/>
             <a:ext cx="1050288" cy="369332"/>
           </a:xfrm>
           <a:prstGeom prst="rect">
@@ -3359,7 +4084,7 @@
         </p:nvSpPr>
         <p:spPr>
           <a:xfrm>
-            <a:off x="9756576" y="1274607"/>
+            <a:off x="9756576" y="1699476"/>
             <a:ext cx="1483098" cy="369332"/>
           </a:xfrm>
           <a:prstGeom prst="rect">
@@ -3394,8 +4119,8 @@
         </p:nvGrpSpPr>
         <p:grpSpPr>
           <a:xfrm>
-            <a:off x="1944662" y="1082027"/>
-            <a:ext cx="2051274" cy="3865987"/>
+            <a:off x="1944662" y="1442703"/>
+            <a:ext cx="2051274" cy="5154649"/>
             <a:chOff x="1944662" y="1203598"/>
             <a:chExt cx="2051274" cy="3865987"/>
           </a:xfrm>
@@ -4090,7 +4815,7 @@
           <p:spPr>
             <a:xfrm>
               <a:off x="2448718" y="1325169"/>
-              <a:ext cx="1095172" cy="369332"/>
+              <a:ext cx="1095172" cy="276999"/>
             </a:xfrm>
             <a:prstGeom prst="rect">
               <a:avLst/>
@@ -4127,7 +4852,7 @@
           <p:spPr>
             <a:xfrm>
               <a:off x="2448718" y="1813803"/>
-              <a:ext cx="1050288" cy="369332"/>
+              <a:ext cx="1050288" cy="276999"/>
             </a:xfrm>
             <a:prstGeom prst="rect">
               <a:avLst/>
@@ -4164,7 +4889,7 @@
           <p:spPr>
             <a:xfrm>
               <a:off x="2448718" y="2356190"/>
-              <a:ext cx="1547218" cy="369332"/>
+              <a:ext cx="1547218" cy="276999"/>
             </a:xfrm>
             <a:prstGeom prst="rect">
               <a:avLst/>
@@ -4201,7 +4926,7 @@
           <p:spPr>
             <a:xfrm>
               <a:off x="2448718" y="2914562"/>
-              <a:ext cx="1050288" cy="369332"/>
+              <a:ext cx="1050288" cy="276999"/>
             </a:xfrm>
             <a:prstGeom prst="rect">
               <a:avLst/>
@@ -4238,7 +4963,7 @@
           <p:spPr>
             <a:xfrm>
               <a:off x="2448718" y="3482460"/>
-              <a:ext cx="641522" cy="369332"/>
+              <a:ext cx="617477" cy="276999"/>
             </a:xfrm>
             <a:prstGeom prst="rect">
               <a:avLst/>
@@ -4275,7 +5000,7 @@
           <p:spPr>
             <a:xfrm>
               <a:off x="2448718" y="4589679"/>
-              <a:ext cx="1050288" cy="369332"/>
+              <a:ext cx="1050288" cy="276999"/>
             </a:xfrm>
             <a:prstGeom prst="rect">
               <a:avLst/>
@@ -4312,7 +5037,7 @@
           <p:spPr>
             <a:xfrm>
               <a:off x="2448718" y="4021783"/>
-              <a:ext cx="1483098" cy="369332"/>
+              <a:ext cx="1483098" cy="276999"/>
             </a:xfrm>
             <a:prstGeom prst="rect">
               <a:avLst/>
@@ -4387,7 +5112,7 @@
         </p:nvSpPr>
         <p:spPr>
           <a:xfrm>
-            <a:off x="119449" y="680016"/>
+            <a:off x="119449" y="906688"/>
             <a:ext cx="1831784" cy="523220"/>
           </a:xfrm>
           <a:prstGeom prst="rect">
@@ -4433,7 +5158,7 @@
         </p:nvSpPr>
         <p:spPr>
           <a:xfrm>
-            <a:off x="0" y="32306"/>
+            <a:off x="1" y="43075"/>
             <a:ext cx="3161443" cy="523220"/>
           </a:xfrm>
           <a:prstGeom prst="rect">
@@ -4479,7 +5204,7 @@
         </p:nvCxnSpPr>
         <p:spPr>
           <a:xfrm>
-            <a:off x="0" y="555526"/>
+            <a:off x="0" y="740701"/>
             <a:ext cx="9144000" cy="0"/>
           </a:xfrm>
           <a:prstGeom prst="line">
@@ -4508,47 +5233,6 @@
           </a:fontRef>
         </p:style>
       </p:cxnSp>
-      <p:sp>
-        <p:nvSpPr>
-          <p:cNvPr id="40" name="TextBox 39"/>
-          <p:cNvSpPr txBox="1"/>
-          <p:nvPr/>
-        </p:nvSpPr>
-        <p:spPr>
-          <a:xfrm>
-            <a:off x="7664428" y="123478"/>
-            <a:ext cx="1479572" cy="369332"/>
-          </a:xfrm>
-          <a:prstGeom prst="rect">
-            <a:avLst/>
-          </a:prstGeom>
-          <a:noFill/>
-        </p:spPr>
-        <p:txBody>
-          <a:bodyPr wrap="none" rtlCol="0">
-            <a:spAutoFit/>
-          </a:bodyPr>
-          <a:lstStyle/>
-          <a:p>
-            <a:r>
-              <a:rPr lang="en-US" altLang="ko-KR" sz="1200" i="1" dirty="0" smtClean="0">
-                <a:latin typeface="코트라 볼드체" pitchFamily="18" charset="-127"/>
-                <a:ea typeface="코트라 볼드체" pitchFamily="18" charset="-127"/>
-                <a:cs typeface="코트라 볼드체" pitchFamily="18" charset="-127"/>
-              </a:rPr>
-              <a:t>Team</a:t>
-            </a:r>
-            <a:r>
-              <a:rPr lang="en-US" altLang="ko-KR" dirty="0" smtClean="0">
-                <a:latin typeface="코트라 볼드체" pitchFamily="18" charset="-127"/>
-                <a:ea typeface="코트라 볼드체" pitchFamily="18" charset="-127"/>
-                <a:cs typeface="코트라 볼드체" pitchFamily="18" charset="-127"/>
-              </a:rPr>
-              <a:t> Default</a:t>
-            </a:r>
-          </a:p>
-        </p:txBody>
-      </p:sp>
       <p:cxnSp>
         <p:nvCxnSpPr>
           <p:cNvPr id="42" name="직선 화살표 연결선 41"/>
@@ -4557,8 +5241,8 @@
         </p:nvCxnSpPr>
         <p:spPr>
           <a:xfrm>
-            <a:off x="1043608" y="1347614"/>
-            <a:ext cx="0" cy="3042083"/>
+            <a:off x="1043608" y="1796819"/>
+            <a:ext cx="0" cy="4056111"/>
           </a:xfrm>
           <a:prstGeom prst="straightConnector1">
             <a:avLst/>
@@ -4595,7 +5279,7 @@
         </p:nvSpPr>
         <p:spPr>
           <a:xfrm>
-            <a:off x="6948264" y="680016"/>
+            <a:off x="6948264" y="906688"/>
             <a:ext cx="2189254" cy="523220"/>
           </a:xfrm>
           <a:prstGeom prst="rect">
@@ -4641,8 +5325,8 @@
         </p:nvGrpSpPr>
         <p:grpSpPr>
           <a:xfrm>
-            <a:off x="5220072" y="1086104"/>
-            <a:ext cx="2132953" cy="3187517"/>
+            <a:off x="5220073" y="1448139"/>
+            <a:ext cx="2132953" cy="4250023"/>
             <a:chOff x="5220072" y="1279683"/>
             <a:chExt cx="2132953" cy="3187517"/>
           </a:xfrm>
@@ -5232,7 +5916,7 @@
           <p:spPr>
             <a:xfrm>
               <a:off x="5606396" y="1397093"/>
-              <a:ext cx="1096774" cy="369332"/>
+              <a:ext cx="1096774" cy="276999"/>
             </a:xfrm>
             <a:prstGeom prst="rect">
               <a:avLst/>
@@ -5308,7 +5992,7 @@
           <p:spPr>
             <a:xfrm>
               <a:off x="5408809" y="1876202"/>
-              <a:ext cx="1330814" cy="369332"/>
+              <a:ext cx="1330814" cy="276999"/>
             </a:xfrm>
             <a:prstGeom prst="rect">
               <a:avLst/>
@@ -5353,7 +6037,7 @@
           <p:spPr>
             <a:xfrm>
               <a:off x="5221855" y="2418589"/>
-              <a:ext cx="1483098" cy="369332"/>
+              <a:ext cx="1483098" cy="276999"/>
             </a:xfrm>
             <a:prstGeom prst="rect">
               <a:avLst/>
@@ -5390,7 +6074,7 @@
           <p:spPr>
             <a:xfrm>
               <a:off x="6087476" y="2976961"/>
-              <a:ext cx="617477" cy="369332"/>
+              <a:ext cx="617477" cy="276999"/>
             </a:xfrm>
             <a:prstGeom prst="rect">
               <a:avLst/>
@@ -5427,7 +6111,7 @@
           <p:spPr>
             <a:xfrm>
               <a:off x="5654665" y="3544859"/>
-              <a:ext cx="1050288" cy="369332"/>
+              <a:ext cx="1050288" cy="276999"/>
             </a:xfrm>
             <a:prstGeom prst="rect">
               <a:avLst/>
@@ -5480,7 +6164,7 @@
           <p:spPr>
             <a:xfrm>
               <a:off x="5220072" y="4084182"/>
-              <a:ext cx="1483098" cy="369332"/>
+              <a:ext cx="1483098" cy="276999"/>
             </a:xfrm>
             <a:prstGeom prst="rect">
               <a:avLst/>
@@ -5517,8 +6201,8 @@
         </p:nvCxnSpPr>
         <p:spPr>
           <a:xfrm>
-            <a:off x="8100392" y="1347614"/>
-            <a:ext cx="0" cy="3042083"/>
+            <a:off x="8100392" y="1796819"/>
+            <a:ext cx="0" cy="4056111"/>
           </a:xfrm>
           <a:prstGeom prst="straightConnector1">
             <a:avLst/>
@@ -5555,8 +6239,8 @@
         </p:nvCxnSpPr>
         <p:spPr>
           <a:xfrm>
-            <a:off x="4572000" y="1796742"/>
-            <a:ext cx="0" cy="1766125"/>
+            <a:off x="4572000" y="2395657"/>
+            <a:ext cx="0" cy="2354833"/>
           </a:xfrm>
           <a:prstGeom prst="line">
             <a:avLst/>
@@ -5592,7 +6276,7 @@
         </p:nvSpPr>
         <p:spPr>
           <a:xfrm>
-            <a:off x="2546251" y="1987669"/>
+            <a:off x="2546251" y="2650226"/>
             <a:ext cx="1449436" cy="276999"/>
           </a:xfrm>
           <a:prstGeom prst="rect">
@@ -5634,7 +6318,7 @@
         </p:nvSpPr>
         <p:spPr>
           <a:xfrm>
-            <a:off x="2546251" y="3093111"/>
+            <a:off x="2546252" y="4124149"/>
             <a:ext cx="1266693" cy="276999"/>
           </a:xfrm>
           <a:prstGeom prst="rect">
@@ -5675,6 +6359,47 @@
           </a:p>
         </p:txBody>
       </p:sp>
+      <p:pic>
+        <p:nvPicPr>
+          <p:cNvPr id="66" name="Picture 2" descr="C:\Users\PC-08\Desktop\깃을사용하지않으면 죽는다 ㅠ\Default-logo.png"/>
+          <p:cNvPicPr>
+            <a:picLocks noChangeAspect="1" noChangeArrowheads="1"/>
+          </p:cNvPicPr>
+          <p:nvPr/>
+        </p:nvPicPr>
+        <p:blipFill>
+          <a:blip r:embed="rId9" cstate="print">
+            <a:extLst>
+              <a:ext uri="{28A0092B-C50C-407E-A947-70E740481C1C}">
+                <a14:useLocalDpi xmlns:a14="http://schemas.microsoft.com/office/drawing/2010/main" val="0"/>
+              </a:ext>
+            </a:extLst>
+          </a:blip>
+          <a:srcRect/>
+          <a:stretch>
+            <a:fillRect/>
+          </a:stretch>
+        </p:blipFill>
+        <p:spPr bwMode="auto">
+          <a:xfrm>
+            <a:off x="8028384" y="-72863"/>
+            <a:ext cx="1195670" cy="837567"/>
+          </a:xfrm>
+          <a:prstGeom prst="rect">
+            <a:avLst/>
+          </a:prstGeom>
+          <a:noFill/>
+          <a:extLst>
+            <a:ext uri="{909E8E84-426E-40DD-AFC4-6F175D3DCCD1}">
+              <a14:hiddenFill xmlns:a14="http://schemas.microsoft.com/office/drawing/2010/main">
+                <a:solidFill>
+                  <a:srgbClr val="FFFFFF"/>
+                </a:solidFill>
+              </a14:hiddenFill>
+            </a:ext>
+          </a:extLst>
+        </p:spPr>
+      </p:pic>
     </p:spTree>
     <p:extLst>
       <p:ext uri="{BB962C8B-B14F-4D97-AF65-F5344CB8AC3E}">
@@ -5685,6 +6410,2623 @@
   <p:clrMapOvr>
     <a:masterClrMapping/>
   </p:clrMapOvr>
+  <p:timing>
+    <p:tnLst>
+      <p:par>
+        <p:cTn id="1" dur="indefinite" restart="never" nodeType="tmRoot"/>
+      </p:par>
+    </p:tnLst>
+  </p:timing>
+</p:sld>
+</file>
+
+<file path=ppt/slides/slide5.xml><?xml version="1.0" encoding="utf-8"?>
+<p:sld xmlns:a="http://schemas.openxmlformats.org/drawingml/2006/main" xmlns:r="http://schemas.openxmlformats.org/officeDocument/2006/relationships" xmlns:p="http://schemas.openxmlformats.org/presentationml/2006/main">
+  <p:cSld>
+    <p:spTree>
+      <p:nvGrpSpPr>
+        <p:cNvPr id="1" name=""/>
+        <p:cNvGrpSpPr/>
+        <p:nvPr/>
+      </p:nvGrpSpPr>
+      <p:grpSpPr>
+        <a:xfrm>
+          <a:off x="0" y="0"/>
+          <a:ext cx="0" cy="0"/>
+          <a:chOff x="0" y="0"/>
+          <a:chExt cx="0" cy="0"/>
+        </a:xfrm>
+      </p:grpSpPr>
+      <p:sp>
+        <p:nvSpPr>
+          <p:cNvPr id="22" name="TextBox 21"/>
+          <p:cNvSpPr txBox="1"/>
+          <p:nvPr/>
+        </p:nvSpPr>
+        <p:spPr>
+          <a:xfrm>
+            <a:off x="2546252" y="6322021"/>
+            <a:ext cx="872355" cy="276999"/>
+          </a:xfrm>
+          <a:prstGeom prst="rect">
+            <a:avLst/>
+          </a:prstGeom>
+          <a:noFill/>
+        </p:spPr>
+        <p:txBody>
+          <a:bodyPr wrap="none" rtlCol="0">
+            <a:spAutoFit/>
+          </a:bodyPr>
+          <a:lstStyle/>
+          <a:p>
+            <a:r>
+              <a:rPr lang="en-US" altLang="ko-KR" sz="1200" dirty="0" smtClean="0">
+                <a:latin typeface="ELAND 초이스OTF Light" pitchFamily="18" charset="-127"/>
+                <a:ea typeface="ELAND 초이스OTF Light" pitchFamily="18" charset="-127"/>
+              </a:rPr>
+              <a:t>- </a:t>
+            </a:r>
+            <a:r>
+              <a:rPr lang="ko-KR" altLang="en-US" sz="1200" dirty="0" smtClean="0">
+                <a:latin typeface="ELAND 초이스OTF Light" pitchFamily="18" charset="-127"/>
+                <a:ea typeface="ELAND 초이스OTF Light" pitchFamily="18" charset="-127"/>
+              </a:rPr>
+              <a:t>리뷰쓰기</a:t>
+            </a:r>
+          </a:p>
+        </p:txBody>
+      </p:sp>
+      <p:sp>
+        <p:nvSpPr>
+          <p:cNvPr id="27" name="직사각형 26"/>
+          <p:cNvSpPr/>
+          <p:nvPr/>
+        </p:nvSpPr>
+        <p:spPr>
+          <a:xfrm>
+            <a:off x="9756576" y="-1896010"/>
+            <a:ext cx="1050288" cy="369332"/>
+          </a:xfrm>
+          <a:prstGeom prst="rect">
+            <a:avLst/>
+          </a:prstGeom>
+        </p:spPr>
+        <p:txBody>
+          <a:bodyPr wrap="none">
+            <a:spAutoFit/>
+          </a:bodyPr>
+          <a:lstStyle/>
+          <a:p>
+            <a:r>
+              <a:rPr lang="ko-KR" altLang="en-US" dirty="0">
+                <a:latin typeface="ELAND 초이스OTF Medium" pitchFamily="18" charset="-127"/>
+                <a:ea typeface="ELAND 초이스OTF Medium" pitchFamily="18" charset="-127"/>
+              </a:rPr>
+              <a:t>회원가입</a:t>
+            </a:r>
+            <a:endParaRPr lang="en-US" altLang="ko-KR" dirty="0">
+              <a:latin typeface="ELAND 초이스OTF Medium" pitchFamily="18" charset="-127"/>
+              <a:ea typeface="ELAND 초이스OTF Medium" pitchFamily="18" charset="-127"/>
+            </a:endParaRPr>
+          </a:p>
+        </p:txBody>
+      </p:sp>
+      <p:sp>
+        <p:nvSpPr>
+          <p:cNvPr id="28" name="직사각형 27"/>
+          <p:cNvSpPr/>
+          <p:nvPr/>
+        </p:nvSpPr>
+        <p:spPr>
+          <a:xfrm>
+            <a:off x="9756576" y="-1176912"/>
+            <a:ext cx="1050288" cy="369332"/>
+          </a:xfrm>
+          <a:prstGeom prst="rect">
+            <a:avLst/>
+          </a:prstGeom>
+        </p:spPr>
+        <p:txBody>
+          <a:bodyPr wrap="none">
+            <a:spAutoFit/>
+          </a:bodyPr>
+          <a:lstStyle/>
+          <a:p>
+            <a:r>
+              <a:rPr lang="ko-KR" altLang="en-US" dirty="0">
+                <a:latin typeface="ELAND 초이스OTF Medium" pitchFamily="18" charset="-127"/>
+                <a:ea typeface="ELAND 초이스OTF Medium" pitchFamily="18" charset="-127"/>
+              </a:rPr>
+              <a:t>상품조회</a:t>
+            </a:r>
+            <a:endParaRPr lang="en-US" altLang="ko-KR" dirty="0">
+              <a:latin typeface="ELAND 초이스OTF Medium" pitchFamily="18" charset="-127"/>
+              <a:ea typeface="ELAND 초이스OTF Medium" pitchFamily="18" charset="-127"/>
+            </a:endParaRPr>
+          </a:p>
+        </p:txBody>
+      </p:sp>
+      <p:sp>
+        <p:nvSpPr>
+          <p:cNvPr id="29" name="직사각형 28"/>
+          <p:cNvSpPr/>
+          <p:nvPr/>
+        </p:nvSpPr>
+        <p:spPr>
+          <a:xfrm>
+            <a:off x="9756576" y="-457815"/>
+            <a:ext cx="1547218" cy="369332"/>
+          </a:xfrm>
+          <a:prstGeom prst="rect">
+            <a:avLst/>
+          </a:prstGeom>
+        </p:spPr>
+        <p:txBody>
+          <a:bodyPr wrap="none">
+            <a:spAutoFit/>
+          </a:bodyPr>
+          <a:lstStyle/>
+          <a:p>
+            <a:r>
+              <a:rPr lang="ko-KR" altLang="en-US" dirty="0">
+                <a:latin typeface="ELAND 초이스OTF Medium" pitchFamily="18" charset="-127"/>
+                <a:ea typeface="ELAND 초이스OTF Medium" pitchFamily="18" charset="-127"/>
+              </a:rPr>
+              <a:t>장바구니 담기</a:t>
+            </a:r>
+            <a:endParaRPr lang="en-US" altLang="ko-KR" dirty="0">
+              <a:latin typeface="ELAND 초이스OTF Medium" pitchFamily="18" charset="-127"/>
+              <a:ea typeface="ELAND 초이스OTF Medium" pitchFamily="18" charset="-127"/>
+            </a:endParaRPr>
+          </a:p>
+        </p:txBody>
+      </p:sp>
+      <p:sp>
+        <p:nvSpPr>
+          <p:cNvPr id="30" name="직사각형 29"/>
+          <p:cNvSpPr/>
+          <p:nvPr/>
+        </p:nvSpPr>
+        <p:spPr>
+          <a:xfrm>
+            <a:off x="9756576" y="261281"/>
+            <a:ext cx="1050288" cy="369332"/>
+          </a:xfrm>
+          <a:prstGeom prst="rect">
+            <a:avLst/>
+          </a:prstGeom>
+        </p:spPr>
+        <p:txBody>
+          <a:bodyPr wrap="none">
+            <a:spAutoFit/>
+          </a:bodyPr>
+          <a:lstStyle/>
+          <a:p>
+            <a:r>
+              <a:rPr lang="ko-KR" altLang="en-US" dirty="0">
+                <a:latin typeface="ELAND 초이스OTF Medium" pitchFamily="18" charset="-127"/>
+                <a:ea typeface="ELAND 초이스OTF Medium" pitchFamily="18" charset="-127"/>
+              </a:rPr>
+              <a:t>주문하기</a:t>
+            </a:r>
+            <a:endParaRPr lang="en-US" altLang="ko-KR" dirty="0">
+              <a:latin typeface="ELAND 초이스OTF Medium" pitchFamily="18" charset="-127"/>
+              <a:ea typeface="ELAND 초이스OTF Medium" pitchFamily="18" charset="-127"/>
+            </a:endParaRPr>
+          </a:p>
+        </p:txBody>
+      </p:sp>
+      <p:sp>
+        <p:nvSpPr>
+          <p:cNvPr id="31" name="직사각형 30"/>
+          <p:cNvSpPr/>
+          <p:nvPr/>
+        </p:nvSpPr>
+        <p:spPr>
+          <a:xfrm>
+            <a:off x="9756577" y="980379"/>
+            <a:ext cx="617477" cy="369332"/>
+          </a:xfrm>
+          <a:prstGeom prst="rect">
+            <a:avLst/>
+          </a:prstGeom>
+        </p:spPr>
+        <p:txBody>
+          <a:bodyPr wrap="none">
+            <a:spAutoFit/>
+          </a:bodyPr>
+          <a:lstStyle/>
+          <a:p>
+            <a:r>
+              <a:rPr lang="ko-KR" altLang="en-US" dirty="0">
+                <a:latin typeface="ELAND 초이스OTF Medium" pitchFamily="18" charset="-127"/>
+                <a:ea typeface="ELAND 초이스OTF Medium" pitchFamily="18" charset="-127"/>
+              </a:rPr>
+              <a:t>배송</a:t>
+            </a:r>
+            <a:endParaRPr lang="en-US" altLang="ko-KR" dirty="0">
+              <a:latin typeface="ELAND 초이스OTF Medium" pitchFamily="18" charset="-127"/>
+              <a:ea typeface="ELAND 초이스OTF Medium" pitchFamily="18" charset="-127"/>
+            </a:endParaRPr>
+          </a:p>
+        </p:txBody>
+      </p:sp>
+      <p:sp>
+        <p:nvSpPr>
+          <p:cNvPr id="32" name="직사각형 31"/>
+          <p:cNvSpPr/>
+          <p:nvPr/>
+        </p:nvSpPr>
+        <p:spPr>
+          <a:xfrm>
+            <a:off x="9756576" y="2418571"/>
+            <a:ext cx="1050288" cy="369332"/>
+          </a:xfrm>
+          <a:prstGeom prst="rect">
+            <a:avLst/>
+          </a:prstGeom>
+        </p:spPr>
+        <p:txBody>
+          <a:bodyPr wrap="none">
+            <a:spAutoFit/>
+          </a:bodyPr>
+          <a:lstStyle/>
+          <a:p>
+            <a:r>
+              <a:rPr lang="ko-KR" altLang="en-US" dirty="0">
+                <a:latin typeface="ELAND 초이스OTF Medium" pitchFamily="18" charset="-127"/>
+                <a:ea typeface="ELAND 초이스OTF Medium" pitchFamily="18" charset="-127"/>
+              </a:rPr>
+              <a:t>구매확정</a:t>
+            </a:r>
+            <a:endParaRPr lang="en-US" altLang="ko-KR" dirty="0">
+              <a:latin typeface="ELAND 초이스OTF Medium" pitchFamily="18" charset="-127"/>
+              <a:ea typeface="ELAND 초이스OTF Medium" pitchFamily="18" charset="-127"/>
+            </a:endParaRPr>
+          </a:p>
+        </p:txBody>
+      </p:sp>
+      <p:sp>
+        <p:nvSpPr>
+          <p:cNvPr id="33" name="직사각형 32"/>
+          <p:cNvSpPr/>
+          <p:nvPr/>
+        </p:nvSpPr>
+        <p:spPr>
+          <a:xfrm>
+            <a:off x="9756576" y="1699476"/>
+            <a:ext cx="1483098" cy="369332"/>
+          </a:xfrm>
+          <a:prstGeom prst="rect">
+            <a:avLst/>
+          </a:prstGeom>
+        </p:spPr>
+        <p:txBody>
+          <a:bodyPr wrap="none">
+            <a:spAutoFit/>
+          </a:bodyPr>
+          <a:lstStyle/>
+          <a:p>
+            <a:r>
+              <a:rPr lang="ko-KR" altLang="en-US" dirty="0" smtClean="0">
+                <a:latin typeface="ELAND 초이스OTF Medium" pitchFamily="18" charset="-127"/>
+                <a:ea typeface="ELAND 초이스OTF Medium" pitchFamily="18" charset="-127"/>
+              </a:rPr>
+              <a:t>주문목록확인</a:t>
+            </a:r>
+            <a:endParaRPr lang="en-US" altLang="ko-KR" dirty="0">
+              <a:latin typeface="ELAND 초이스OTF Medium" pitchFamily="18" charset="-127"/>
+              <a:ea typeface="ELAND 초이스OTF Medium" pitchFamily="18" charset="-127"/>
+            </a:endParaRPr>
+          </a:p>
+        </p:txBody>
+      </p:sp>
+      <p:grpSp>
+        <p:nvGrpSpPr>
+          <p:cNvPr id="48" name="그룹 47"/>
+          <p:cNvGrpSpPr/>
+          <p:nvPr/>
+        </p:nvGrpSpPr>
+        <p:grpSpPr>
+          <a:xfrm>
+            <a:off x="1944662" y="1442703"/>
+            <a:ext cx="2051274" cy="5154649"/>
+            <a:chOff x="1944662" y="1203598"/>
+            <a:chExt cx="2051274" cy="3865987"/>
+          </a:xfrm>
+        </p:grpSpPr>
+        <p:grpSp>
+          <p:nvGrpSpPr>
+            <p:cNvPr id="4" name="그룹 3"/>
+            <p:cNvGrpSpPr/>
+            <p:nvPr/>
+          </p:nvGrpSpPr>
+          <p:grpSpPr>
+            <a:xfrm>
+              <a:off x="1944662" y="1252868"/>
+              <a:ext cx="277364" cy="3608799"/>
+              <a:chOff x="595794" y="882842"/>
+              <a:chExt cx="277364" cy="3608799"/>
+            </a:xfrm>
+          </p:grpSpPr>
+          <p:pic>
+            <p:nvPicPr>
+              <p:cNvPr id="2075" name="Picture 27" descr="C:\Users\PC-08\Downloads\sustainable_food_production_iconset\png\128\crop_rotation.png"/>
+              <p:cNvPicPr>
+                <a:picLocks noChangeAspect="1" noChangeArrowheads="1"/>
+              </p:cNvPicPr>
+              <p:nvPr/>
+            </p:nvPicPr>
+            <p:blipFill>
+              <a:blip r:embed="rId2" cstate="print">
+                <a:extLst>
+                  <a:ext uri="{28A0092B-C50C-407E-A947-70E740481C1C}">
+                    <a14:useLocalDpi xmlns:a14="http://schemas.microsoft.com/office/drawing/2010/main" val="0"/>
+                  </a:ext>
+                </a:extLst>
+              </a:blip>
+              <a:srcRect/>
+              <a:stretch>
+                <a:fillRect/>
+              </a:stretch>
+            </p:blipFill>
+            <p:spPr bwMode="auto">
+              <a:xfrm>
+                <a:off x="595794" y="3664512"/>
+                <a:ext cx="270793" cy="270793"/>
+              </a:xfrm>
+              <a:prstGeom prst="rect">
+                <a:avLst/>
+              </a:prstGeom>
+              <a:noFill/>
+              <a:extLst>
+                <a:ext uri="{909E8E84-426E-40DD-AFC4-6F175D3DCCD1}">
+                  <a14:hiddenFill xmlns:a14="http://schemas.microsoft.com/office/drawing/2010/main">
+                    <a:solidFill>
+                      <a:srgbClr val="FFFFFF"/>
+                    </a:solidFill>
+                  </a14:hiddenFill>
+                </a:ext>
+              </a:extLst>
+            </p:spPr>
+          </p:pic>
+          <p:pic>
+            <p:nvPicPr>
+              <p:cNvPr id="2076" name="Picture 28" descr="C:\Users\PC-08\Downloads\sustainable_food_production_iconset\png\128\degraded_land_use.png"/>
+              <p:cNvPicPr>
+                <a:picLocks noChangeAspect="1" noChangeArrowheads="1"/>
+              </p:cNvPicPr>
+              <p:nvPr/>
+            </p:nvPicPr>
+            <p:blipFill>
+              <a:blip r:embed="rId3" cstate="print">
+                <a:extLst>
+                  <a:ext uri="{28A0092B-C50C-407E-A947-70E740481C1C}">
+                    <a14:useLocalDpi xmlns:a14="http://schemas.microsoft.com/office/drawing/2010/main" val="0"/>
+                  </a:ext>
+                </a:extLst>
+              </a:blip>
+              <a:srcRect/>
+              <a:stretch>
+                <a:fillRect/>
+              </a:stretch>
+            </p:blipFill>
+            <p:spPr bwMode="auto">
+              <a:xfrm>
+                <a:off x="595795" y="1439176"/>
+                <a:ext cx="270793" cy="270793"/>
+              </a:xfrm>
+              <a:prstGeom prst="rect">
+                <a:avLst/>
+              </a:prstGeom>
+              <a:noFill/>
+              <a:extLst>
+                <a:ext uri="{909E8E84-426E-40DD-AFC4-6F175D3DCCD1}">
+                  <a14:hiddenFill xmlns:a14="http://schemas.microsoft.com/office/drawing/2010/main">
+                    <a:solidFill>
+                      <a:srgbClr val="FFFFFF"/>
+                    </a:solidFill>
+                  </a14:hiddenFill>
+                </a:ext>
+              </a:extLst>
+            </p:spPr>
+          </p:pic>
+          <p:pic>
+            <p:nvPicPr>
+              <p:cNvPr id="2077" name="Picture 29" descr="C:\Users\PC-08\Downloads\sustainable_food_production_iconset\png\128\hydropony.png"/>
+              <p:cNvPicPr>
+                <a:picLocks noChangeAspect="1" noChangeArrowheads="1"/>
+              </p:cNvPicPr>
+              <p:nvPr/>
+            </p:nvPicPr>
+            <p:blipFill>
+              <a:blip r:embed="rId4" cstate="print">
+                <a:extLst>
+                  <a:ext uri="{28A0092B-C50C-407E-A947-70E740481C1C}">
+                    <a14:useLocalDpi xmlns:a14="http://schemas.microsoft.com/office/drawing/2010/main" val="0"/>
+                  </a:ext>
+                </a:extLst>
+              </a:blip>
+              <a:srcRect/>
+              <a:stretch>
+                <a:fillRect/>
+              </a:stretch>
+            </p:blipFill>
+            <p:spPr bwMode="auto">
+              <a:xfrm>
+                <a:off x="595794" y="3108178"/>
+                <a:ext cx="270793" cy="270793"/>
+              </a:xfrm>
+              <a:prstGeom prst="rect">
+                <a:avLst/>
+              </a:prstGeom>
+              <a:noFill/>
+              <a:extLst>
+                <a:ext uri="{909E8E84-426E-40DD-AFC4-6F175D3DCCD1}">
+                  <a14:hiddenFill xmlns:a14="http://schemas.microsoft.com/office/drawing/2010/main">
+                    <a:solidFill>
+                      <a:srgbClr val="FFFFFF"/>
+                    </a:solidFill>
+                  </a14:hiddenFill>
+                </a:ext>
+              </a:extLst>
+            </p:spPr>
+          </p:pic>
+          <p:pic>
+            <p:nvPicPr>
+              <p:cNvPr id="2078" name="Picture 30" descr="C:\Users\PC-08\Downloads\sustainable_food_production_iconset\png\128\mixed_crops.png"/>
+              <p:cNvPicPr>
+                <a:picLocks noChangeAspect="1" noChangeArrowheads="1"/>
+              </p:cNvPicPr>
+              <p:nvPr/>
+            </p:nvPicPr>
+            <p:blipFill>
+              <a:blip r:embed="rId5" cstate="print">
+                <a:extLst>
+                  <a:ext uri="{28A0092B-C50C-407E-A947-70E740481C1C}">
+                    <a14:useLocalDpi xmlns:a14="http://schemas.microsoft.com/office/drawing/2010/main" val="0"/>
+                  </a:ext>
+                </a:extLst>
+              </a:blip>
+              <a:srcRect/>
+              <a:stretch>
+                <a:fillRect/>
+              </a:stretch>
+            </p:blipFill>
+            <p:spPr bwMode="auto">
+              <a:xfrm>
+                <a:off x="595794" y="4220848"/>
+                <a:ext cx="270793" cy="270793"/>
+              </a:xfrm>
+              <a:prstGeom prst="rect">
+                <a:avLst/>
+              </a:prstGeom>
+              <a:noFill/>
+              <a:extLst>
+                <a:ext uri="{909E8E84-426E-40DD-AFC4-6F175D3DCCD1}">
+                  <a14:hiddenFill xmlns:a14="http://schemas.microsoft.com/office/drawing/2010/main">
+                    <a:solidFill>
+                      <a:srgbClr val="FFFFFF"/>
+                    </a:solidFill>
+                  </a14:hiddenFill>
+                </a:ext>
+              </a:extLst>
+            </p:spPr>
+          </p:pic>
+          <p:pic>
+            <p:nvPicPr>
+              <p:cNvPr id="2079" name="Picture 31" descr="C:\Users\PC-08\Downloads\sustainable_food_production_iconset\png\128\organic.png"/>
+              <p:cNvPicPr>
+                <a:picLocks noChangeAspect="1" noChangeArrowheads="1"/>
+              </p:cNvPicPr>
+              <p:nvPr/>
+            </p:nvPicPr>
+            <p:blipFill>
+              <a:blip r:embed="rId6" cstate="print">
+                <a:extLst>
+                  <a:ext uri="{28A0092B-C50C-407E-A947-70E740481C1C}">
+                    <a14:useLocalDpi xmlns:a14="http://schemas.microsoft.com/office/drawing/2010/main" val="0"/>
+                  </a:ext>
+                </a:extLst>
+              </a:blip>
+              <a:srcRect/>
+              <a:stretch>
+                <a:fillRect/>
+              </a:stretch>
+            </p:blipFill>
+            <p:spPr bwMode="auto">
+              <a:xfrm>
+                <a:off x="595795" y="1995510"/>
+                <a:ext cx="270793" cy="270793"/>
+              </a:xfrm>
+              <a:prstGeom prst="rect">
+                <a:avLst/>
+              </a:prstGeom>
+              <a:noFill/>
+              <a:extLst>
+                <a:ext uri="{909E8E84-426E-40DD-AFC4-6F175D3DCCD1}">
+                  <a14:hiddenFill xmlns:a14="http://schemas.microsoft.com/office/drawing/2010/main">
+                    <a:solidFill>
+                      <a:srgbClr val="FFFFFF"/>
+                    </a:solidFill>
+                  </a14:hiddenFill>
+                </a:ext>
+              </a:extLst>
+            </p:spPr>
+          </p:pic>
+          <p:pic>
+            <p:nvPicPr>
+              <p:cNvPr id="2080" name="Picture 32" descr="C:\Users\PC-08\Downloads\sustainable_food_production_iconset\png\128\vegan.png"/>
+              <p:cNvPicPr>
+                <a:picLocks noChangeAspect="1" noChangeArrowheads="1"/>
+              </p:cNvPicPr>
+              <p:nvPr/>
+            </p:nvPicPr>
+            <p:blipFill>
+              <a:blip r:embed="rId7" cstate="print">
+                <a:extLst>
+                  <a:ext uri="{28A0092B-C50C-407E-A947-70E740481C1C}">
+                    <a14:useLocalDpi xmlns:a14="http://schemas.microsoft.com/office/drawing/2010/main" val="0"/>
+                  </a:ext>
+                </a:extLst>
+              </a:blip>
+              <a:srcRect/>
+              <a:stretch>
+                <a:fillRect/>
+              </a:stretch>
+            </p:blipFill>
+            <p:spPr bwMode="auto">
+              <a:xfrm>
+                <a:off x="602365" y="882842"/>
+                <a:ext cx="270793" cy="270793"/>
+              </a:xfrm>
+              <a:prstGeom prst="rect">
+                <a:avLst/>
+              </a:prstGeom>
+              <a:noFill/>
+              <a:extLst>
+                <a:ext uri="{909E8E84-426E-40DD-AFC4-6F175D3DCCD1}">
+                  <a14:hiddenFill xmlns:a14="http://schemas.microsoft.com/office/drawing/2010/main">
+                    <a:solidFill>
+                      <a:srgbClr val="FFFFFF"/>
+                    </a:solidFill>
+                  </a14:hiddenFill>
+                </a:ext>
+              </a:extLst>
+            </p:spPr>
+          </p:pic>
+          <p:pic>
+            <p:nvPicPr>
+              <p:cNvPr id="2081" name="Picture 33" descr="C:\Users\PC-08\Downloads\sustainable_food_production_iconset\png\128\urban_agriculture.png"/>
+              <p:cNvPicPr>
+                <a:picLocks noChangeAspect="1" noChangeArrowheads="1"/>
+              </p:cNvPicPr>
+              <p:nvPr/>
+            </p:nvPicPr>
+            <p:blipFill>
+              <a:blip r:embed="rId8" cstate="print">
+                <a:extLst>
+                  <a:ext uri="{28A0092B-C50C-407E-A947-70E740481C1C}">
+                    <a14:useLocalDpi xmlns:a14="http://schemas.microsoft.com/office/drawing/2010/main" val="0"/>
+                  </a:ext>
+                </a:extLst>
+              </a:blip>
+              <a:srcRect/>
+              <a:stretch>
+                <a:fillRect/>
+              </a:stretch>
+            </p:blipFill>
+            <p:spPr bwMode="auto">
+              <a:xfrm>
+                <a:off x="595794" y="2551844"/>
+                <a:ext cx="270793" cy="270793"/>
+              </a:xfrm>
+              <a:prstGeom prst="rect">
+                <a:avLst/>
+              </a:prstGeom>
+              <a:noFill/>
+              <a:extLst>
+                <a:ext uri="{909E8E84-426E-40DD-AFC4-6F175D3DCCD1}">
+                  <a14:hiddenFill xmlns:a14="http://schemas.microsoft.com/office/drawing/2010/main">
+                    <a:solidFill>
+                      <a:srgbClr val="FFFFFF"/>
+                    </a:solidFill>
+                  </a14:hiddenFill>
+                </a:ext>
+              </a:extLst>
+            </p:spPr>
+          </p:pic>
+        </p:grpSp>
+        <p:cxnSp>
+          <p:nvCxnSpPr>
+            <p:cNvPr id="3" name="직선 연결선 2"/>
+            <p:cNvCxnSpPr/>
+            <p:nvPr/>
+          </p:nvCxnSpPr>
+          <p:spPr>
+            <a:xfrm>
+              <a:off x="2380277" y="1203598"/>
+              <a:ext cx="0" cy="3865987"/>
+            </a:xfrm>
+            <a:prstGeom prst="line">
+              <a:avLst/>
+            </a:prstGeom>
+            <a:ln w="12700">
+              <a:solidFill>
+                <a:schemeClr val="bg2">
+                  <a:lumMod val="25000"/>
+                </a:schemeClr>
+              </a:solidFill>
+            </a:ln>
+          </p:spPr>
+          <p:style>
+            <a:lnRef idx="1">
+              <a:schemeClr val="accent1"/>
+            </a:lnRef>
+            <a:fillRef idx="0">
+              <a:schemeClr val="accent1"/>
+            </a:fillRef>
+            <a:effectRef idx="0">
+              <a:schemeClr val="accent1"/>
+            </a:effectRef>
+            <a:fontRef idx="minor">
+              <a:schemeClr val="tx1"/>
+            </a:fontRef>
+          </p:style>
+        </p:cxnSp>
+        <p:sp>
+          <p:nvSpPr>
+            <p:cNvPr id="5" name="타원 4"/>
+            <p:cNvSpPr/>
+            <p:nvPr/>
+          </p:nvSpPr>
+          <p:spPr>
+            <a:xfrm>
+              <a:off x="2298564" y="1373159"/>
+              <a:ext cx="193981" cy="193981"/>
+            </a:xfrm>
+            <a:prstGeom prst="ellipse">
+              <a:avLst/>
+            </a:prstGeom>
+            <a:solidFill>
+              <a:schemeClr val="accent6">
+                <a:lumMod val="75000"/>
+              </a:schemeClr>
+            </a:solidFill>
+            <a:ln>
+              <a:noFill/>
+            </a:ln>
+          </p:spPr>
+          <p:style>
+            <a:lnRef idx="2">
+              <a:schemeClr val="accent1">
+                <a:shade val="50000"/>
+              </a:schemeClr>
+            </a:lnRef>
+            <a:fillRef idx="1">
+              <a:schemeClr val="accent1"/>
+            </a:fillRef>
+            <a:effectRef idx="0">
+              <a:schemeClr val="accent1"/>
+            </a:effectRef>
+            <a:fontRef idx="minor">
+              <a:schemeClr val="lt1"/>
+            </a:fontRef>
+          </p:style>
+          <p:txBody>
+            <a:bodyPr rtlCol="0" anchor="ctr"/>
+            <a:lstStyle/>
+            <a:p>
+              <a:pPr algn="ctr"/>
+              <a:endParaRPr lang="ko-KR" altLang="en-US"/>
+            </a:p>
+          </p:txBody>
+        </p:sp>
+        <p:sp>
+          <p:nvSpPr>
+            <p:cNvPr id="13" name="타원 12"/>
+            <p:cNvSpPr/>
+            <p:nvPr/>
+          </p:nvSpPr>
+          <p:spPr>
+            <a:xfrm>
+              <a:off x="2298564" y="1891086"/>
+              <a:ext cx="193981" cy="193981"/>
+            </a:xfrm>
+            <a:prstGeom prst="ellipse">
+              <a:avLst/>
+            </a:prstGeom>
+            <a:solidFill>
+              <a:schemeClr val="tx1">
+                <a:lumMod val="65000"/>
+                <a:lumOff val="35000"/>
+              </a:schemeClr>
+            </a:solidFill>
+            <a:ln>
+              <a:noFill/>
+            </a:ln>
+          </p:spPr>
+          <p:style>
+            <a:lnRef idx="2">
+              <a:schemeClr val="accent1">
+                <a:shade val="50000"/>
+              </a:schemeClr>
+            </a:lnRef>
+            <a:fillRef idx="1">
+              <a:schemeClr val="accent1"/>
+            </a:fillRef>
+            <a:effectRef idx="0">
+              <a:schemeClr val="accent1"/>
+            </a:effectRef>
+            <a:fontRef idx="minor">
+              <a:schemeClr val="lt1"/>
+            </a:fontRef>
+          </p:style>
+          <p:txBody>
+            <a:bodyPr rtlCol="0" anchor="ctr"/>
+            <a:lstStyle/>
+            <a:p>
+              <a:pPr algn="ctr"/>
+              <a:endParaRPr lang="ko-KR" altLang="en-US"/>
+            </a:p>
+          </p:txBody>
+        </p:sp>
+        <p:sp>
+          <p:nvSpPr>
+            <p:cNvPr id="16" name="타원 15"/>
+            <p:cNvSpPr/>
+            <p:nvPr/>
+          </p:nvSpPr>
+          <p:spPr>
+            <a:xfrm>
+              <a:off x="2298564" y="2447420"/>
+              <a:ext cx="193981" cy="193981"/>
+            </a:xfrm>
+            <a:prstGeom prst="ellipse">
+              <a:avLst/>
+            </a:prstGeom>
+            <a:solidFill>
+              <a:schemeClr val="tx1">
+                <a:lumMod val="65000"/>
+                <a:lumOff val="35000"/>
+              </a:schemeClr>
+            </a:solidFill>
+            <a:ln>
+              <a:noFill/>
+            </a:ln>
+          </p:spPr>
+          <p:style>
+            <a:lnRef idx="2">
+              <a:schemeClr val="accent1">
+                <a:shade val="50000"/>
+              </a:schemeClr>
+            </a:lnRef>
+            <a:fillRef idx="1">
+              <a:schemeClr val="accent1"/>
+            </a:fillRef>
+            <a:effectRef idx="0">
+              <a:schemeClr val="accent1"/>
+            </a:effectRef>
+            <a:fontRef idx="minor">
+              <a:schemeClr val="lt1"/>
+            </a:fontRef>
+          </p:style>
+          <p:txBody>
+            <a:bodyPr rtlCol="0" anchor="ctr"/>
+            <a:lstStyle/>
+            <a:p>
+              <a:pPr algn="ctr"/>
+              <a:endParaRPr lang="ko-KR" altLang="en-US"/>
+            </a:p>
+          </p:txBody>
+        </p:sp>
+        <p:sp>
+          <p:nvSpPr>
+            <p:cNvPr id="17" name="타원 16"/>
+            <p:cNvSpPr/>
+            <p:nvPr/>
+          </p:nvSpPr>
+          <p:spPr>
+            <a:xfrm>
+              <a:off x="2298564" y="3003754"/>
+              <a:ext cx="193981" cy="193981"/>
+            </a:xfrm>
+            <a:prstGeom prst="ellipse">
+              <a:avLst/>
+            </a:prstGeom>
+            <a:solidFill>
+              <a:schemeClr val="tx1">
+                <a:lumMod val="65000"/>
+                <a:lumOff val="35000"/>
+              </a:schemeClr>
+            </a:solidFill>
+            <a:ln>
+              <a:noFill/>
+            </a:ln>
+          </p:spPr>
+          <p:style>
+            <a:lnRef idx="2">
+              <a:schemeClr val="accent1">
+                <a:shade val="50000"/>
+              </a:schemeClr>
+            </a:lnRef>
+            <a:fillRef idx="1">
+              <a:schemeClr val="accent1"/>
+            </a:fillRef>
+            <a:effectRef idx="0">
+              <a:schemeClr val="accent1"/>
+            </a:effectRef>
+            <a:fontRef idx="minor">
+              <a:schemeClr val="lt1"/>
+            </a:fontRef>
+          </p:style>
+          <p:txBody>
+            <a:bodyPr rtlCol="0" anchor="ctr"/>
+            <a:lstStyle/>
+            <a:p>
+              <a:pPr algn="ctr"/>
+              <a:endParaRPr lang="ko-KR" altLang="en-US"/>
+            </a:p>
+          </p:txBody>
+        </p:sp>
+        <p:sp>
+          <p:nvSpPr>
+            <p:cNvPr id="18" name="타원 17"/>
+            <p:cNvSpPr/>
+            <p:nvPr/>
+          </p:nvSpPr>
+          <p:spPr>
+            <a:xfrm>
+              <a:off x="2298564" y="3560088"/>
+              <a:ext cx="193981" cy="193981"/>
+            </a:xfrm>
+            <a:prstGeom prst="ellipse">
+              <a:avLst/>
+            </a:prstGeom>
+            <a:solidFill>
+              <a:schemeClr val="tx1">
+                <a:lumMod val="65000"/>
+                <a:lumOff val="35000"/>
+              </a:schemeClr>
+            </a:solidFill>
+            <a:ln>
+              <a:noFill/>
+            </a:ln>
+          </p:spPr>
+          <p:style>
+            <a:lnRef idx="2">
+              <a:schemeClr val="accent1">
+                <a:shade val="50000"/>
+              </a:schemeClr>
+            </a:lnRef>
+            <a:fillRef idx="1">
+              <a:schemeClr val="accent1"/>
+            </a:fillRef>
+            <a:effectRef idx="0">
+              <a:schemeClr val="accent1"/>
+            </a:effectRef>
+            <a:fontRef idx="minor">
+              <a:schemeClr val="lt1"/>
+            </a:fontRef>
+          </p:style>
+          <p:txBody>
+            <a:bodyPr rtlCol="0" anchor="ctr"/>
+            <a:lstStyle/>
+            <a:p>
+              <a:pPr algn="ctr"/>
+              <a:endParaRPr lang="ko-KR" altLang="en-US"/>
+            </a:p>
+          </p:txBody>
+        </p:sp>
+        <p:sp>
+          <p:nvSpPr>
+            <p:cNvPr id="19" name="타원 18"/>
+            <p:cNvSpPr/>
+            <p:nvPr/>
+          </p:nvSpPr>
+          <p:spPr>
+            <a:xfrm>
+              <a:off x="2298564" y="4116422"/>
+              <a:ext cx="193981" cy="193981"/>
+            </a:xfrm>
+            <a:prstGeom prst="ellipse">
+              <a:avLst/>
+            </a:prstGeom>
+            <a:solidFill>
+              <a:schemeClr val="tx1">
+                <a:lumMod val="65000"/>
+                <a:lumOff val="35000"/>
+              </a:schemeClr>
+            </a:solidFill>
+            <a:ln>
+              <a:noFill/>
+            </a:ln>
+          </p:spPr>
+          <p:style>
+            <a:lnRef idx="2">
+              <a:schemeClr val="accent1">
+                <a:shade val="50000"/>
+              </a:schemeClr>
+            </a:lnRef>
+            <a:fillRef idx="1">
+              <a:schemeClr val="accent1"/>
+            </a:fillRef>
+            <a:effectRef idx="0">
+              <a:schemeClr val="accent1"/>
+            </a:effectRef>
+            <a:fontRef idx="minor">
+              <a:schemeClr val="lt1"/>
+            </a:fontRef>
+          </p:style>
+          <p:txBody>
+            <a:bodyPr rtlCol="0" anchor="ctr"/>
+            <a:lstStyle/>
+            <a:p>
+              <a:pPr algn="ctr"/>
+              <a:endParaRPr lang="ko-KR" altLang="en-US"/>
+            </a:p>
+          </p:txBody>
+        </p:sp>
+        <p:sp>
+          <p:nvSpPr>
+            <p:cNvPr id="20" name="타원 19"/>
+            <p:cNvSpPr/>
+            <p:nvPr/>
+          </p:nvSpPr>
+          <p:spPr>
+            <a:xfrm>
+              <a:off x="2298564" y="4672756"/>
+              <a:ext cx="193981" cy="193981"/>
+            </a:xfrm>
+            <a:prstGeom prst="ellipse">
+              <a:avLst/>
+            </a:prstGeom>
+            <a:solidFill>
+              <a:schemeClr val="tx1">
+                <a:lumMod val="65000"/>
+                <a:lumOff val="35000"/>
+              </a:schemeClr>
+            </a:solidFill>
+            <a:ln>
+              <a:noFill/>
+            </a:ln>
+          </p:spPr>
+          <p:style>
+            <a:lnRef idx="2">
+              <a:schemeClr val="accent1">
+                <a:shade val="50000"/>
+              </a:schemeClr>
+            </a:lnRef>
+            <a:fillRef idx="1">
+              <a:schemeClr val="accent1"/>
+            </a:fillRef>
+            <a:effectRef idx="0">
+              <a:schemeClr val="accent1"/>
+            </a:effectRef>
+            <a:fontRef idx="minor">
+              <a:schemeClr val="lt1"/>
+            </a:fontRef>
+          </p:style>
+          <p:txBody>
+            <a:bodyPr rtlCol="0" anchor="ctr"/>
+            <a:lstStyle/>
+            <a:p>
+              <a:pPr algn="ctr"/>
+              <a:endParaRPr lang="ko-KR" altLang="en-US"/>
+            </a:p>
+          </p:txBody>
+        </p:sp>
+        <p:sp>
+          <p:nvSpPr>
+            <p:cNvPr id="7" name="직사각형 6"/>
+            <p:cNvSpPr/>
+            <p:nvPr/>
+          </p:nvSpPr>
+          <p:spPr>
+            <a:xfrm>
+              <a:off x="2448718" y="1325169"/>
+              <a:ext cx="1095172" cy="276999"/>
+            </a:xfrm>
+            <a:prstGeom prst="rect">
+              <a:avLst/>
+            </a:prstGeom>
+          </p:spPr>
+          <p:txBody>
+            <a:bodyPr wrap="none">
+              <a:spAutoFit/>
+            </a:bodyPr>
+            <a:lstStyle/>
+            <a:p>
+              <a:r>
+                <a:rPr lang="ko-KR" altLang="en-US" dirty="0">
+                  <a:latin typeface="코트라 볼드체" pitchFamily="18" charset="-127"/>
+                  <a:ea typeface="코트라 볼드체" pitchFamily="18" charset="-127"/>
+                  <a:cs typeface="코트라 볼드체" pitchFamily="18" charset="-127"/>
+                </a:rPr>
+                <a:t>회원가입</a:t>
+              </a:r>
+              <a:endParaRPr lang="en-US" altLang="ko-KR" dirty="0">
+                <a:latin typeface="코트라 볼드체" pitchFamily="18" charset="-127"/>
+                <a:ea typeface="코트라 볼드체" pitchFamily="18" charset="-127"/>
+                <a:cs typeface="코트라 볼드체" pitchFamily="18" charset="-127"/>
+              </a:endParaRPr>
+            </a:p>
+          </p:txBody>
+        </p:sp>
+        <p:sp>
+          <p:nvSpPr>
+            <p:cNvPr id="8" name="직사각형 7"/>
+            <p:cNvSpPr/>
+            <p:nvPr/>
+          </p:nvSpPr>
+          <p:spPr>
+            <a:xfrm>
+              <a:off x="2448718" y="1813803"/>
+              <a:ext cx="1050288" cy="276999"/>
+            </a:xfrm>
+            <a:prstGeom prst="rect">
+              <a:avLst/>
+            </a:prstGeom>
+          </p:spPr>
+          <p:txBody>
+            <a:bodyPr wrap="none">
+              <a:spAutoFit/>
+            </a:bodyPr>
+            <a:lstStyle/>
+            <a:p>
+              <a:r>
+                <a:rPr lang="ko-KR" altLang="en-US" dirty="0">
+                  <a:latin typeface="ELAND 초이스OTF Medium" pitchFamily="18" charset="-127"/>
+                  <a:ea typeface="ELAND 초이스OTF Medium" pitchFamily="18" charset="-127"/>
+                  <a:cs typeface="코트라 볼드체" pitchFamily="18" charset="-127"/>
+                </a:rPr>
+                <a:t>상품조회</a:t>
+              </a:r>
+              <a:endParaRPr lang="en-US" altLang="ko-KR" dirty="0">
+                <a:latin typeface="ELAND 초이스OTF Medium" pitchFamily="18" charset="-127"/>
+                <a:ea typeface="ELAND 초이스OTF Medium" pitchFamily="18" charset="-127"/>
+                <a:cs typeface="코트라 볼드체" pitchFamily="18" charset="-127"/>
+              </a:endParaRPr>
+            </a:p>
+          </p:txBody>
+        </p:sp>
+        <p:sp>
+          <p:nvSpPr>
+            <p:cNvPr id="9" name="직사각형 8"/>
+            <p:cNvSpPr/>
+            <p:nvPr/>
+          </p:nvSpPr>
+          <p:spPr>
+            <a:xfrm>
+              <a:off x="2448718" y="2356190"/>
+              <a:ext cx="1547218" cy="276999"/>
+            </a:xfrm>
+            <a:prstGeom prst="rect">
+              <a:avLst/>
+            </a:prstGeom>
+          </p:spPr>
+          <p:txBody>
+            <a:bodyPr wrap="none">
+              <a:spAutoFit/>
+            </a:bodyPr>
+            <a:lstStyle/>
+            <a:p>
+              <a:r>
+                <a:rPr lang="ko-KR" altLang="en-US" dirty="0">
+                  <a:latin typeface="ELAND 초이스OTF Medium" pitchFamily="18" charset="-127"/>
+                  <a:ea typeface="ELAND 초이스OTF Medium" pitchFamily="18" charset="-127"/>
+                  <a:cs typeface="코트라 볼드체" pitchFamily="18" charset="-127"/>
+                </a:rPr>
+                <a:t>장바구니 담기</a:t>
+              </a:r>
+              <a:endParaRPr lang="en-US" altLang="ko-KR" dirty="0">
+                <a:latin typeface="ELAND 초이스OTF Medium" pitchFamily="18" charset="-127"/>
+                <a:ea typeface="ELAND 초이스OTF Medium" pitchFamily="18" charset="-127"/>
+                <a:cs typeface="코트라 볼드체" pitchFamily="18" charset="-127"/>
+              </a:endParaRPr>
+            </a:p>
+          </p:txBody>
+        </p:sp>
+        <p:sp>
+          <p:nvSpPr>
+            <p:cNvPr id="2" name="직사각형 1"/>
+            <p:cNvSpPr/>
+            <p:nvPr/>
+          </p:nvSpPr>
+          <p:spPr>
+            <a:xfrm>
+              <a:off x="2448718" y="2914562"/>
+              <a:ext cx="1050288" cy="276999"/>
+            </a:xfrm>
+            <a:prstGeom prst="rect">
+              <a:avLst/>
+            </a:prstGeom>
+          </p:spPr>
+          <p:txBody>
+            <a:bodyPr wrap="none">
+              <a:spAutoFit/>
+            </a:bodyPr>
+            <a:lstStyle/>
+            <a:p>
+              <a:r>
+                <a:rPr lang="ko-KR" altLang="en-US" dirty="0">
+                  <a:latin typeface="ELAND 초이스OTF Medium" pitchFamily="18" charset="-127"/>
+                  <a:ea typeface="ELAND 초이스OTF Medium" pitchFamily="18" charset="-127"/>
+                  <a:cs typeface="코트라 볼드체" pitchFamily="18" charset="-127"/>
+                </a:rPr>
+                <a:t>주문하기</a:t>
+              </a:r>
+              <a:endParaRPr lang="en-US" altLang="ko-KR" dirty="0">
+                <a:latin typeface="ELAND 초이스OTF Medium" pitchFamily="18" charset="-127"/>
+                <a:ea typeface="ELAND 초이스OTF Medium" pitchFamily="18" charset="-127"/>
+                <a:cs typeface="코트라 볼드체" pitchFamily="18" charset="-127"/>
+              </a:endParaRPr>
+            </a:p>
+          </p:txBody>
+        </p:sp>
+        <p:sp>
+          <p:nvSpPr>
+            <p:cNvPr id="10" name="직사각형 9"/>
+            <p:cNvSpPr/>
+            <p:nvPr/>
+          </p:nvSpPr>
+          <p:spPr>
+            <a:xfrm>
+              <a:off x="2448718" y="3482460"/>
+              <a:ext cx="617477" cy="276999"/>
+            </a:xfrm>
+            <a:prstGeom prst="rect">
+              <a:avLst/>
+            </a:prstGeom>
+          </p:spPr>
+          <p:txBody>
+            <a:bodyPr wrap="none">
+              <a:spAutoFit/>
+            </a:bodyPr>
+            <a:lstStyle/>
+            <a:p>
+              <a:r>
+                <a:rPr lang="ko-KR" altLang="en-US" dirty="0">
+                  <a:latin typeface="ELAND 초이스OTF Medium" pitchFamily="18" charset="-127"/>
+                  <a:ea typeface="ELAND 초이스OTF Medium" pitchFamily="18" charset="-127"/>
+                  <a:cs typeface="코트라 볼드체" pitchFamily="18" charset="-127"/>
+                </a:rPr>
+                <a:t>배송</a:t>
+              </a:r>
+              <a:endParaRPr lang="en-US" altLang="ko-KR" dirty="0">
+                <a:latin typeface="ELAND 초이스OTF Medium" pitchFamily="18" charset="-127"/>
+                <a:ea typeface="ELAND 초이스OTF Medium" pitchFamily="18" charset="-127"/>
+                <a:cs typeface="코트라 볼드체" pitchFamily="18" charset="-127"/>
+              </a:endParaRPr>
+            </a:p>
+          </p:txBody>
+        </p:sp>
+        <p:sp>
+          <p:nvSpPr>
+            <p:cNvPr id="11" name="직사각형 10"/>
+            <p:cNvSpPr/>
+            <p:nvPr/>
+          </p:nvSpPr>
+          <p:spPr>
+            <a:xfrm>
+              <a:off x="2448718" y="4589679"/>
+              <a:ext cx="1050288" cy="276999"/>
+            </a:xfrm>
+            <a:prstGeom prst="rect">
+              <a:avLst/>
+            </a:prstGeom>
+          </p:spPr>
+          <p:txBody>
+            <a:bodyPr wrap="none">
+              <a:spAutoFit/>
+            </a:bodyPr>
+            <a:lstStyle/>
+            <a:p>
+              <a:r>
+                <a:rPr lang="ko-KR" altLang="en-US" dirty="0">
+                  <a:latin typeface="ELAND 초이스OTF Medium" pitchFamily="18" charset="-127"/>
+                  <a:ea typeface="ELAND 초이스OTF Medium" pitchFamily="18" charset="-127"/>
+                  <a:cs typeface="코트라 볼드체" pitchFamily="18" charset="-127"/>
+                </a:rPr>
+                <a:t>구매확정</a:t>
+              </a:r>
+              <a:endParaRPr lang="en-US" altLang="ko-KR" dirty="0">
+                <a:latin typeface="ELAND 초이스OTF Medium" pitchFamily="18" charset="-127"/>
+                <a:ea typeface="ELAND 초이스OTF Medium" pitchFamily="18" charset="-127"/>
+                <a:cs typeface="코트라 볼드체" pitchFamily="18" charset="-127"/>
+              </a:endParaRPr>
+            </a:p>
+          </p:txBody>
+        </p:sp>
+        <p:sp>
+          <p:nvSpPr>
+            <p:cNvPr id="12" name="직사각형 11"/>
+            <p:cNvSpPr/>
+            <p:nvPr/>
+          </p:nvSpPr>
+          <p:spPr>
+            <a:xfrm>
+              <a:off x="2448718" y="4021783"/>
+              <a:ext cx="1483098" cy="276999"/>
+            </a:xfrm>
+            <a:prstGeom prst="rect">
+              <a:avLst/>
+            </a:prstGeom>
+          </p:spPr>
+          <p:txBody>
+            <a:bodyPr wrap="none">
+              <a:spAutoFit/>
+            </a:bodyPr>
+            <a:lstStyle/>
+            <a:p>
+              <a:r>
+                <a:rPr lang="ko-KR" altLang="en-US" dirty="0" smtClean="0">
+                  <a:latin typeface="ELAND 초이스OTF Medium" pitchFamily="18" charset="-127"/>
+                  <a:ea typeface="ELAND 초이스OTF Medium" pitchFamily="18" charset="-127"/>
+                  <a:cs typeface="코트라 볼드체" pitchFamily="18" charset="-127"/>
+                </a:rPr>
+                <a:t>주문목록확인</a:t>
+              </a:r>
+              <a:endParaRPr lang="en-US" altLang="ko-KR" dirty="0">
+                <a:latin typeface="ELAND 초이스OTF Medium" pitchFamily="18" charset="-127"/>
+                <a:ea typeface="ELAND 초이스OTF Medium" pitchFamily="18" charset="-127"/>
+                <a:cs typeface="코트라 볼드체" pitchFamily="18" charset="-127"/>
+              </a:endParaRPr>
+            </a:p>
+          </p:txBody>
+        </p:sp>
+        <p:cxnSp>
+          <p:nvCxnSpPr>
+            <p:cNvPr id="15" name="직선 연결선 14"/>
+            <p:cNvCxnSpPr/>
+            <p:nvPr/>
+          </p:nvCxnSpPr>
+          <p:spPr>
+            <a:xfrm>
+              <a:off x="2304702" y="1630673"/>
+              <a:ext cx="1375030" cy="0"/>
+            </a:xfrm>
+            <a:prstGeom prst="line">
+              <a:avLst/>
+            </a:prstGeom>
+            <a:ln w="12700">
+              <a:solidFill>
+                <a:schemeClr val="bg2">
+                  <a:lumMod val="25000"/>
+                </a:schemeClr>
+              </a:solidFill>
+              <a:prstDash val="sysDash"/>
+            </a:ln>
+          </p:spPr>
+          <p:style>
+            <a:lnRef idx="1">
+              <a:schemeClr val="accent1"/>
+            </a:lnRef>
+            <a:fillRef idx="0">
+              <a:schemeClr val="accent1"/>
+            </a:fillRef>
+            <a:effectRef idx="0">
+              <a:schemeClr val="accent1"/>
+            </a:effectRef>
+            <a:fontRef idx="minor">
+              <a:schemeClr val="tx1"/>
+            </a:fontRef>
+          </p:style>
+        </p:cxnSp>
+      </p:grpSp>
+      <p:sp>
+        <p:nvSpPr>
+          <p:cNvPr id="26" name="TextBox 25"/>
+          <p:cNvSpPr txBox="1"/>
+          <p:nvPr/>
+        </p:nvSpPr>
+        <p:spPr>
+          <a:xfrm>
+            <a:off x="119449" y="906688"/>
+            <a:ext cx="1831784" cy="523220"/>
+          </a:xfrm>
+          <a:prstGeom prst="rect">
+            <a:avLst/>
+          </a:prstGeom>
+          <a:noFill/>
+        </p:spPr>
+        <p:txBody>
+          <a:bodyPr wrap="none" rtlCol="0">
+            <a:spAutoFit/>
+          </a:bodyPr>
+          <a:lstStyle/>
+          <a:p>
+            <a:r>
+              <a:rPr lang="ko-KR" altLang="en-US" sz="2800" dirty="0" smtClean="0">
+                <a:latin typeface="코트라 볼드체" pitchFamily="18" charset="-127"/>
+                <a:ea typeface="코트라 볼드체" pitchFamily="18" charset="-127"/>
+                <a:cs typeface="코트라 볼드체" pitchFamily="18" charset="-127"/>
+              </a:rPr>
+              <a:t>고객</a:t>
+            </a:r>
+            <a:r>
+              <a:rPr lang="en-US" altLang="ko-KR" sz="2000" i="1" dirty="0" smtClean="0">
+                <a:latin typeface="코트라 볼드체" pitchFamily="18" charset="-127"/>
+                <a:ea typeface="코트라 볼드체" pitchFamily="18" charset="-127"/>
+                <a:cs typeface="코트라 볼드체" pitchFamily="18" charset="-127"/>
+              </a:rPr>
+              <a:t>process</a:t>
+            </a:r>
+            <a:endParaRPr lang="ko-KR" altLang="en-US" sz="2000" i="1" dirty="0">
+              <a:latin typeface="코트라 볼드체" pitchFamily="18" charset="-127"/>
+              <a:ea typeface="코트라 볼드체" pitchFamily="18" charset="-127"/>
+              <a:cs typeface="코트라 볼드체" pitchFamily="18" charset="-127"/>
+            </a:endParaRPr>
+          </a:p>
+        </p:txBody>
+      </p:sp>
+      <p:sp>
+        <p:nvSpPr>
+          <p:cNvPr id="34" name="TextBox 33"/>
+          <p:cNvSpPr txBox="1"/>
+          <p:nvPr/>
+        </p:nvSpPr>
+        <p:spPr>
+          <a:xfrm>
+            <a:off x="1" y="43075"/>
+            <a:ext cx="3161443" cy="523220"/>
+          </a:xfrm>
+          <a:prstGeom prst="rect">
+            <a:avLst/>
+          </a:prstGeom>
+          <a:noFill/>
+        </p:spPr>
+        <p:txBody>
+          <a:bodyPr wrap="none" rtlCol="0">
+            <a:spAutoFit/>
+          </a:bodyPr>
+          <a:lstStyle/>
+          <a:p>
+            <a:r>
+              <a:rPr lang="en-US" altLang="ko-KR" sz="2800" dirty="0" smtClean="0">
+                <a:latin typeface="코트라 볼드체" pitchFamily="18" charset="-127"/>
+                <a:ea typeface="코트라 볼드체" pitchFamily="18" charset="-127"/>
+                <a:cs typeface="코트라 볼드체" pitchFamily="18" charset="-127"/>
+              </a:rPr>
+              <a:t>7. </a:t>
+            </a:r>
+            <a:r>
+              <a:rPr lang="ko-KR" altLang="en-US" sz="2800" dirty="0" smtClean="0">
+                <a:latin typeface="코트라 볼드체" pitchFamily="18" charset="-127"/>
+                <a:ea typeface="코트라 볼드체" pitchFamily="18" charset="-127"/>
+                <a:cs typeface="코트라 볼드체" pitchFamily="18" charset="-127"/>
+              </a:rPr>
+              <a:t>프로세스 흐름도</a:t>
+            </a:r>
+            <a:endParaRPr lang="ko-KR" altLang="en-US" sz="2800" dirty="0">
+              <a:latin typeface="코트라 볼드체" pitchFamily="18" charset="-127"/>
+              <a:ea typeface="코트라 볼드체" pitchFamily="18" charset="-127"/>
+              <a:cs typeface="코트라 볼드체" pitchFamily="18" charset="-127"/>
+            </a:endParaRPr>
+          </a:p>
+        </p:txBody>
+      </p:sp>
+      <p:cxnSp>
+        <p:nvCxnSpPr>
+          <p:cNvPr id="36" name="직선 연결선 35"/>
+          <p:cNvCxnSpPr/>
+          <p:nvPr/>
+        </p:nvCxnSpPr>
+        <p:spPr>
+          <a:xfrm>
+            <a:off x="0" y="740701"/>
+            <a:ext cx="9144000" cy="0"/>
+          </a:xfrm>
+          <a:prstGeom prst="line">
+            <a:avLst/>
+          </a:prstGeom>
+          <a:ln w="28575">
+            <a:solidFill>
+              <a:schemeClr val="bg2">
+                <a:lumMod val="25000"/>
+              </a:schemeClr>
+            </a:solidFill>
+          </a:ln>
+        </p:spPr>
+        <p:style>
+          <a:lnRef idx="1">
+            <a:schemeClr val="accent1"/>
+          </a:lnRef>
+          <a:fillRef idx="0">
+            <a:schemeClr val="accent1"/>
+          </a:fillRef>
+          <a:effectRef idx="0">
+            <a:schemeClr val="accent1"/>
+          </a:effectRef>
+          <a:fontRef idx="minor">
+            <a:schemeClr val="tx1"/>
+          </a:fontRef>
+        </p:style>
+      </p:cxnSp>
+      <p:cxnSp>
+        <p:nvCxnSpPr>
+          <p:cNvPr id="42" name="직선 화살표 연결선 41"/>
+          <p:cNvCxnSpPr/>
+          <p:nvPr/>
+        </p:nvCxnSpPr>
+        <p:spPr>
+          <a:xfrm>
+            <a:off x="1043608" y="1796819"/>
+            <a:ext cx="0" cy="4056111"/>
+          </a:xfrm>
+          <a:prstGeom prst="straightConnector1">
+            <a:avLst/>
+          </a:prstGeom>
+          <a:ln w="57150">
+            <a:solidFill>
+              <a:schemeClr val="bg2">
+                <a:lumMod val="25000"/>
+              </a:schemeClr>
+            </a:solidFill>
+            <a:tailEnd type="arrow"/>
+          </a:ln>
+        </p:spPr>
+        <p:style>
+          <a:lnRef idx="1">
+            <a:schemeClr val="accent1"/>
+          </a:lnRef>
+          <a:fillRef idx="0">
+            <a:schemeClr val="accent1"/>
+          </a:fillRef>
+          <a:effectRef idx="0">
+            <a:schemeClr val="accent1"/>
+          </a:effectRef>
+          <a:fontRef idx="minor">
+            <a:schemeClr val="tx1"/>
+          </a:fontRef>
+        </p:style>
+      </p:cxnSp>
+      <p:sp>
+        <p:nvSpPr>
+          <p:cNvPr id="50" name="TextBox 49"/>
+          <p:cNvSpPr txBox="1"/>
+          <p:nvPr/>
+        </p:nvSpPr>
+        <p:spPr>
+          <a:xfrm>
+            <a:off x="6948264" y="906688"/>
+            <a:ext cx="2189254" cy="523220"/>
+          </a:xfrm>
+          <a:prstGeom prst="rect">
+            <a:avLst/>
+          </a:prstGeom>
+          <a:noFill/>
+        </p:spPr>
+        <p:txBody>
+          <a:bodyPr wrap="none" rtlCol="0">
+            <a:spAutoFit/>
+          </a:bodyPr>
+          <a:lstStyle/>
+          <a:p>
+            <a:r>
+              <a:rPr lang="ko-KR" altLang="en-US" sz="2800" dirty="0" smtClean="0">
+                <a:latin typeface="코트라 볼드체" pitchFamily="18" charset="-127"/>
+                <a:ea typeface="코트라 볼드체" pitchFamily="18" charset="-127"/>
+                <a:cs typeface="코트라 볼드체" pitchFamily="18" charset="-127"/>
+              </a:rPr>
+              <a:t>관리자</a:t>
+            </a:r>
+            <a:r>
+              <a:rPr lang="en-US" altLang="ko-KR" sz="2000" i="1" dirty="0" smtClean="0">
+                <a:latin typeface="코트라 볼드체" pitchFamily="18" charset="-127"/>
+                <a:ea typeface="코트라 볼드체" pitchFamily="18" charset="-127"/>
+                <a:cs typeface="코트라 볼드체" pitchFamily="18" charset="-127"/>
+              </a:rPr>
+              <a:t>process</a:t>
+            </a:r>
+            <a:endParaRPr lang="ko-KR" altLang="en-US" sz="2000" i="1" dirty="0">
+              <a:latin typeface="코트라 볼드체" pitchFamily="18" charset="-127"/>
+              <a:ea typeface="코트라 볼드체" pitchFamily="18" charset="-127"/>
+              <a:cs typeface="코트라 볼드체" pitchFamily="18" charset="-127"/>
+            </a:endParaRPr>
+          </a:p>
+        </p:txBody>
+      </p:sp>
+      <p:grpSp>
+        <p:nvGrpSpPr>
+          <p:cNvPr id="89" name="그룹 88"/>
+          <p:cNvGrpSpPr/>
+          <p:nvPr/>
+        </p:nvGrpSpPr>
+        <p:grpSpPr>
+          <a:xfrm>
+            <a:off x="5220073" y="1448139"/>
+            <a:ext cx="2132953" cy="4250023"/>
+            <a:chOff x="5220072" y="1279683"/>
+            <a:chExt cx="2132953" cy="3187517"/>
+          </a:xfrm>
+        </p:grpSpPr>
+        <p:pic>
+          <p:nvPicPr>
+            <p:cNvPr id="52" name="Picture 27" descr="C:\Users\PC-08\Downloads\sustainable_food_production_iconset\png\128\crop_rotation.png"/>
+            <p:cNvPicPr>
+              <a:picLocks noChangeAspect="1" noChangeArrowheads="1"/>
+            </p:cNvPicPr>
+            <p:nvPr/>
+          </p:nvPicPr>
+          <p:blipFill>
+            <a:blip r:embed="rId2" cstate="print">
+              <a:extLst>
+                <a:ext uri="{28A0092B-C50C-407E-A947-70E740481C1C}">
+                  <a14:useLocalDpi xmlns:a14="http://schemas.microsoft.com/office/drawing/2010/main" val="0"/>
+                </a:ext>
+              </a:extLst>
+            </a:blip>
+            <a:srcRect/>
+            <a:stretch>
+              <a:fillRect/>
+            </a:stretch>
+          </p:blipFill>
+          <p:spPr bwMode="auto">
+            <a:xfrm>
+              <a:off x="7075661" y="4132360"/>
+              <a:ext cx="270793" cy="270793"/>
+            </a:xfrm>
+            <a:prstGeom prst="rect">
+              <a:avLst/>
+            </a:prstGeom>
+            <a:noFill/>
+            <a:extLst>
+              <a:ext uri="{909E8E84-426E-40DD-AFC4-6F175D3DCCD1}">
+                <a14:hiddenFill xmlns:a14="http://schemas.microsoft.com/office/drawing/2010/main">
+                  <a:solidFill>
+                    <a:srgbClr val="FFFFFF"/>
+                  </a:solidFill>
+                </a14:hiddenFill>
+              </a:ext>
+            </a:extLst>
+          </p:spPr>
+        </p:pic>
+        <p:pic>
+          <p:nvPicPr>
+            <p:cNvPr id="53" name="Picture 28" descr="C:\Users\PC-08\Downloads\sustainable_food_production_iconset\png\128\degraded_land_use.png"/>
+            <p:cNvPicPr>
+              <a:picLocks noChangeAspect="1" noChangeArrowheads="1"/>
+            </p:cNvPicPr>
+            <p:nvPr/>
+          </p:nvPicPr>
+          <p:blipFill>
+            <a:blip r:embed="rId3" cstate="print">
+              <a:extLst>
+                <a:ext uri="{28A0092B-C50C-407E-A947-70E740481C1C}">
+                  <a14:useLocalDpi xmlns:a14="http://schemas.microsoft.com/office/drawing/2010/main" val="0"/>
+                </a:ext>
+              </a:extLst>
+            </a:blip>
+            <a:srcRect/>
+            <a:stretch>
+              <a:fillRect/>
+            </a:stretch>
+          </p:blipFill>
+          <p:spPr bwMode="auto">
+            <a:xfrm>
+              <a:off x="7075662" y="1907024"/>
+              <a:ext cx="270793" cy="270793"/>
+            </a:xfrm>
+            <a:prstGeom prst="rect">
+              <a:avLst/>
+            </a:prstGeom>
+            <a:noFill/>
+            <a:extLst>
+              <a:ext uri="{909E8E84-426E-40DD-AFC4-6F175D3DCCD1}">
+                <a14:hiddenFill xmlns:a14="http://schemas.microsoft.com/office/drawing/2010/main">
+                  <a:solidFill>
+                    <a:srgbClr val="FFFFFF"/>
+                  </a:solidFill>
+                </a14:hiddenFill>
+              </a:ext>
+            </a:extLst>
+          </p:spPr>
+        </p:pic>
+        <p:pic>
+          <p:nvPicPr>
+            <p:cNvPr id="54" name="Picture 29" descr="C:\Users\PC-08\Downloads\sustainable_food_production_iconset\png\128\hydropony.png"/>
+            <p:cNvPicPr>
+              <a:picLocks noChangeAspect="1" noChangeArrowheads="1"/>
+            </p:cNvPicPr>
+            <p:nvPr/>
+          </p:nvPicPr>
+          <p:blipFill>
+            <a:blip r:embed="rId4" cstate="print">
+              <a:extLst>
+                <a:ext uri="{28A0092B-C50C-407E-A947-70E740481C1C}">
+                  <a14:useLocalDpi xmlns:a14="http://schemas.microsoft.com/office/drawing/2010/main" val="0"/>
+                </a:ext>
+              </a:extLst>
+            </a:blip>
+            <a:srcRect/>
+            <a:stretch>
+              <a:fillRect/>
+            </a:stretch>
+          </p:blipFill>
+          <p:spPr bwMode="auto">
+            <a:xfrm>
+              <a:off x="7075661" y="3576026"/>
+              <a:ext cx="270793" cy="270793"/>
+            </a:xfrm>
+            <a:prstGeom prst="rect">
+              <a:avLst/>
+            </a:prstGeom>
+            <a:noFill/>
+            <a:extLst>
+              <a:ext uri="{909E8E84-426E-40DD-AFC4-6F175D3DCCD1}">
+                <a14:hiddenFill xmlns:a14="http://schemas.microsoft.com/office/drawing/2010/main">
+                  <a:solidFill>
+                    <a:srgbClr val="FFFFFF"/>
+                  </a:solidFill>
+                </a14:hiddenFill>
+              </a:ext>
+            </a:extLst>
+          </p:spPr>
+        </p:pic>
+        <p:pic>
+          <p:nvPicPr>
+            <p:cNvPr id="56" name="Picture 31" descr="C:\Users\PC-08\Downloads\sustainable_food_production_iconset\png\128\organic.png"/>
+            <p:cNvPicPr>
+              <a:picLocks noChangeAspect="1" noChangeArrowheads="1"/>
+            </p:cNvPicPr>
+            <p:nvPr/>
+          </p:nvPicPr>
+          <p:blipFill>
+            <a:blip r:embed="rId6" cstate="print">
+              <a:extLst>
+                <a:ext uri="{28A0092B-C50C-407E-A947-70E740481C1C}">
+                  <a14:useLocalDpi xmlns:a14="http://schemas.microsoft.com/office/drawing/2010/main" val="0"/>
+                </a:ext>
+              </a:extLst>
+            </a:blip>
+            <a:srcRect/>
+            <a:stretch>
+              <a:fillRect/>
+            </a:stretch>
+          </p:blipFill>
+          <p:spPr bwMode="auto">
+            <a:xfrm>
+              <a:off x="7075662" y="2463358"/>
+              <a:ext cx="270793" cy="270793"/>
+            </a:xfrm>
+            <a:prstGeom prst="rect">
+              <a:avLst/>
+            </a:prstGeom>
+            <a:noFill/>
+            <a:extLst>
+              <a:ext uri="{909E8E84-426E-40DD-AFC4-6F175D3DCCD1}">
+                <a14:hiddenFill xmlns:a14="http://schemas.microsoft.com/office/drawing/2010/main">
+                  <a:solidFill>
+                    <a:srgbClr val="FFFFFF"/>
+                  </a:solidFill>
+                </a14:hiddenFill>
+              </a:ext>
+            </a:extLst>
+          </p:spPr>
+        </p:pic>
+        <p:pic>
+          <p:nvPicPr>
+            <p:cNvPr id="57" name="Picture 32" descr="C:\Users\PC-08\Downloads\sustainable_food_production_iconset\png\128\vegan.png"/>
+            <p:cNvPicPr>
+              <a:picLocks noChangeAspect="1" noChangeArrowheads="1"/>
+            </p:cNvPicPr>
+            <p:nvPr/>
+          </p:nvPicPr>
+          <p:blipFill>
+            <a:blip r:embed="rId7" cstate="print">
+              <a:extLst>
+                <a:ext uri="{28A0092B-C50C-407E-A947-70E740481C1C}">
+                  <a14:useLocalDpi xmlns:a14="http://schemas.microsoft.com/office/drawing/2010/main" val="0"/>
+                </a:ext>
+              </a:extLst>
+            </a:blip>
+            <a:srcRect/>
+            <a:stretch>
+              <a:fillRect/>
+            </a:stretch>
+          </p:blipFill>
+          <p:spPr bwMode="auto">
+            <a:xfrm>
+              <a:off x="7082232" y="1350690"/>
+              <a:ext cx="270793" cy="270793"/>
+            </a:xfrm>
+            <a:prstGeom prst="rect">
+              <a:avLst/>
+            </a:prstGeom>
+            <a:noFill/>
+            <a:extLst>
+              <a:ext uri="{909E8E84-426E-40DD-AFC4-6F175D3DCCD1}">
+                <a14:hiddenFill xmlns:a14="http://schemas.microsoft.com/office/drawing/2010/main">
+                  <a:solidFill>
+                    <a:srgbClr val="FFFFFF"/>
+                  </a:solidFill>
+                </a14:hiddenFill>
+              </a:ext>
+            </a:extLst>
+          </p:spPr>
+        </p:pic>
+        <p:pic>
+          <p:nvPicPr>
+            <p:cNvPr id="58" name="Picture 33" descr="C:\Users\PC-08\Downloads\sustainable_food_production_iconset\png\128\urban_agriculture.png"/>
+            <p:cNvPicPr>
+              <a:picLocks noChangeAspect="1" noChangeArrowheads="1"/>
+            </p:cNvPicPr>
+            <p:nvPr/>
+          </p:nvPicPr>
+          <p:blipFill>
+            <a:blip r:embed="rId8" cstate="print">
+              <a:extLst>
+                <a:ext uri="{28A0092B-C50C-407E-A947-70E740481C1C}">
+                  <a14:useLocalDpi xmlns:a14="http://schemas.microsoft.com/office/drawing/2010/main" val="0"/>
+                </a:ext>
+              </a:extLst>
+            </a:blip>
+            <a:srcRect/>
+            <a:stretch>
+              <a:fillRect/>
+            </a:stretch>
+          </p:blipFill>
+          <p:spPr bwMode="auto">
+            <a:xfrm>
+              <a:off x="7075661" y="3019692"/>
+              <a:ext cx="270793" cy="270793"/>
+            </a:xfrm>
+            <a:prstGeom prst="rect">
+              <a:avLst/>
+            </a:prstGeom>
+            <a:noFill/>
+            <a:extLst>
+              <a:ext uri="{909E8E84-426E-40DD-AFC4-6F175D3DCCD1}">
+                <a14:hiddenFill xmlns:a14="http://schemas.microsoft.com/office/drawing/2010/main">
+                  <a:solidFill>
+                    <a:srgbClr val="FFFFFF"/>
+                  </a:solidFill>
+                </a14:hiddenFill>
+              </a:ext>
+            </a:extLst>
+          </p:spPr>
+        </p:pic>
+        <p:cxnSp>
+          <p:nvCxnSpPr>
+            <p:cNvPr id="59" name="직선 연결선 58"/>
+            <p:cNvCxnSpPr/>
+            <p:nvPr/>
+          </p:nvCxnSpPr>
+          <p:spPr>
+            <a:xfrm>
+              <a:off x="6741085" y="1279683"/>
+              <a:ext cx="0" cy="3187517"/>
+            </a:xfrm>
+            <a:prstGeom prst="line">
+              <a:avLst/>
+            </a:prstGeom>
+            <a:ln w="12700">
+              <a:solidFill>
+                <a:schemeClr val="bg2">
+                  <a:lumMod val="25000"/>
+                </a:schemeClr>
+              </a:solidFill>
+            </a:ln>
+          </p:spPr>
+          <p:style>
+            <a:lnRef idx="1">
+              <a:schemeClr val="accent1"/>
+            </a:lnRef>
+            <a:fillRef idx="0">
+              <a:schemeClr val="accent1"/>
+            </a:fillRef>
+            <a:effectRef idx="0">
+              <a:schemeClr val="accent1"/>
+            </a:effectRef>
+            <a:fontRef idx="minor">
+              <a:schemeClr val="tx1"/>
+            </a:fontRef>
+          </p:style>
+        </p:cxnSp>
+        <p:sp>
+          <p:nvSpPr>
+            <p:cNvPr id="60" name="타원 59"/>
+            <p:cNvSpPr/>
+            <p:nvPr/>
+          </p:nvSpPr>
+          <p:spPr>
+            <a:xfrm>
+              <a:off x="6659372" y="1449244"/>
+              <a:ext cx="193981" cy="193981"/>
+            </a:xfrm>
+            <a:prstGeom prst="ellipse">
+              <a:avLst/>
+            </a:prstGeom>
+            <a:solidFill>
+              <a:schemeClr val="accent6">
+                <a:lumMod val="75000"/>
+              </a:schemeClr>
+            </a:solidFill>
+            <a:ln>
+              <a:noFill/>
+            </a:ln>
+          </p:spPr>
+          <p:style>
+            <a:lnRef idx="2">
+              <a:schemeClr val="accent1">
+                <a:shade val="50000"/>
+              </a:schemeClr>
+            </a:lnRef>
+            <a:fillRef idx="1">
+              <a:schemeClr val="accent1"/>
+            </a:fillRef>
+            <a:effectRef idx="0">
+              <a:schemeClr val="accent1"/>
+            </a:effectRef>
+            <a:fontRef idx="minor">
+              <a:schemeClr val="lt1"/>
+            </a:fontRef>
+          </p:style>
+          <p:txBody>
+            <a:bodyPr rtlCol="0" anchor="ctr"/>
+            <a:lstStyle/>
+            <a:p>
+              <a:pPr algn="ctr"/>
+              <a:endParaRPr lang="ko-KR" altLang="en-US"/>
+            </a:p>
+          </p:txBody>
+        </p:sp>
+        <p:sp>
+          <p:nvSpPr>
+            <p:cNvPr id="61" name="타원 60"/>
+            <p:cNvSpPr/>
+            <p:nvPr/>
+          </p:nvSpPr>
+          <p:spPr>
+            <a:xfrm>
+              <a:off x="6659372" y="1967171"/>
+              <a:ext cx="193981" cy="193981"/>
+            </a:xfrm>
+            <a:prstGeom prst="ellipse">
+              <a:avLst/>
+            </a:prstGeom>
+            <a:solidFill>
+              <a:schemeClr val="tx1">
+                <a:lumMod val="65000"/>
+                <a:lumOff val="35000"/>
+              </a:schemeClr>
+            </a:solidFill>
+            <a:ln>
+              <a:noFill/>
+            </a:ln>
+          </p:spPr>
+          <p:style>
+            <a:lnRef idx="2">
+              <a:schemeClr val="accent1">
+                <a:shade val="50000"/>
+              </a:schemeClr>
+            </a:lnRef>
+            <a:fillRef idx="1">
+              <a:schemeClr val="accent1"/>
+            </a:fillRef>
+            <a:effectRef idx="0">
+              <a:schemeClr val="accent1"/>
+            </a:effectRef>
+            <a:fontRef idx="minor">
+              <a:schemeClr val="lt1"/>
+            </a:fontRef>
+          </p:style>
+          <p:txBody>
+            <a:bodyPr rtlCol="0" anchor="ctr"/>
+            <a:lstStyle/>
+            <a:p>
+              <a:pPr algn="ctr"/>
+              <a:endParaRPr lang="ko-KR" altLang="en-US"/>
+            </a:p>
+          </p:txBody>
+        </p:sp>
+        <p:sp>
+          <p:nvSpPr>
+            <p:cNvPr id="62" name="타원 61"/>
+            <p:cNvSpPr/>
+            <p:nvPr/>
+          </p:nvSpPr>
+          <p:spPr>
+            <a:xfrm>
+              <a:off x="6659372" y="2523505"/>
+              <a:ext cx="193981" cy="193981"/>
+            </a:xfrm>
+            <a:prstGeom prst="ellipse">
+              <a:avLst/>
+            </a:prstGeom>
+            <a:solidFill>
+              <a:schemeClr val="tx1">
+                <a:lumMod val="65000"/>
+                <a:lumOff val="35000"/>
+              </a:schemeClr>
+            </a:solidFill>
+            <a:ln>
+              <a:noFill/>
+            </a:ln>
+          </p:spPr>
+          <p:style>
+            <a:lnRef idx="2">
+              <a:schemeClr val="accent1">
+                <a:shade val="50000"/>
+              </a:schemeClr>
+            </a:lnRef>
+            <a:fillRef idx="1">
+              <a:schemeClr val="accent1"/>
+            </a:fillRef>
+            <a:effectRef idx="0">
+              <a:schemeClr val="accent1"/>
+            </a:effectRef>
+            <a:fontRef idx="minor">
+              <a:schemeClr val="lt1"/>
+            </a:fontRef>
+          </p:style>
+          <p:txBody>
+            <a:bodyPr rtlCol="0" anchor="ctr"/>
+            <a:lstStyle/>
+            <a:p>
+              <a:pPr algn="ctr"/>
+              <a:endParaRPr lang="ko-KR" altLang="en-US"/>
+            </a:p>
+          </p:txBody>
+        </p:sp>
+        <p:sp>
+          <p:nvSpPr>
+            <p:cNvPr id="63" name="타원 62"/>
+            <p:cNvSpPr/>
+            <p:nvPr/>
+          </p:nvSpPr>
+          <p:spPr>
+            <a:xfrm>
+              <a:off x="6659372" y="3079839"/>
+              <a:ext cx="193981" cy="193981"/>
+            </a:xfrm>
+            <a:prstGeom prst="ellipse">
+              <a:avLst/>
+            </a:prstGeom>
+            <a:solidFill>
+              <a:schemeClr val="tx1">
+                <a:lumMod val="65000"/>
+                <a:lumOff val="35000"/>
+              </a:schemeClr>
+            </a:solidFill>
+            <a:ln>
+              <a:noFill/>
+            </a:ln>
+          </p:spPr>
+          <p:style>
+            <a:lnRef idx="2">
+              <a:schemeClr val="accent1">
+                <a:shade val="50000"/>
+              </a:schemeClr>
+            </a:lnRef>
+            <a:fillRef idx="1">
+              <a:schemeClr val="accent1"/>
+            </a:fillRef>
+            <a:effectRef idx="0">
+              <a:schemeClr val="accent1"/>
+            </a:effectRef>
+            <a:fontRef idx="minor">
+              <a:schemeClr val="lt1"/>
+            </a:fontRef>
+          </p:style>
+          <p:txBody>
+            <a:bodyPr rtlCol="0" anchor="ctr"/>
+            <a:lstStyle/>
+            <a:p>
+              <a:pPr algn="ctr"/>
+              <a:endParaRPr lang="ko-KR" altLang="en-US"/>
+            </a:p>
+          </p:txBody>
+        </p:sp>
+        <p:sp>
+          <p:nvSpPr>
+            <p:cNvPr id="64" name="타원 63"/>
+            <p:cNvSpPr/>
+            <p:nvPr/>
+          </p:nvSpPr>
+          <p:spPr>
+            <a:xfrm>
+              <a:off x="6659372" y="3636173"/>
+              <a:ext cx="193981" cy="193981"/>
+            </a:xfrm>
+            <a:prstGeom prst="ellipse">
+              <a:avLst/>
+            </a:prstGeom>
+            <a:solidFill>
+              <a:schemeClr val="tx1">
+                <a:lumMod val="65000"/>
+                <a:lumOff val="35000"/>
+              </a:schemeClr>
+            </a:solidFill>
+            <a:ln>
+              <a:noFill/>
+            </a:ln>
+          </p:spPr>
+          <p:style>
+            <a:lnRef idx="2">
+              <a:schemeClr val="accent1">
+                <a:shade val="50000"/>
+              </a:schemeClr>
+            </a:lnRef>
+            <a:fillRef idx="1">
+              <a:schemeClr val="accent1"/>
+            </a:fillRef>
+            <a:effectRef idx="0">
+              <a:schemeClr val="accent1"/>
+            </a:effectRef>
+            <a:fontRef idx="minor">
+              <a:schemeClr val="lt1"/>
+            </a:fontRef>
+          </p:style>
+          <p:txBody>
+            <a:bodyPr rtlCol="0" anchor="ctr"/>
+            <a:lstStyle/>
+            <a:p>
+              <a:pPr algn="ctr"/>
+              <a:endParaRPr lang="ko-KR" altLang="en-US"/>
+            </a:p>
+          </p:txBody>
+        </p:sp>
+        <p:sp>
+          <p:nvSpPr>
+            <p:cNvPr id="65" name="타원 64"/>
+            <p:cNvSpPr/>
+            <p:nvPr/>
+          </p:nvSpPr>
+          <p:spPr>
+            <a:xfrm>
+              <a:off x="6659372" y="4192507"/>
+              <a:ext cx="193981" cy="193981"/>
+            </a:xfrm>
+            <a:prstGeom prst="ellipse">
+              <a:avLst/>
+            </a:prstGeom>
+            <a:solidFill>
+              <a:schemeClr val="tx1">
+                <a:lumMod val="65000"/>
+                <a:lumOff val="35000"/>
+              </a:schemeClr>
+            </a:solidFill>
+            <a:ln>
+              <a:noFill/>
+            </a:ln>
+          </p:spPr>
+          <p:style>
+            <a:lnRef idx="2">
+              <a:schemeClr val="accent1">
+                <a:shade val="50000"/>
+              </a:schemeClr>
+            </a:lnRef>
+            <a:fillRef idx="1">
+              <a:schemeClr val="accent1"/>
+            </a:fillRef>
+            <a:effectRef idx="0">
+              <a:schemeClr val="accent1"/>
+            </a:effectRef>
+            <a:fontRef idx="minor">
+              <a:schemeClr val="lt1"/>
+            </a:fontRef>
+          </p:style>
+          <p:txBody>
+            <a:bodyPr rtlCol="0" anchor="ctr"/>
+            <a:lstStyle/>
+            <a:p>
+              <a:pPr algn="ctr"/>
+              <a:endParaRPr lang="ko-KR" altLang="en-US"/>
+            </a:p>
+          </p:txBody>
+        </p:sp>
+        <p:sp>
+          <p:nvSpPr>
+            <p:cNvPr id="67" name="직사각형 66"/>
+            <p:cNvSpPr/>
+            <p:nvPr/>
+          </p:nvSpPr>
+          <p:spPr>
+            <a:xfrm>
+              <a:off x="5606396" y="1397093"/>
+              <a:ext cx="1096774" cy="276999"/>
+            </a:xfrm>
+            <a:prstGeom prst="rect">
+              <a:avLst/>
+            </a:prstGeom>
+          </p:spPr>
+          <p:txBody>
+            <a:bodyPr wrap="none">
+              <a:spAutoFit/>
+            </a:bodyPr>
+            <a:lstStyle/>
+            <a:p>
+              <a:pPr algn="r"/>
+              <a:r>
+                <a:rPr lang="ko-KR" altLang="en-US" dirty="0" smtClean="0">
+                  <a:latin typeface="코트라 볼드체" pitchFamily="18" charset="-127"/>
+                  <a:ea typeface="코트라 볼드체" pitchFamily="18" charset="-127"/>
+                  <a:cs typeface="코트라 볼드체" pitchFamily="18" charset="-127"/>
+                </a:rPr>
+                <a:t>물품등록</a:t>
+              </a:r>
+              <a:endParaRPr lang="en-US" altLang="ko-KR" dirty="0">
+                <a:latin typeface="코트라 볼드체" pitchFamily="18" charset="-127"/>
+                <a:ea typeface="코트라 볼드체" pitchFamily="18" charset="-127"/>
+                <a:cs typeface="코트라 볼드체" pitchFamily="18" charset="-127"/>
+              </a:endParaRPr>
+            </a:p>
+          </p:txBody>
+        </p:sp>
+        <p:cxnSp>
+          <p:nvCxnSpPr>
+            <p:cNvPr id="74" name="직선 연결선 73"/>
+            <p:cNvCxnSpPr/>
+            <p:nvPr/>
+          </p:nvCxnSpPr>
+          <p:spPr>
+            <a:xfrm>
+              <a:off x="5522564" y="1706758"/>
+              <a:ext cx="1375030" cy="0"/>
+            </a:xfrm>
+            <a:prstGeom prst="line">
+              <a:avLst/>
+            </a:prstGeom>
+            <a:ln w="12700">
+              <a:solidFill>
+                <a:schemeClr val="bg2">
+                  <a:lumMod val="25000"/>
+                </a:schemeClr>
+              </a:solidFill>
+              <a:prstDash val="sysDash"/>
+            </a:ln>
+          </p:spPr>
+          <p:style>
+            <a:lnRef idx="1">
+              <a:schemeClr val="accent1"/>
+            </a:lnRef>
+            <a:fillRef idx="0">
+              <a:schemeClr val="accent1"/>
+            </a:fillRef>
+            <a:effectRef idx="0">
+              <a:schemeClr val="accent1"/>
+            </a:effectRef>
+            <a:fontRef idx="minor">
+              <a:schemeClr val="tx1"/>
+            </a:fontRef>
+          </p:style>
+        </p:cxnSp>
+        <p:sp>
+          <p:nvSpPr>
+            <p:cNvPr id="81" name="직사각형 80"/>
+            <p:cNvSpPr/>
+            <p:nvPr/>
+          </p:nvSpPr>
+          <p:spPr>
+            <a:xfrm>
+              <a:off x="5408809" y="1876202"/>
+              <a:ext cx="1330814" cy="276999"/>
+            </a:xfrm>
+            <a:prstGeom prst="rect">
+              <a:avLst/>
+            </a:prstGeom>
+          </p:spPr>
+          <p:txBody>
+            <a:bodyPr wrap="none">
+              <a:spAutoFit/>
+            </a:bodyPr>
+            <a:lstStyle/>
+            <a:p>
+              <a:r>
+                <a:rPr lang="ko-KR" altLang="en-US" dirty="0" err="1" smtClean="0">
+                  <a:latin typeface="ELAND 초이스OTF Medium" pitchFamily="18" charset="-127"/>
+                  <a:ea typeface="ELAND 초이스OTF Medium" pitchFamily="18" charset="-127"/>
+                  <a:cs typeface="코트라 볼드체" pitchFamily="18" charset="-127"/>
+                </a:rPr>
+                <a:t>판매글</a:t>
+              </a:r>
+              <a:r>
+                <a:rPr lang="ko-KR" altLang="en-US" dirty="0" smtClean="0">
+                  <a:latin typeface="ELAND 초이스OTF Medium" pitchFamily="18" charset="-127"/>
+                  <a:ea typeface="ELAND 초이스OTF Medium" pitchFamily="18" charset="-127"/>
+                  <a:cs typeface="코트라 볼드체" pitchFamily="18" charset="-127"/>
+                </a:rPr>
+                <a:t> 작성</a:t>
+              </a:r>
+              <a:endParaRPr lang="en-US" altLang="ko-KR" dirty="0">
+                <a:latin typeface="ELAND 초이스OTF Medium" pitchFamily="18" charset="-127"/>
+                <a:ea typeface="ELAND 초이스OTF Medium" pitchFamily="18" charset="-127"/>
+                <a:cs typeface="코트라 볼드체" pitchFamily="18" charset="-127"/>
+              </a:endParaRPr>
+            </a:p>
+          </p:txBody>
+        </p:sp>
+        <p:sp>
+          <p:nvSpPr>
+            <p:cNvPr id="82" name="직사각형 81"/>
+            <p:cNvSpPr/>
+            <p:nvPr/>
+          </p:nvSpPr>
+          <p:spPr>
+            <a:xfrm>
+              <a:off x="5221855" y="2418589"/>
+              <a:ext cx="1483098" cy="276999"/>
+            </a:xfrm>
+            <a:prstGeom prst="rect">
+              <a:avLst/>
+            </a:prstGeom>
+          </p:spPr>
+          <p:txBody>
+            <a:bodyPr wrap="none">
+              <a:spAutoFit/>
+            </a:bodyPr>
+            <a:lstStyle/>
+            <a:p>
+              <a:r>
+                <a:rPr lang="ko-KR" altLang="en-US" dirty="0" smtClean="0">
+                  <a:latin typeface="ELAND 초이스OTF Medium" pitchFamily="18" charset="-127"/>
+                  <a:ea typeface="ELAND 초이스OTF Medium" pitchFamily="18" charset="-127"/>
+                  <a:cs typeface="코트라 볼드체" pitchFamily="18" charset="-127"/>
+                </a:rPr>
+                <a:t>주문정보확인</a:t>
+              </a:r>
+              <a:endParaRPr lang="en-US" altLang="ko-KR" dirty="0">
+                <a:latin typeface="ELAND 초이스OTF Medium" pitchFamily="18" charset="-127"/>
+                <a:ea typeface="ELAND 초이스OTF Medium" pitchFamily="18" charset="-127"/>
+                <a:cs typeface="코트라 볼드체" pitchFamily="18" charset="-127"/>
+              </a:endParaRPr>
+            </a:p>
+          </p:txBody>
+        </p:sp>
+        <p:sp>
+          <p:nvSpPr>
+            <p:cNvPr id="83" name="직사각형 82"/>
+            <p:cNvSpPr/>
+            <p:nvPr/>
+          </p:nvSpPr>
+          <p:spPr>
+            <a:xfrm>
+              <a:off x="6087476" y="2976961"/>
+              <a:ext cx="617477" cy="276999"/>
+            </a:xfrm>
+            <a:prstGeom prst="rect">
+              <a:avLst/>
+            </a:prstGeom>
+          </p:spPr>
+          <p:txBody>
+            <a:bodyPr wrap="none">
+              <a:spAutoFit/>
+            </a:bodyPr>
+            <a:lstStyle/>
+            <a:p>
+              <a:r>
+                <a:rPr lang="ko-KR" altLang="en-US" dirty="0" smtClean="0">
+                  <a:latin typeface="ELAND 초이스OTF Medium" pitchFamily="18" charset="-127"/>
+                  <a:ea typeface="ELAND 초이스OTF Medium" pitchFamily="18" charset="-127"/>
+                  <a:cs typeface="코트라 볼드체" pitchFamily="18" charset="-127"/>
+                </a:rPr>
+                <a:t>배송</a:t>
+              </a:r>
+              <a:endParaRPr lang="en-US" altLang="ko-KR" dirty="0">
+                <a:latin typeface="ELAND 초이스OTF Medium" pitchFamily="18" charset="-127"/>
+                <a:ea typeface="ELAND 초이스OTF Medium" pitchFamily="18" charset="-127"/>
+                <a:cs typeface="코트라 볼드체" pitchFamily="18" charset="-127"/>
+              </a:endParaRPr>
+            </a:p>
+          </p:txBody>
+        </p:sp>
+        <p:sp>
+          <p:nvSpPr>
+            <p:cNvPr id="84" name="직사각형 83"/>
+            <p:cNvSpPr/>
+            <p:nvPr/>
+          </p:nvSpPr>
+          <p:spPr>
+            <a:xfrm>
+              <a:off x="5654665" y="3544859"/>
+              <a:ext cx="1050288" cy="276999"/>
+            </a:xfrm>
+            <a:prstGeom prst="rect">
+              <a:avLst/>
+            </a:prstGeom>
+          </p:spPr>
+          <p:txBody>
+            <a:bodyPr wrap="none">
+              <a:spAutoFit/>
+            </a:bodyPr>
+            <a:lstStyle/>
+            <a:p>
+              <a:r>
+                <a:rPr lang="ko-KR" altLang="en-US" smtClean="0">
+                  <a:latin typeface="ELAND 초이스OTF Medium" pitchFamily="18" charset="-127"/>
+                  <a:ea typeface="ELAND 초이스OTF Medium" pitchFamily="18" charset="-127"/>
+                  <a:cs typeface="코트라 볼드체" pitchFamily="18" charset="-127"/>
+                </a:rPr>
+                <a:t>회</a:t>
+              </a:r>
+              <a:r>
+                <a:rPr lang="ko-KR" altLang="en-US">
+                  <a:latin typeface="ELAND 초이스OTF Medium" pitchFamily="18" charset="-127"/>
+                  <a:ea typeface="ELAND 초이스OTF Medium" pitchFamily="18" charset="-127"/>
+                  <a:cs typeface="코트라 볼드체" pitchFamily="18" charset="-127"/>
+                </a:rPr>
+                <a:t>원</a:t>
+              </a:r>
+              <a:r>
+                <a:rPr lang="ko-KR" altLang="en-US" smtClean="0">
+                  <a:latin typeface="ELAND 초이스OTF Medium" pitchFamily="18" charset="-127"/>
+                  <a:ea typeface="ELAND 초이스OTF Medium" pitchFamily="18" charset="-127"/>
+                  <a:cs typeface="코트라 볼드체" pitchFamily="18" charset="-127"/>
+                </a:rPr>
+                <a:t>분석</a:t>
+              </a:r>
+              <a:endParaRPr lang="en-US" altLang="ko-KR" dirty="0">
+                <a:latin typeface="ELAND 초이스OTF Medium" pitchFamily="18" charset="-127"/>
+                <a:ea typeface="ELAND 초이스OTF Medium" pitchFamily="18" charset="-127"/>
+                <a:cs typeface="코트라 볼드체" pitchFamily="18" charset="-127"/>
+              </a:endParaRPr>
+            </a:p>
+          </p:txBody>
+        </p:sp>
+        <p:sp>
+          <p:nvSpPr>
+            <p:cNvPr id="86" name="직사각형 85"/>
+            <p:cNvSpPr/>
+            <p:nvPr/>
+          </p:nvSpPr>
+          <p:spPr>
+            <a:xfrm>
+              <a:off x="5220072" y="4084182"/>
+              <a:ext cx="1483098" cy="276999"/>
+            </a:xfrm>
+            <a:prstGeom prst="rect">
+              <a:avLst/>
+            </a:prstGeom>
+          </p:spPr>
+          <p:txBody>
+            <a:bodyPr wrap="none">
+              <a:spAutoFit/>
+            </a:bodyPr>
+            <a:lstStyle/>
+            <a:p>
+              <a:r>
+                <a:rPr lang="ko-KR" altLang="en-US" smtClean="0">
+                  <a:latin typeface="ELAND 초이스OTF Medium" pitchFamily="18" charset="-127"/>
+                  <a:ea typeface="ELAND 초이스OTF Medium" pitchFamily="18" charset="-127"/>
+                  <a:cs typeface="코트라 볼드체" pitchFamily="18" charset="-127"/>
+                </a:rPr>
+                <a:t>매출현황분석</a:t>
+              </a:r>
+              <a:endParaRPr lang="en-US" altLang="ko-KR" dirty="0">
+                <a:latin typeface="ELAND 초이스OTF Medium" pitchFamily="18" charset="-127"/>
+                <a:ea typeface="ELAND 초이스OTF Medium" pitchFamily="18" charset="-127"/>
+                <a:cs typeface="코트라 볼드체" pitchFamily="18" charset="-127"/>
+              </a:endParaRPr>
+            </a:p>
+          </p:txBody>
+        </p:sp>
+      </p:grpSp>
+      <p:cxnSp>
+        <p:nvCxnSpPr>
+          <p:cNvPr id="87" name="직선 화살표 연결선 86"/>
+          <p:cNvCxnSpPr/>
+          <p:nvPr/>
+        </p:nvCxnSpPr>
+        <p:spPr>
+          <a:xfrm>
+            <a:off x="8100392" y="1796819"/>
+            <a:ext cx="0" cy="4056111"/>
+          </a:xfrm>
+          <a:prstGeom prst="straightConnector1">
+            <a:avLst/>
+          </a:prstGeom>
+          <a:ln w="57150">
+            <a:solidFill>
+              <a:schemeClr val="bg2">
+                <a:lumMod val="25000"/>
+              </a:schemeClr>
+            </a:solidFill>
+            <a:tailEnd type="arrow"/>
+          </a:ln>
+        </p:spPr>
+        <p:style>
+          <a:lnRef idx="1">
+            <a:schemeClr val="accent1"/>
+          </a:lnRef>
+          <a:fillRef idx="0">
+            <a:schemeClr val="accent1"/>
+          </a:fillRef>
+          <a:effectRef idx="0">
+            <a:schemeClr val="accent1"/>
+          </a:effectRef>
+          <a:fontRef idx="minor">
+            <a:schemeClr val="tx1"/>
+          </a:fontRef>
+        </p:style>
+      </p:cxnSp>
+      <p:cxnSp>
+        <p:nvCxnSpPr>
+          <p:cNvPr id="44" name="직선 연결선 43"/>
+          <p:cNvCxnSpPr/>
+          <p:nvPr/>
+        </p:nvCxnSpPr>
+        <p:spPr>
+          <a:xfrm>
+            <a:off x="4572000" y="2395657"/>
+            <a:ext cx="0" cy="2354833"/>
+          </a:xfrm>
+          <a:prstGeom prst="line">
+            <a:avLst/>
+          </a:prstGeom>
+          <a:ln w="28575">
+            <a:solidFill>
+              <a:schemeClr val="bg2">
+                <a:lumMod val="25000"/>
+              </a:schemeClr>
+            </a:solidFill>
+          </a:ln>
+        </p:spPr>
+        <p:style>
+          <a:lnRef idx="1">
+            <a:schemeClr val="accent1"/>
+          </a:lnRef>
+          <a:fillRef idx="0">
+            <a:schemeClr val="accent1"/>
+          </a:fillRef>
+          <a:effectRef idx="0">
+            <a:schemeClr val="accent1"/>
+          </a:effectRef>
+          <a:fontRef idx="minor">
+            <a:schemeClr val="tx1"/>
+          </a:fontRef>
+        </p:style>
+      </p:cxnSp>
+      <p:sp>
+        <p:nvSpPr>
+          <p:cNvPr id="6" name="직사각형 5"/>
+          <p:cNvSpPr/>
+          <p:nvPr/>
+        </p:nvSpPr>
+        <p:spPr>
+          <a:xfrm>
+            <a:off x="2546251" y="2650226"/>
+            <a:ext cx="1449436" cy="276999"/>
+          </a:xfrm>
+          <a:prstGeom prst="rect">
+            <a:avLst/>
+          </a:prstGeom>
+        </p:spPr>
+        <p:txBody>
+          <a:bodyPr wrap="none">
+            <a:spAutoFit/>
+          </a:bodyPr>
+          <a:lstStyle/>
+          <a:p>
+            <a:r>
+              <a:rPr lang="en-US" altLang="ko-KR" sz="1200" dirty="0">
+                <a:latin typeface="ELAND 초이스OTF Light" pitchFamily="18" charset="-127"/>
+                <a:ea typeface="ELAND 초이스OTF Light" pitchFamily="18" charset="-127"/>
+              </a:rPr>
+              <a:t>- </a:t>
+            </a:r>
+            <a:r>
+              <a:rPr lang="ko-KR" altLang="en-US" sz="1200" dirty="0">
+                <a:latin typeface="ELAND 초이스OTF Light" pitchFamily="18" charset="-127"/>
+                <a:ea typeface="ELAND 초이스OTF Light" pitchFamily="18" charset="-127"/>
+              </a:rPr>
+              <a:t>상품세부정보조회</a:t>
+            </a:r>
+            <a:endParaRPr lang="en-US" altLang="ko-KR" sz="1200" dirty="0">
+              <a:latin typeface="ELAND 초이스OTF Light" pitchFamily="18" charset="-127"/>
+              <a:ea typeface="ELAND 초이스OTF Light" pitchFamily="18" charset="-127"/>
+            </a:endParaRPr>
+          </a:p>
+        </p:txBody>
+      </p:sp>
+      <p:sp>
+        <p:nvSpPr>
+          <p:cNvPr id="14" name="직사각형 13"/>
+          <p:cNvSpPr/>
+          <p:nvPr/>
+        </p:nvSpPr>
+        <p:spPr>
+          <a:xfrm>
+            <a:off x="2546252" y="4124149"/>
+            <a:ext cx="1266693" cy="276999"/>
+          </a:xfrm>
+          <a:prstGeom prst="rect">
+            <a:avLst/>
+          </a:prstGeom>
+        </p:spPr>
+        <p:txBody>
+          <a:bodyPr wrap="none">
+            <a:spAutoFit/>
+          </a:bodyPr>
+          <a:lstStyle/>
+          <a:p>
+            <a:r>
+              <a:rPr lang="en-US" altLang="ko-KR" sz="1200" dirty="0">
+                <a:latin typeface="ELAND 초이스OTF Light" pitchFamily="18" charset="-127"/>
+                <a:ea typeface="ELAND 초이스OTF Light" pitchFamily="18" charset="-127"/>
+              </a:rPr>
+              <a:t>- </a:t>
+            </a:r>
+            <a:r>
+              <a:rPr lang="en-US" altLang="ko-KR" sz="1200" dirty="0" smtClean="0">
+                <a:latin typeface="ELAND 초이스OTF Light" pitchFamily="18" charset="-127"/>
+                <a:ea typeface="ELAND 초이스OTF Light" pitchFamily="18" charset="-127"/>
+              </a:rPr>
+              <a:t>CASH</a:t>
+            </a:r>
+            <a:r>
+              <a:rPr lang="ko-KR" altLang="en-US" sz="1200" dirty="0" smtClean="0">
+                <a:latin typeface="ELAND 초이스OTF Light" pitchFamily="18" charset="-127"/>
+                <a:ea typeface="ELAND 초이스OTF Light" pitchFamily="18" charset="-127"/>
+              </a:rPr>
+              <a:t> 충전하기</a:t>
+            </a:r>
+            <a:endParaRPr lang="en-US" altLang="ko-KR" sz="1200" dirty="0">
+              <a:latin typeface="ELAND 초이스OTF Light" pitchFamily="18" charset="-127"/>
+              <a:ea typeface="ELAND 초이스OTF Light" pitchFamily="18" charset="-127"/>
+            </a:endParaRPr>
+          </a:p>
+        </p:txBody>
+      </p:sp>
+      <p:pic>
+        <p:nvPicPr>
+          <p:cNvPr id="66" name="Picture 2" descr="C:\Users\PC-08\Desktop\깃을사용하지않으면 죽는다 ㅠ\Default-logo.png"/>
+          <p:cNvPicPr>
+            <a:picLocks noChangeAspect="1" noChangeArrowheads="1"/>
+          </p:cNvPicPr>
+          <p:nvPr/>
+        </p:nvPicPr>
+        <p:blipFill>
+          <a:blip r:embed="rId9" cstate="print">
+            <a:extLst>
+              <a:ext uri="{28A0092B-C50C-407E-A947-70E740481C1C}">
+                <a14:useLocalDpi xmlns:a14="http://schemas.microsoft.com/office/drawing/2010/main" val="0"/>
+              </a:ext>
+            </a:extLst>
+          </a:blip>
+          <a:srcRect/>
+          <a:stretch>
+            <a:fillRect/>
+          </a:stretch>
+        </p:blipFill>
+        <p:spPr bwMode="auto">
+          <a:xfrm>
+            <a:off x="8028384" y="-72863"/>
+            <a:ext cx="1195670" cy="837567"/>
+          </a:xfrm>
+          <a:prstGeom prst="rect">
+            <a:avLst/>
+          </a:prstGeom>
+          <a:noFill/>
+          <a:extLst>
+            <a:ext uri="{909E8E84-426E-40DD-AFC4-6F175D3DCCD1}">
+              <a14:hiddenFill xmlns:a14="http://schemas.microsoft.com/office/drawing/2010/main">
+                <a:solidFill>
+                  <a:srgbClr val="FFFFFF"/>
+                </a:solidFill>
+              </a14:hiddenFill>
+            </a:ext>
+          </a:extLst>
+        </p:spPr>
+      </p:pic>
+    </p:spTree>
+    <p:extLst>
+      <p:ext uri="{BB962C8B-B14F-4D97-AF65-F5344CB8AC3E}">
+        <p14:creationId xmlns:p14="http://schemas.microsoft.com/office/powerpoint/2010/main" val="1999784265"/>
+      </p:ext>
+    </p:extLst>
+  </p:cSld>
+  <p:clrMapOvr>
+    <a:masterClrMapping/>
+  </p:clrMapOvr>
+  <p:timing>
+    <p:tnLst>
+      <p:par>
+        <p:cTn id="1" dur="indefinite" restart="never" nodeType="tmRoot"/>
+      </p:par>
+    </p:tnLst>
+  </p:timing>
 </p:sld>
 </file>
 
